--- a/docs/proj4_report.pptx
+++ b/docs/proj4_report.pptx
@@ -10146,10 +10146,10 @@
               <a:buNone/>
             </a:pPr>
             <a:r>
-              <a:rPr lang="en"/>
-              <a:t>CS 6476 Project 4</a:t>
+              <a:rPr lang="en" dirty="0"/>
+              <a:t>CS 4476/6476 Project 4</a:t>
             </a:r>
-            <a:endParaRPr/>
+            <a:endParaRPr dirty="0"/>
           </a:p>
         </p:txBody>
       </p:sp>
@@ -10997,7 +10997,7 @@
             </a:pPr>
             <a:r>
               <a:rPr lang="en" dirty="0"/>
-              <a:t>[Explain the rationale for each of the changes listed.]</a:t>
+              <a:t>[Is the loss function of the ResNet model from part 3 appropriate for this problem? Why or why not?]</a:t>
             </a:r>
             <a:endParaRPr dirty="0"/>
           </a:p>
@@ -11111,7 +11111,7 @@
             </a:pPr>
             <a:r>
               <a:rPr lang="en" dirty="0"/>
-              <a:t>[Explain a problem that might arise with multilabel classification. HINT: consider the purpose of visualizing your results with the accuracy table. You might want to do some data exploration here.]</a:t>
+              <a:t>[Explain a problem that one needs to be wary of with multilabel classification. HINT: consider the purpose of visualizing your results with the accuracy table. You might want to do some data exploration here.]</a:t>
             </a:r>
             <a:endParaRPr dirty="0"/>
           </a:p>

--- a/docs/proj4_report.pptx
+++ b/docs/proj4_report.pptx
@@ -5,7 +5,7 @@
     <p:sldMasterId id="2147483659" r:id="rId1"/>
   </p:sldMasterIdLst>
   <p:notesMasterIdLst>
-    <p:notesMasterId r:id="rId16"/>
+    <p:notesMasterId r:id="rId17"/>
   </p:notesMasterIdLst>
   <p:sldIdLst>
     <p:sldId id="256" r:id="rId2"/>
@@ -17,11 +17,12 @@
     <p:sldId id="262" r:id="rId8"/>
     <p:sldId id="263" r:id="rId9"/>
     <p:sldId id="264" r:id="rId10"/>
-    <p:sldId id="265" r:id="rId11"/>
-    <p:sldId id="268" r:id="rId12"/>
-    <p:sldId id="269" r:id="rId13"/>
-    <p:sldId id="267" r:id="rId14"/>
-    <p:sldId id="270" r:id="rId15"/>
+    <p:sldId id="271" r:id="rId11"/>
+    <p:sldId id="265" r:id="rId12"/>
+    <p:sldId id="268" r:id="rId13"/>
+    <p:sldId id="269" r:id="rId14"/>
+    <p:sldId id="267" r:id="rId15"/>
+    <p:sldId id="270" r:id="rId16"/>
   </p:sldIdLst>
   <p:sldSz cx="9144000" cy="5143500" type="screen16x9"/>
   <p:notesSz cx="6858000" cy="9144000"/>
@@ -271,6 +272,469 @@
     </p:ext>
   </p:extLst>
 </p:presentation>
+</file>
+
+<file path=ppt/revisionInfo.xml><?xml version="1.0" encoding="utf-8"?>
+<p1510:revInfo xmlns:a="http://schemas.openxmlformats.org/drawingml/2006/main" xmlns:r="http://schemas.openxmlformats.org/officeDocument/2006/relationships" xmlns:p1510="http://schemas.microsoft.com/office/powerpoint/2015/10/main">
+  <p1510:revLst>
+    <p1510:client id="{7976DB38-3065-4BA1-91BF-A1048E1F5D4F}" v="190" dt="2022-11-12T05:46:41.240"/>
+  </p1510:revLst>
+</p1510:revInfo>
+</file>
+
+<file path=ppt/changesInfos/changesInfo1.xml><?xml version="1.0" encoding="utf-8"?>
+<pc:chgInfo xmlns:a="http://schemas.openxmlformats.org/drawingml/2006/main" xmlns:r="http://schemas.openxmlformats.org/officeDocument/2006/relationships" xmlns:ac="http://schemas.microsoft.com/office/drawing/2013/main/command" xmlns:pc="http://schemas.microsoft.com/office/powerpoint/2013/main/command">
+  <pc:docChgLst>
+    <pc:chgData name="Newaz, Shuvo" userId="4c2373e7-346f-4797-94d1-ef2a1d69f094" providerId="ADAL" clId="{7976DB38-3065-4BA1-91BF-A1048E1F5D4F}"/>
+    <pc:docChg chg="undo custSel addSld modSld">
+      <pc:chgData name="Newaz, Shuvo" userId="4c2373e7-346f-4797-94d1-ef2a1d69f094" providerId="ADAL" clId="{7976DB38-3065-4BA1-91BF-A1048E1F5D4F}" dt="2022-11-12T05:53:45.832" v="3288" actId="20577"/>
+      <pc:docMkLst>
+        <pc:docMk/>
+      </pc:docMkLst>
+      <pc:sldChg chg="modSp mod">
+        <pc:chgData name="Newaz, Shuvo" userId="4c2373e7-346f-4797-94d1-ef2a1d69f094" providerId="ADAL" clId="{7976DB38-3065-4BA1-91BF-A1048E1F5D4F}" dt="2022-11-09T19:38:05.243" v="150" actId="2711"/>
+        <pc:sldMkLst>
+          <pc:docMk/>
+          <pc:sldMk cId="0" sldId="256"/>
+        </pc:sldMkLst>
+        <pc:spChg chg="mod">
+          <ac:chgData name="Newaz, Shuvo" userId="4c2373e7-346f-4797-94d1-ef2a1d69f094" providerId="ADAL" clId="{7976DB38-3065-4BA1-91BF-A1048E1F5D4F}" dt="2022-11-09T19:38:05.243" v="150" actId="2711"/>
+          <ac:spMkLst>
+            <pc:docMk/>
+            <pc:sldMk cId="0" sldId="256"/>
+            <ac:spMk id="55" creationId="{00000000-0000-0000-0000-000000000000}"/>
+          </ac:spMkLst>
+        </pc:spChg>
+      </pc:sldChg>
+      <pc:sldChg chg="addSp delSp modSp mod">
+        <pc:chgData name="Newaz, Shuvo" userId="4c2373e7-346f-4797-94d1-ef2a1d69f094" providerId="ADAL" clId="{7976DB38-3065-4BA1-91BF-A1048E1F5D4F}" dt="2022-11-12T04:52:43.574" v="1570" actId="20577"/>
+        <pc:sldMkLst>
+          <pc:docMk/>
+          <pc:sldMk cId="0" sldId="257"/>
+        </pc:sldMkLst>
+        <pc:spChg chg="mod">
+          <ac:chgData name="Newaz, Shuvo" userId="4c2373e7-346f-4797-94d1-ef2a1d69f094" providerId="ADAL" clId="{7976DB38-3065-4BA1-91BF-A1048E1F5D4F}" dt="2022-11-12T04:52:43.574" v="1570" actId="20577"/>
+          <ac:spMkLst>
+            <pc:docMk/>
+            <pc:sldMk cId="0" sldId="257"/>
+            <ac:spMk id="61" creationId="{00000000-0000-0000-0000-000000000000}"/>
+          </ac:spMkLst>
+        </pc:spChg>
+        <pc:picChg chg="add del mod">
+          <ac:chgData name="Newaz, Shuvo" userId="4c2373e7-346f-4797-94d1-ef2a1d69f094" providerId="ADAL" clId="{7976DB38-3065-4BA1-91BF-A1048E1F5D4F}" dt="2022-11-12T02:31:49.707" v="804" actId="478"/>
+          <ac:picMkLst>
+            <pc:docMk/>
+            <pc:sldMk cId="0" sldId="257"/>
+            <ac:picMk id="3" creationId="{7FC49F9A-A119-6FEC-6D46-2FE2FFE244A2}"/>
+          </ac:picMkLst>
+        </pc:picChg>
+        <pc:picChg chg="add del mod">
+          <ac:chgData name="Newaz, Shuvo" userId="4c2373e7-346f-4797-94d1-ef2a1d69f094" providerId="ADAL" clId="{7976DB38-3065-4BA1-91BF-A1048E1F5D4F}" dt="2022-11-12T02:05:27.861" v="751"/>
+          <ac:picMkLst>
+            <pc:docMk/>
+            <pc:sldMk cId="0" sldId="257"/>
+            <ac:picMk id="4" creationId="{860FDA44-4155-694B-0FC7-DD3DB3CD9F64}"/>
+          </ac:picMkLst>
+        </pc:picChg>
+        <pc:picChg chg="add del mod">
+          <ac:chgData name="Newaz, Shuvo" userId="4c2373e7-346f-4797-94d1-ef2a1d69f094" providerId="ADAL" clId="{7976DB38-3065-4BA1-91BF-A1048E1F5D4F}" dt="2022-11-12T02:32:13.507" v="812" actId="478"/>
+          <ac:picMkLst>
+            <pc:docMk/>
+            <pc:sldMk cId="0" sldId="257"/>
+            <ac:picMk id="6" creationId="{BEE8C04E-EA9B-3B4E-E5E4-480A625539FC}"/>
+          </ac:picMkLst>
+        </pc:picChg>
+        <pc:picChg chg="add mod">
+          <ac:chgData name="Newaz, Shuvo" userId="4c2373e7-346f-4797-94d1-ef2a1d69f094" providerId="ADAL" clId="{7976DB38-3065-4BA1-91BF-A1048E1F5D4F}" dt="2022-11-12T02:32:08.605" v="811" actId="14100"/>
+          <ac:picMkLst>
+            <pc:docMk/>
+            <pc:sldMk cId="0" sldId="257"/>
+            <ac:picMk id="8" creationId="{0AA74CFB-38CB-EC14-D8F7-5D566842B06B}"/>
+          </ac:picMkLst>
+        </pc:picChg>
+        <pc:picChg chg="add mod">
+          <ac:chgData name="Newaz, Shuvo" userId="4c2373e7-346f-4797-94d1-ef2a1d69f094" providerId="ADAL" clId="{7976DB38-3065-4BA1-91BF-A1048E1F5D4F}" dt="2022-11-12T02:32:25.256" v="816" actId="1076"/>
+          <ac:picMkLst>
+            <pc:docMk/>
+            <pc:sldMk cId="0" sldId="257"/>
+            <ac:picMk id="10" creationId="{4CEB5071-53DD-76EA-A00D-4AABD0682085}"/>
+          </ac:picMkLst>
+        </pc:picChg>
+      </pc:sldChg>
+      <pc:sldChg chg="modSp mod">
+        <pc:chgData name="Newaz, Shuvo" userId="4c2373e7-346f-4797-94d1-ef2a1d69f094" providerId="ADAL" clId="{7976DB38-3065-4BA1-91BF-A1048E1F5D4F}" dt="2022-11-12T04:22:01.882" v="929" actId="20577"/>
+        <pc:sldMkLst>
+          <pc:docMk/>
+          <pc:sldMk cId="0" sldId="258"/>
+        </pc:sldMkLst>
+        <pc:graphicFrameChg chg="mod modGraphic">
+          <ac:chgData name="Newaz, Shuvo" userId="4c2373e7-346f-4797-94d1-ef2a1d69f094" providerId="ADAL" clId="{7976DB38-3065-4BA1-91BF-A1048E1F5D4F}" dt="2022-11-12T04:22:01.882" v="929" actId="20577"/>
+          <ac:graphicFrameMkLst>
+            <pc:docMk/>
+            <pc:sldMk cId="0" sldId="258"/>
+            <ac:graphicFrameMk id="69" creationId="{00000000-0000-0000-0000-000000000000}"/>
+          </ac:graphicFrameMkLst>
+        </pc:graphicFrameChg>
+      </pc:sldChg>
+      <pc:sldChg chg="addSp delSp modSp mod">
+        <pc:chgData name="Newaz, Shuvo" userId="4c2373e7-346f-4797-94d1-ef2a1d69f094" providerId="ADAL" clId="{7976DB38-3065-4BA1-91BF-A1048E1F5D4F}" dt="2022-11-12T04:52:46.038" v="1571" actId="20577"/>
+        <pc:sldMkLst>
+          <pc:docMk/>
+          <pc:sldMk cId="0" sldId="259"/>
+        </pc:sldMkLst>
+        <pc:spChg chg="mod">
+          <ac:chgData name="Newaz, Shuvo" userId="4c2373e7-346f-4797-94d1-ef2a1d69f094" providerId="ADAL" clId="{7976DB38-3065-4BA1-91BF-A1048E1F5D4F}" dt="2022-11-12T04:52:46.038" v="1571" actId="20577"/>
+          <ac:spMkLst>
+            <pc:docMk/>
+            <pc:sldMk cId="0" sldId="259"/>
+            <ac:spMk id="75" creationId="{00000000-0000-0000-0000-000000000000}"/>
+          </ac:spMkLst>
+        </pc:spChg>
+        <pc:picChg chg="add del mod">
+          <ac:chgData name="Newaz, Shuvo" userId="4c2373e7-346f-4797-94d1-ef2a1d69f094" providerId="ADAL" clId="{7976DB38-3065-4BA1-91BF-A1048E1F5D4F}" dt="2022-11-12T04:22:20.064" v="931" actId="478"/>
+          <ac:picMkLst>
+            <pc:docMk/>
+            <pc:sldMk cId="0" sldId="259"/>
+            <ac:picMk id="3" creationId="{6828263B-0776-9CFE-040E-286F1D4A8D68}"/>
+          </ac:picMkLst>
+        </pc:picChg>
+        <pc:picChg chg="add mod">
+          <ac:chgData name="Newaz, Shuvo" userId="4c2373e7-346f-4797-94d1-ef2a1d69f094" providerId="ADAL" clId="{7976DB38-3065-4BA1-91BF-A1048E1F5D4F}" dt="2022-11-12T04:22:47.597" v="944" actId="14100"/>
+          <ac:picMkLst>
+            <pc:docMk/>
+            <pc:sldMk cId="0" sldId="259"/>
+            <ac:picMk id="4" creationId="{0168A3C1-98A1-B89D-F6D3-28671E9A70F8}"/>
+          </ac:picMkLst>
+        </pc:picChg>
+        <pc:picChg chg="add del mod">
+          <ac:chgData name="Newaz, Shuvo" userId="4c2373e7-346f-4797-94d1-ef2a1d69f094" providerId="ADAL" clId="{7976DB38-3065-4BA1-91BF-A1048E1F5D4F}" dt="2022-11-12T04:22:35.521" v="938" actId="478"/>
+          <ac:picMkLst>
+            <pc:docMk/>
+            <pc:sldMk cId="0" sldId="259"/>
+            <ac:picMk id="5" creationId="{48ACE1DC-A0FD-1F5E-1A9E-86467C005B48}"/>
+          </ac:picMkLst>
+        </pc:picChg>
+        <pc:picChg chg="add mod">
+          <ac:chgData name="Newaz, Shuvo" userId="4c2373e7-346f-4797-94d1-ef2a1d69f094" providerId="ADAL" clId="{7976DB38-3065-4BA1-91BF-A1048E1F5D4F}" dt="2022-11-12T04:22:49.613" v="945" actId="14100"/>
+          <ac:picMkLst>
+            <pc:docMk/>
+            <pc:sldMk cId="0" sldId="259"/>
+            <ac:picMk id="7" creationId="{E62E9CCA-54C3-0BA2-DF0C-FDAEF546108E}"/>
+          </ac:picMkLst>
+        </pc:picChg>
+      </pc:sldChg>
+      <pc:sldChg chg="modSp mod">
+        <pc:chgData name="Newaz, Shuvo" userId="4c2373e7-346f-4797-94d1-ef2a1d69f094" providerId="ADAL" clId="{7976DB38-3065-4BA1-91BF-A1048E1F5D4F}" dt="2022-11-12T04:29:24.802" v="1263" actId="20577"/>
+        <pc:sldMkLst>
+          <pc:docMk/>
+          <pc:sldMk cId="0" sldId="260"/>
+        </pc:sldMkLst>
+        <pc:spChg chg="mod">
+          <ac:chgData name="Newaz, Shuvo" userId="4c2373e7-346f-4797-94d1-ef2a1d69f094" providerId="ADAL" clId="{7976DB38-3065-4BA1-91BF-A1048E1F5D4F}" dt="2022-11-12T04:24:59.354" v="1064" actId="20577"/>
+          <ac:spMkLst>
+            <pc:docMk/>
+            <pc:sldMk cId="0" sldId="260"/>
+            <ac:spMk id="82" creationId="{00000000-0000-0000-0000-000000000000}"/>
+          </ac:spMkLst>
+        </pc:spChg>
+        <pc:spChg chg="mod">
+          <ac:chgData name="Newaz, Shuvo" userId="4c2373e7-346f-4797-94d1-ef2a1d69f094" providerId="ADAL" clId="{7976DB38-3065-4BA1-91BF-A1048E1F5D4F}" dt="2022-11-12T04:29:24.802" v="1263" actId="20577"/>
+          <ac:spMkLst>
+            <pc:docMk/>
+            <pc:sldMk cId="0" sldId="260"/>
+            <ac:spMk id="83" creationId="{00000000-0000-0000-0000-000000000000}"/>
+          </ac:spMkLst>
+        </pc:spChg>
+      </pc:sldChg>
+      <pc:sldChg chg="modSp mod">
+        <pc:chgData name="Newaz, Shuvo" userId="4c2373e7-346f-4797-94d1-ef2a1d69f094" providerId="ADAL" clId="{7976DB38-3065-4BA1-91BF-A1048E1F5D4F}" dt="2022-11-12T04:40:37.881" v="1534" actId="20577"/>
+        <pc:sldMkLst>
+          <pc:docMk/>
+          <pc:sldMk cId="0" sldId="261"/>
+        </pc:sldMkLst>
+        <pc:spChg chg="mod">
+          <ac:chgData name="Newaz, Shuvo" userId="4c2373e7-346f-4797-94d1-ef2a1d69f094" providerId="ADAL" clId="{7976DB38-3065-4BA1-91BF-A1048E1F5D4F}" dt="2022-11-12T04:36:08.524" v="1307" actId="13926"/>
+          <ac:spMkLst>
+            <pc:docMk/>
+            <pc:sldMk cId="0" sldId="261"/>
+            <ac:spMk id="89" creationId="{00000000-0000-0000-0000-000000000000}"/>
+          </ac:spMkLst>
+        </pc:spChg>
+        <pc:spChg chg="mod">
+          <ac:chgData name="Newaz, Shuvo" userId="4c2373e7-346f-4797-94d1-ef2a1d69f094" providerId="ADAL" clId="{7976DB38-3065-4BA1-91BF-A1048E1F5D4F}" dt="2022-11-12T04:40:37.881" v="1534" actId="20577"/>
+          <ac:spMkLst>
+            <pc:docMk/>
+            <pc:sldMk cId="0" sldId="261"/>
+            <ac:spMk id="90" creationId="{00000000-0000-0000-0000-000000000000}"/>
+          </ac:spMkLst>
+        </pc:spChg>
+      </pc:sldChg>
+      <pc:sldChg chg="addSp delSp modSp mod">
+        <pc:chgData name="Newaz, Shuvo" userId="4c2373e7-346f-4797-94d1-ef2a1d69f094" providerId="ADAL" clId="{7976DB38-3065-4BA1-91BF-A1048E1F5D4F}" dt="2022-11-12T04:46:24.324" v="1560" actId="20577"/>
+        <pc:sldMkLst>
+          <pc:docMk/>
+          <pc:sldMk cId="0" sldId="262"/>
+        </pc:sldMkLst>
+        <pc:spChg chg="mod">
+          <ac:chgData name="Newaz, Shuvo" userId="4c2373e7-346f-4797-94d1-ef2a1d69f094" providerId="ADAL" clId="{7976DB38-3065-4BA1-91BF-A1048E1F5D4F}" dt="2022-11-12T04:46:24.324" v="1560" actId="20577"/>
+          <ac:spMkLst>
+            <pc:docMk/>
+            <pc:sldMk cId="0" sldId="262"/>
+            <ac:spMk id="96" creationId="{00000000-0000-0000-0000-000000000000}"/>
+          </ac:spMkLst>
+        </pc:spChg>
+        <pc:picChg chg="add del mod">
+          <ac:chgData name="Newaz, Shuvo" userId="4c2373e7-346f-4797-94d1-ef2a1d69f094" providerId="ADAL" clId="{7976DB38-3065-4BA1-91BF-A1048E1F5D4F}" dt="2022-11-12T04:45:41.024" v="1535" actId="478"/>
+          <ac:picMkLst>
+            <pc:docMk/>
+            <pc:sldMk cId="0" sldId="262"/>
+            <ac:picMk id="3" creationId="{AC93D96A-D4E5-6CDF-3B9D-966C36D4EB15}"/>
+          </ac:picMkLst>
+        </pc:picChg>
+        <pc:picChg chg="add mod">
+          <ac:chgData name="Newaz, Shuvo" userId="4c2373e7-346f-4797-94d1-ef2a1d69f094" providerId="ADAL" clId="{7976DB38-3065-4BA1-91BF-A1048E1F5D4F}" dt="2022-11-12T04:45:46.776" v="1538" actId="1076"/>
+          <ac:picMkLst>
+            <pc:docMk/>
+            <pc:sldMk cId="0" sldId="262"/>
+            <ac:picMk id="4" creationId="{7EC55419-5E12-C52A-BA3F-4A6675F69360}"/>
+          </ac:picMkLst>
+        </pc:picChg>
+        <pc:picChg chg="add del mod">
+          <ac:chgData name="Newaz, Shuvo" userId="4c2373e7-346f-4797-94d1-ef2a1d69f094" providerId="ADAL" clId="{7976DB38-3065-4BA1-91BF-A1048E1F5D4F}" dt="2022-11-12T04:45:54.864" v="1539" actId="478"/>
+          <ac:picMkLst>
+            <pc:docMk/>
+            <pc:sldMk cId="0" sldId="262"/>
+            <ac:picMk id="5" creationId="{9CB7E070-495B-7D2E-43F2-9CC68F898EFA}"/>
+          </ac:picMkLst>
+        </pc:picChg>
+        <pc:picChg chg="add mod">
+          <ac:chgData name="Newaz, Shuvo" userId="4c2373e7-346f-4797-94d1-ef2a1d69f094" providerId="ADAL" clId="{7976DB38-3065-4BA1-91BF-A1048E1F5D4F}" dt="2022-11-12T04:46:05.092" v="1544" actId="14100"/>
+          <ac:picMkLst>
+            <pc:docMk/>
+            <pc:sldMk cId="0" sldId="262"/>
+            <ac:picMk id="7" creationId="{8F509B9F-110B-0A25-3509-CEB469AC2E43}"/>
+          </ac:picMkLst>
+        </pc:picChg>
+      </pc:sldChg>
+      <pc:sldChg chg="addSp delSp modSp mod">
+        <pc:chgData name="Newaz, Shuvo" userId="4c2373e7-346f-4797-94d1-ef2a1d69f094" providerId="ADAL" clId="{7976DB38-3065-4BA1-91BF-A1048E1F5D4F}" dt="2022-11-12T04:46:46.754" v="1569" actId="1076"/>
+        <pc:sldMkLst>
+          <pc:docMk/>
+          <pc:sldMk cId="0" sldId="263"/>
+        </pc:sldMkLst>
+        <pc:picChg chg="add mod">
+          <ac:chgData name="Newaz, Shuvo" userId="4c2373e7-346f-4797-94d1-ef2a1d69f094" providerId="ADAL" clId="{7976DB38-3065-4BA1-91BF-A1048E1F5D4F}" dt="2022-11-12T04:46:46.754" v="1569" actId="1076"/>
+          <ac:picMkLst>
+            <pc:docMk/>
+            <pc:sldMk cId="0" sldId="263"/>
+            <ac:picMk id="3" creationId="{3E05ABFB-6E0C-AB10-7256-05084E975717}"/>
+          </ac:picMkLst>
+        </pc:picChg>
+        <pc:picChg chg="add del mod">
+          <ac:chgData name="Newaz, Shuvo" userId="4c2373e7-346f-4797-94d1-ef2a1d69f094" providerId="ADAL" clId="{7976DB38-3065-4BA1-91BF-A1048E1F5D4F}" dt="2022-11-05T02:26:57.221" v="26" actId="478"/>
+          <ac:picMkLst>
+            <pc:docMk/>
+            <pc:sldMk cId="0" sldId="263"/>
+            <ac:picMk id="3" creationId="{D8465CB4-3F2C-71B8-7345-3730C930EAB4}"/>
+          </ac:picMkLst>
+        </pc:picChg>
+        <pc:picChg chg="add del mod">
+          <ac:chgData name="Newaz, Shuvo" userId="4c2373e7-346f-4797-94d1-ef2a1d69f094" providerId="ADAL" clId="{7976DB38-3065-4BA1-91BF-A1048E1F5D4F}" dt="2022-11-12T04:46:32.472" v="1561" actId="478"/>
+          <ac:picMkLst>
+            <pc:docMk/>
+            <pc:sldMk cId="0" sldId="263"/>
+            <ac:picMk id="5" creationId="{27BAD21D-9797-54F5-37EB-F691CA05F540}"/>
+          </ac:picMkLst>
+        </pc:picChg>
+      </pc:sldChg>
+      <pc:sldChg chg="addSp delSp modSp mod">
+        <pc:chgData name="Newaz, Shuvo" userId="4c2373e7-346f-4797-94d1-ef2a1d69f094" providerId="ADAL" clId="{7976DB38-3065-4BA1-91BF-A1048E1F5D4F}" dt="2022-11-12T05:08:53.864" v="1974" actId="20577"/>
+        <pc:sldMkLst>
+          <pc:docMk/>
+          <pc:sldMk cId="0" sldId="264"/>
+        </pc:sldMkLst>
+        <pc:spChg chg="mod">
+          <ac:chgData name="Newaz, Shuvo" userId="4c2373e7-346f-4797-94d1-ef2a1d69f094" providerId="ADAL" clId="{7976DB38-3065-4BA1-91BF-A1048E1F5D4F}" dt="2022-11-12T05:08:53.864" v="1974" actId="20577"/>
+          <ac:spMkLst>
+            <pc:docMk/>
+            <pc:sldMk cId="0" sldId="264"/>
+            <ac:spMk id="109" creationId="{00000000-0000-0000-0000-000000000000}"/>
+          </ac:spMkLst>
+        </pc:spChg>
+        <pc:picChg chg="add del">
+          <ac:chgData name="Newaz, Shuvo" userId="4c2373e7-346f-4797-94d1-ef2a1d69f094" providerId="ADAL" clId="{7976DB38-3065-4BA1-91BF-A1048E1F5D4F}" dt="2022-11-12T05:08:27.556" v="1947" actId="21"/>
+          <ac:picMkLst>
+            <pc:docMk/>
+            <pc:sldMk cId="0" sldId="264"/>
+            <ac:picMk id="3" creationId="{3B4465A9-03AF-5DCF-0B22-42B91A176810}"/>
+          </ac:picMkLst>
+        </pc:picChg>
+      </pc:sldChg>
+      <pc:sldChg chg="modSp mod">
+        <pc:chgData name="Newaz, Shuvo" userId="4c2373e7-346f-4797-94d1-ef2a1d69f094" providerId="ADAL" clId="{7976DB38-3065-4BA1-91BF-A1048E1F5D4F}" dt="2022-11-12T05:53:45.832" v="3288" actId="20577"/>
+        <pc:sldMkLst>
+          <pc:docMk/>
+          <pc:sldMk cId="0" sldId="265"/>
+        </pc:sldMkLst>
+        <pc:spChg chg="mod">
+          <ac:chgData name="Newaz, Shuvo" userId="4c2373e7-346f-4797-94d1-ef2a1d69f094" providerId="ADAL" clId="{7976DB38-3065-4BA1-91BF-A1048E1F5D4F}" dt="2022-11-12T05:53:45.832" v="3288" actId="20577"/>
+          <ac:spMkLst>
+            <pc:docMk/>
+            <pc:sldMk cId="0" sldId="265"/>
+            <ac:spMk id="115" creationId="{00000000-0000-0000-0000-000000000000}"/>
+          </ac:spMkLst>
+        </pc:spChg>
+        <pc:spChg chg="mod">
+          <ac:chgData name="Newaz, Shuvo" userId="4c2373e7-346f-4797-94d1-ef2a1d69f094" providerId="ADAL" clId="{7976DB38-3065-4BA1-91BF-A1048E1F5D4F}" dt="2022-11-12T05:53:00.113" v="3243" actId="20577"/>
+          <ac:spMkLst>
+            <pc:docMk/>
+            <pc:sldMk cId="0" sldId="265"/>
+            <ac:spMk id="116" creationId="{00000000-0000-0000-0000-000000000000}"/>
+          </ac:spMkLst>
+        </pc:spChg>
+      </pc:sldChg>
+      <pc:sldChg chg="modSp mod">
+        <pc:chgData name="Newaz, Shuvo" userId="4c2373e7-346f-4797-94d1-ef2a1d69f094" providerId="ADAL" clId="{7976DB38-3065-4BA1-91BF-A1048E1F5D4F}" dt="2022-11-12T05:39:13.081" v="2581" actId="20577"/>
+        <pc:sldMkLst>
+          <pc:docMk/>
+          <pc:sldMk cId="3112130835" sldId="267"/>
+        </pc:sldMkLst>
+        <pc:spChg chg="mod">
+          <ac:chgData name="Newaz, Shuvo" userId="4c2373e7-346f-4797-94d1-ef2a1d69f094" providerId="ADAL" clId="{7976DB38-3065-4BA1-91BF-A1048E1F5D4F}" dt="2022-11-12T05:14:57.476" v="2208" actId="20577"/>
+          <ac:spMkLst>
+            <pc:docMk/>
+            <pc:sldMk cId="3112130835" sldId="267"/>
+            <ac:spMk id="115" creationId="{00000000-0000-0000-0000-000000000000}"/>
+          </ac:spMkLst>
+        </pc:spChg>
+        <pc:spChg chg="mod">
+          <ac:chgData name="Newaz, Shuvo" userId="4c2373e7-346f-4797-94d1-ef2a1d69f094" providerId="ADAL" clId="{7976DB38-3065-4BA1-91BF-A1048E1F5D4F}" dt="2022-11-12T05:39:13.081" v="2581" actId="20577"/>
+          <ac:spMkLst>
+            <pc:docMk/>
+            <pc:sldMk cId="3112130835" sldId="267"/>
+            <ac:spMk id="116" creationId="{00000000-0000-0000-0000-000000000000}"/>
+          </ac:spMkLst>
+        </pc:spChg>
+      </pc:sldChg>
+      <pc:sldChg chg="addSp delSp modSp mod">
+        <pc:chgData name="Newaz, Shuvo" userId="4c2373e7-346f-4797-94d1-ef2a1d69f094" providerId="ADAL" clId="{7976DB38-3065-4BA1-91BF-A1048E1F5D4F}" dt="2022-11-12T05:25:50.415" v="2579" actId="478"/>
+        <pc:sldMkLst>
+          <pc:docMk/>
+          <pc:sldMk cId="1098754398" sldId="268"/>
+        </pc:sldMkLst>
+        <pc:spChg chg="mod">
+          <ac:chgData name="Newaz, Shuvo" userId="4c2373e7-346f-4797-94d1-ef2a1d69f094" providerId="ADAL" clId="{7976DB38-3065-4BA1-91BF-A1048E1F5D4F}" dt="2022-11-12T05:12:38.321" v="2002" actId="20577"/>
+          <ac:spMkLst>
+            <pc:docMk/>
+            <pc:sldMk cId="1098754398" sldId="268"/>
+            <ac:spMk id="96" creationId="{00000000-0000-0000-0000-000000000000}"/>
+          </ac:spMkLst>
+        </pc:spChg>
+        <pc:picChg chg="add del mod">
+          <ac:chgData name="Newaz, Shuvo" userId="4c2373e7-346f-4797-94d1-ef2a1d69f094" providerId="ADAL" clId="{7976DB38-3065-4BA1-91BF-A1048E1F5D4F}" dt="2022-11-12T05:11:56.928" v="1975" actId="478"/>
+          <ac:picMkLst>
+            <pc:docMk/>
+            <pc:sldMk cId="1098754398" sldId="268"/>
+            <ac:picMk id="3" creationId="{4BFCF5AF-9B35-2ECC-CF97-169616EEC772}"/>
+          </ac:picMkLst>
+        </pc:picChg>
+        <pc:picChg chg="add del">
+          <ac:chgData name="Newaz, Shuvo" userId="4c2373e7-346f-4797-94d1-ef2a1d69f094" providerId="ADAL" clId="{7976DB38-3065-4BA1-91BF-A1048E1F5D4F}" dt="2022-11-12T01:59:53.686" v="745" actId="22"/>
+          <ac:picMkLst>
+            <pc:docMk/>
+            <pc:sldMk cId="1098754398" sldId="268"/>
+            <ac:picMk id="4" creationId="{E5385444-E9CB-1686-AB7A-97A0D1CE7638}"/>
+          </ac:picMkLst>
+        </pc:picChg>
+        <pc:picChg chg="add del mod">
+          <ac:chgData name="Newaz, Shuvo" userId="4c2373e7-346f-4797-94d1-ef2a1d69f094" providerId="ADAL" clId="{7976DB38-3065-4BA1-91BF-A1048E1F5D4F}" dt="2022-11-12T05:12:10.367" v="1981" actId="478"/>
+          <ac:picMkLst>
+            <pc:docMk/>
+            <pc:sldMk cId="1098754398" sldId="268"/>
+            <ac:picMk id="5" creationId="{EBE544A1-41FC-0AB4-0BE9-8376E90735CC}"/>
+          </ac:picMkLst>
+        </pc:picChg>
+        <pc:picChg chg="add del mod">
+          <ac:chgData name="Newaz, Shuvo" userId="4c2373e7-346f-4797-94d1-ef2a1d69f094" providerId="ADAL" clId="{7976DB38-3065-4BA1-91BF-A1048E1F5D4F}" dt="2022-11-12T05:25:50.415" v="2579" actId="478"/>
+          <ac:picMkLst>
+            <pc:docMk/>
+            <pc:sldMk cId="1098754398" sldId="268"/>
+            <ac:picMk id="7" creationId="{A23E11E4-19A3-C7D3-4D71-93924A69696B}"/>
+          </ac:picMkLst>
+        </pc:picChg>
+        <pc:picChg chg="add mod">
+          <ac:chgData name="Newaz, Shuvo" userId="4c2373e7-346f-4797-94d1-ef2a1d69f094" providerId="ADAL" clId="{7976DB38-3065-4BA1-91BF-A1048E1F5D4F}" dt="2022-11-12T05:12:16.324" v="1985" actId="14100"/>
+          <ac:picMkLst>
+            <pc:docMk/>
+            <pc:sldMk cId="1098754398" sldId="268"/>
+            <ac:picMk id="9" creationId="{CEE863FD-29FA-E150-CCA7-F2CFA9649C2B}"/>
+          </ac:picMkLst>
+        </pc:picChg>
+        <pc:picChg chg="add del mod">
+          <ac:chgData name="Newaz, Shuvo" userId="4c2373e7-346f-4797-94d1-ef2a1d69f094" providerId="ADAL" clId="{7976DB38-3065-4BA1-91BF-A1048E1F5D4F}" dt="2022-11-12T05:25:49.144" v="2578" actId="22"/>
+          <ac:picMkLst>
+            <pc:docMk/>
+            <pc:sldMk cId="1098754398" sldId="268"/>
+            <ac:picMk id="11" creationId="{8F52567A-4A4E-3A91-661E-4D4DE0628777}"/>
+          </ac:picMkLst>
+        </pc:picChg>
+      </pc:sldChg>
+      <pc:sldChg chg="addSp modSp mod">
+        <pc:chgData name="Newaz, Shuvo" userId="4c2373e7-346f-4797-94d1-ef2a1d69f094" providerId="ADAL" clId="{7976DB38-3065-4BA1-91BF-A1048E1F5D4F}" dt="2022-11-12T05:41:03.610" v="2583" actId="1076"/>
+        <pc:sldMkLst>
+          <pc:docMk/>
+          <pc:sldMk cId="2486327957" sldId="269"/>
+        </pc:sldMkLst>
+        <pc:picChg chg="add mod">
+          <ac:chgData name="Newaz, Shuvo" userId="4c2373e7-346f-4797-94d1-ef2a1d69f094" providerId="ADAL" clId="{7976DB38-3065-4BA1-91BF-A1048E1F5D4F}" dt="2022-11-12T05:41:03.610" v="2583" actId="1076"/>
+          <ac:picMkLst>
+            <pc:docMk/>
+            <pc:sldMk cId="2486327957" sldId="269"/>
+            <ac:picMk id="3" creationId="{63AD7B34-754A-87A9-5A90-2DB795751940}"/>
+          </ac:picMkLst>
+        </pc:picChg>
+      </pc:sldChg>
+      <pc:sldChg chg="modSp mod">
+        <pc:chgData name="Newaz, Shuvo" userId="4c2373e7-346f-4797-94d1-ef2a1d69f094" providerId="ADAL" clId="{7976DB38-3065-4BA1-91BF-A1048E1F5D4F}" dt="2022-11-12T05:49:46.363" v="3153" actId="20577"/>
+        <pc:sldMkLst>
+          <pc:docMk/>
+          <pc:sldMk cId="2143906477" sldId="270"/>
+        </pc:sldMkLst>
+        <pc:spChg chg="mod">
+          <ac:chgData name="Newaz, Shuvo" userId="4c2373e7-346f-4797-94d1-ef2a1d69f094" providerId="ADAL" clId="{7976DB38-3065-4BA1-91BF-A1048E1F5D4F}" dt="2022-11-12T05:49:46.363" v="3153" actId="20577"/>
+          <ac:spMkLst>
+            <pc:docMk/>
+            <pc:sldMk cId="2143906477" sldId="270"/>
+            <ac:spMk id="115" creationId="{00000000-0000-0000-0000-000000000000}"/>
+          </ac:spMkLst>
+        </pc:spChg>
+      </pc:sldChg>
+      <pc:sldChg chg="addSp modSp add mod">
+        <pc:chgData name="Newaz, Shuvo" userId="4c2373e7-346f-4797-94d1-ef2a1d69f094" providerId="ADAL" clId="{7976DB38-3065-4BA1-91BF-A1048E1F5D4F}" dt="2022-11-12T05:08:46.692" v="1954" actId="1076"/>
+        <pc:sldMkLst>
+          <pc:docMk/>
+          <pc:sldMk cId="3849135137" sldId="271"/>
+        </pc:sldMkLst>
+        <pc:spChg chg="mod">
+          <ac:chgData name="Newaz, Shuvo" userId="4c2373e7-346f-4797-94d1-ef2a1d69f094" providerId="ADAL" clId="{7976DB38-3065-4BA1-91BF-A1048E1F5D4F}" dt="2022-11-12T05:08:36.733" v="1949" actId="20577"/>
+          <ac:spMkLst>
+            <pc:docMk/>
+            <pc:sldMk cId="3849135137" sldId="271"/>
+            <ac:spMk id="109" creationId="{00000000-0000-0000-0000-000000000000}"/>
+          </ac:spMkLst>
+        </pc:spChg>
+        <pc:picChg chg="add mod">
+          <ac:chgData name="Newaz, Shuvo" userId="4c2373e7-346f-4797-94d1-ef2a1d69f094" providerId="ADAL" clId="{7976DB38-3065-4BA1-91BF-A1048E1F5D4F}" dt="2022-11-12T05:08:46.692" v="1954" actId="1076"/>
+          <ac:picMkLst>
+            <pc:docMk/>
+            <pc:sldMk cId="3849135137" sldId="271"/>
+            <ac:picMk id="2" creationId="{A6841E4C-F7E6-142D-2916-A0307992E919}"/>
+          </ac:picMkLst>
+        </pc:picChg>
+      </pc:sldChg>
+    </pc:docChg>
+  </pc:docChgLst>
+</pc:chgInfo>
 </file>
 
 <file path=ppt/notesMasters/notesMaster1.xml><?xml version="1.0" encoding="utf-8"?>
@@ -976,6 +1440,115 @@
   <p:cSld>
     <p:spTree>
       <p:nvGrpSpPr>
+        <p:cNvPr id="1" name="Shape 104"/>
+        <p:cNvGrpSpPr/>
+        <p:nvPr/>
+      </p:nvGrpSpPr>
+      <p:grpSpPr>
+        <a:xfrm>
+          <a:off x="0" y="0"/>
+          <a:ext cx="0" cy="0"/>
+          <a:chOff x="0" y="0"/>
+          <a:chExt cx="0" cy="0"/>
+        </a:xfrm>
+      </p:grpSpPr>
+      <p:sp>
+        <p:nvSpPr>
+          <p:cNvPr id="105" name="Google Shape;105;gcee6c9df4b_0_36:notes"/>
+          <p:cNvSpPr>
+            <a:spLocks noGrp="1" noRot="1" noChangeAspect="1"/>
+          </p:cNvSpPr>
+          <p:nvPr>
+            <p:ph type="sldImg" idx="2"/>
+          </p:nvPr>
+        </p:nvSpPr>
+        <p:spPr>
+          <a:xfrm>
+            <a:off x="381000" y="685800"/>
+            <a:ext cx="6096000" cy="3429000"/>
+          </a:xfrm>
+          <a:custGeom>
+            <a:avLst/>
+            <a:gdLst/>
+            <a:ahLst/>
+            <a:cxnLst/>
+            <a:rect l="l" t="t" r="r" b="b"/>
+            <a:pathLst>
+              <a:path w="120000" h="120000" extrusionOk="0">
+                <a:moveTo>
+                  <a:pt x="0" y="0"/>
+                </a:moveTo>
+                <a:lnTo>
+                  <a:pt x="120000" y="0"/>
+                </a:lnTo>
+                <a:lnTo>
+                  <a:pt x="120000" y="120000"/>
+                </a:lnTo>
+                <a:lnTo>
+                  <a:pt x="0" y="120000"/>
+                </a:lnTo>
+                <a:close/>
+              </a:path>
+            </a:pathLst>
+          </a:custGeom>
+        </p:spPr>
+      </p:sp>
+      <p:sp>
+        <p:nvSpPr>
+          <p:cNvPr id="106" name="Google Shape;106;gcee6c9df4b_0_36:notes"/>
+          <p:cNvSpPr txBox="1">
+            <a:spLocks noGrp="1"/>
+          </p:cNvSpPr>
+          <p:nvPr>
+            <p:ph type="body" idx="1"/>
+          </p:nvPr>
+        </p:nvSpPr>
+        <p:spPr>
+          <a:xfrm>
+            <a:off x="685800" y="4343400"/>
+            <a:ext cx="5486400" cy="4114800"/>
+          </a:xfrm>
+          <a:prstGeom prst="rect">
+            <a:avLst/>
+          </a:prstGeom>
+        </p:spPr>
+        <p:txBody>
+          <a:bodyPr spcFirstLastPara="1" wrap="square" lIns="91425" tIns="91425" rIns="91425" bIns="91425" anchor="t" anchorCtr="0">
+            <a:noAutofit/>
+          </a:bodyPr>
+          <a:lstStyle/>
+          <a:p>
+            <a:pPr marL="0" lvl="0" indent="0" algn="l" rtl="0">
+              <a:spcBef>
+                <a:spcPts val="0"/>
+              </a:spcBef>
+              <a:spcAft>
+                <a:spcPts val="0"/>
+              </a:spcAft>
+              <a:buNone/>
+            </a:pPr>
+            <a:endParaRPr/>
+          </a:p>
+        </p:txBody>
+      </p:sp>
+    </p:spTree>
+    <p:extLst>
+      <p:ext uri="{BB962C8B-B14F-4D97-AF65-F5344CB8AC3E}">
+        <p14:creationId xmlns:p14="http://schemas.microsoft.com/office/powerpoint/2010/main" val="2755213720"/>
+      </p:ext>
+    </p:extLst>
+  </p:cSld>
+  <p:clrMapOvr>
+    <a:masterClrMapping/>
+  </p:clrMapOvr>
+</p:notes>
+</file>
+
+<file path=ppt/notesSlides/notesSlide11.xml><?xml version="1.0" encoding="utf-8"?>
+<p:notes xmlns:a="http://schemas.openxmlformats.org/drawingml/2006/main" xmlns:r="http://schemas.openxmlformats.org/officeDocument/2006/relationships" xmlns:p="http://schemas.openxmlformats.org/presentationml/2006/main" showMasterSp="0" showMasterPhAnim="0">
+  <p:cSld>
+    <p:spTree>
+      <p:nvGrpSpPr>
         <p:cNvPr id="1" name="Shape 110"/>
         <p:cNvGrpSpPr/>
         <p:nvPr/>
@@ -1000,7 +1573,7 @@
         </p:nvSpPr>
         <p:spPr>
           <a:xfrm>
-            <a:off x="381300" y="685800"/>
+            <a:off x="381000" y="685800"/>
             <a:ext cx="6096000" cy="3429000"/>
           </a:xfrm>
           <a:custGeom>
@@ -1075,7 +1648,7 @@
 </p:notes>
 </file>
 
-<file path=ppt/notesSlides/notesSlide11.xml><?xml version="1.0" encoding="utf-8"?>
+<file path=ppt/notesSlides/notesSlide12.xml><?xml version="1.0" encoding="utf-8"?>
 <p:notes xmlns:a="http://schemas.openxmlformats.org/drawingml/2006/main" xmlns:r="http://schemas.openxmlformats.org/officeDocument/2006/relationships" xmlns:p="http://schemas.openxmlformats.org/presentationml/2006/main" showMasterSp="0" showMasterPhAnim="0">
   <p:cSld>
     <p:spTree>
@@ -1184,7 +1757,7 @@
 </p:notes>
 </file>
 
-<file path=ppt/notesSlides/notesSlide12.xml><?xml version="1.0" encoding="utf-8"?>
+<file path=ppt/notesSlides/notesSlide13.xml><?xml version="1.0" encoding="utf-8"?>
 <p:notes xmlns:a="http://schemas.openxmlformats.org/drawingml/2006/main" xmlns:r="http://schemas.openxmlformats.org/officeDocument/2006/relationships" xmlns:p="http://schemas.openxmlformats.org/presentationml/2006/main" showMasterSp="0" showMasterPhAnim="0">
   <p:cSld>
     <p:spTree>
@@ -1284,115 +1857,6 @@
     <p:extLst>
       <p:ext uri="{BB962C8B-B14F-4D97-AF65-F5344CB8AC3E}">
         <p14:creationId xmlns:p14="http://schemas.microsoft.com/office/powerpoint/2010/main" val="3224354139"/>
-      </p:ext>
-    </p:extLst>
-  </p:cSld>
-  <p:clrMapOvr>
-    <a:masterClrMapping/>
-  </p:clrMapOvr>
-</p:notes>
-</file>
-
-<file path=ppt/notesSlides/notesSlide13.xml><?xml version="1.0" encoding="utf-8"?>
-<p:notes xmlns:a="http://schemas.openxmlformats.org/drawingml/2006/main" xmlns:r="http://schemas.openxmlformats.org/officeDocument/2006/relationships" xmlns:p="http://schemas.openxmlformats.org/presentationml/2006/main" showMasterSp="0" showMasterPhAnim="0">
-  <p:cSld>
-    <p:spTree>
-      <p:nvGrpSpPr>
-        <p:cNvPr id="1" name="Shape 110"/>
-        <p:cNvGrpSpPr/>
-        <p:nvPr/>
-      </p:nvGrpSpPr>
-      <p:grpSpPr>
-        <a:xfrm>
-          <a:off x="0" y="0"/>
-          <a:ext cx="0" cy="0"/>
-          <a:chOff x="0" y="0"/>
-          <a:chExt cx="0" cy="0"/>
-        </a:xfrm>
-      </p:grpSpPr>
-      <p:sp>
-        <p:nvSpPr>
-          <p:cNvPr id="111" name="Google Shape;111;gcee6c9df4b_0_41:notes"/>
-          <p:cNvSpPr>
-            <a:spLocks noGrp="1" noRot="1" noChangeAspect="1"/>
-          </p:cNvSpPr>
-          <p:nvPr>
-            <p:ph type="sldImg" idx="2"/>
-          </p:nvPr>
-        </p:nvSpPr>
-        <p:spPr>
-          <a:xfrm>
-            <a:off x="381000" y="685800"/>
-            <a:ext cx="6096000" cy="3429000"/>
-          </a:xfrm>
-          <a:custGeom>
-            <a:avLst/>
-            <a:gdLst/>
-            <a:ahLst/>
-            <a:cxnLst/>
-            <a:rect l="l" t="t" r="r" b="b"/>
-            <a:pathLst>
-              <a:path w="120000" h="120000" extrusionOk="0">
-                <a:moveTo>
-                  <a:pt x="0" y="0"/>
-                </a:moveTo>
-                <a:lnTo>
-                  <a:pt x="120000" y="0"/>
-                </a:lnTo>
-                <a:lnTo>
-                  <a:pt x="120000" y="120000"/>
-                </a:lnTo>
-                <a:lnTo>
-                  <a:pt x="0" y="120000"/>
-                </a:lnTo>
-                <a:close/>
-              </a:path>
-            </a:pathLst>
-          </a:custGeom>
-        </p:spPr>
-      </p:sp>
-      <p:sp>
-        <p:nvSpPr>
-          <p:cNvPr id="112" name="Google Shape;112;gcee6c9df4b_0_41:notes"/>
-          <p:cNvSpPr txBox="1">
-            <a:spLocks noGrp="1"/>
-          </p:cNvSpPr>
-          <p:nvPr>
-            <p:ph type="body" idx="1"/>
-          </p:nvPr>
-        </p:nvSpPr>
-        <p:spPr>
-          <a:xfrm>
-            <a:off x="685800" y="4343400"/>
-            <a:ext cx="5486400" cy="4114800"/>
-          </a:xfrm>
-          <a:prstGeom prst="rect">
-            <a:avLst/>
-          </a:prstGeom>
-        </p:spPr>
-        <p:txBody>
-          <a:bodyPr spcFirstLastPara="1" wrap="square" lIns="91425" tIns="91425" rIns="91425" bIns="91425" anchor="t" anchorCtr="0">
-            <a:noAutofit/>
-          </a:bodyPr>
-          <a:lstStyle/>
-          <a:p>
-            <a:pPr marL="0" lvl="0" indent="0" algn="l" rtl="0">
-              <a:spcBef>
-                <a:spcPts val="0"/>
-              </a:spcBef>
-              <a:spcAft>
-                <a:spcPts val="0"/>
-              </a:spcAft>
-              <a:buNone/>
-            </a:pPr>
-            <a:endParaRPr/>
-          </a:p>
-        </p:txBody>
-      </p:sp>
-    </p:spTree>
-    <p:extLst>
-      <p:ext uri="{BB962C8B-B14F-4D97-AF65-F5344CB8AC3E}">
-        <p14:creationId xmlns:p14="http://schemas.microsoft.com/office/powerpoint/2010/main" val="3519866765"/>
       </p:ext>
     </p:extLst>
   </p:cSld>
@@ -1501,6 +1965,115 @@
     </p:spTree>
     <p:extLst>
       <p:ext uri="{BB962C8B-B14F-4D97-AF65-F5344CB8AC3E}">
+        <p14:creationId xmlns:p14="http://schemas.microsoft.com/office/powerpoint/2010/main" val="3519866765"/>
+      </p:ext>
+    </p:extLst>
+  </p:cSld>
+  <p:clrMapOvr>
+    <a:masterClrMapping/>
+  </p:clrMapOvr>
+</p:notes>
+</file>
+
+<file path=ppt/notesSlides/notesSlide15.xml><?xml version="1.0" encoding="utf-8"?>
+<p:notes xmlns:a="http://schemas.openxmlformats.org/drawingml/2006/main" xmlns:r="http://schemas.openxmlformats.org/officeDocument/2006/relationships" xmlns:p="http://schemas.openxmlformats.org/presentationml/2006/main" showMasterSp="0" showMasterPhAnim="0">
+  <p:cSld>
+    <p:spTree>
+      <p:nvGrpSpPr>
+        <p:cNvPr id="1" name="Shape 110"/>
+        <p:cNvGrpSpPr/>
+        <p:nvPr/>
+      </p:nvGrpSpPr>
+      <p:grpSpPr>
+        <a:xfrm>
+          <a:off x="0" y="0"/>
+          <a:ext cx="0" cy="0"/>
+          <a:chOff x="0" y="0"/>
+          <a:chExt cx="0" cy="0"/>
+        </a:xfrm>
+      </p:grpSpPr>
+      <p:sp>
+        <p:nvSpPr>
+          <p:cNvPr id="111" name="Google Shape;111;gcee6c9df4b_0_41:notes"/>
+          <p:cNvSpPr>
+            <a:spLocks noGrp="1" noRot="1" noChangeAspect="1"/>
+          </p:cNvSpPr>
+          <p:nvPr>
+            <p:ph type="sldImg" idx="2"/>
+          </p:nvPr>
+        </p:nvSpPr>
+        <p:spPr>
+          <a:xfrm>
+            <a:off x="381000" y="685800"/>
+            <a:ext cx="6096000" cy="3429000"/>
+          </a:xfrm>
+          <a:custGeom>
+            <a:avLst/>
+            <a:gdLst/>
+            <a:ahLst/>
+            <a:cxnLst/>
+            <a:rect l="l" t="t" r="r" b="b"/>
+            <a:pathLst>
+              <a:path w="120000" h="120000" extrusionOk="0">
+                <a:moveTo>
+                  <a:pt x="0" y="0"/>
+                </a:moveTo>
+                <a:lnTo>
+                  <a:pt x="120000" y="0"/>
+                </a:lnTo>
+                <a:lnTo>
+                  <a:pt x="120000" y="120000"/>
+                </a:lnTo>
+                <a:lnTo>
+                  <a:pt x="0" y="120000"/>
+                </a:lnTo>
+                <a:close/>
+              </a:path>
+            </a:pathLst>
+          </a:custGeom>
+        </p:spPr>
+      </p:sp>
+      <p:sp>
+        <p:nvSpPr>
+          <p:cNvPr id="112" name="Google Shape;112;gcee6c9df4b_0_41:notes"/>
+          <p:cNvSpPr txBox="1">
+            <a:spLocks noGrp="1"/>
+          </p:cNvSpPr>
+          <p:nvPr>
+            <p:ph type="body" idx="1"/>
+          </p:nvPr>
+        </p:nvSpPr>
+        <p:spPr>
+          <a:xfrm>
+            <a:off x="685800" y="4343400"/>
+            <a:ext cx="5486400" cy="4114800"/>
+          </a:xfrm>
+          <a:prstGeom prst="rect">
+            <a:avLst/>
+          </a:prstGeom>
+        </p:spPr>
+        <p:txBody>
+          <a:bodyPr spcFirstLastPara="1" wrap="square" lIns="91425" tIns="91425" rIns="91425" bIns="91425" anchor="t" anchorCtr="0">
+            <a:noAutofit/>
+          </a:bodyPr>
+          <a:lstStyle/>
+          <a:p>
+            <a:pPr marL="0" lvl="0" indent="0" algn="l" rtl="0">
+              <a:spcBef>
+                <a:spcPts val="0"/>
+              </a:spcBef>
+              <a:spcAft>
+                <a:spcPts val="0"/>
+              </a:spcAft>
+              <a:buNone/>
+            </a:pPr>
+            <a:endParaRPr/>
+          </a:p>
+        </p:txBody>
+      </p:sp>
+    </p:spTree>
+    <p:extLst>
+      <p:ext uri="{BB962C8B-B14F-4D97-AF65-F5344CB8AC3E}">
         <p14:creationId xmlns:p14="http://schemas.microsoft.com/office/powerpoint/2010/main" val="1984406905"/>
       </p:ext>
     </p:extLst>
@@ -1540,7 +2113,7 @@
         </p:nvSpPr>
         <p:spPr>
           <a:xfrm>
-            <a:off x="381300" y="685800"/>
+            <a:off x="381000" y="685800"/>
             <a:ext cx="6096000" cy="3429000"/>
           </a:xfrm>
           <a:custGeom>
@@ -1748,7 +2321,7 @@
         </p:nvSpPr>
         <p:spPr>
           <a:xfrm>
-            <a:off x="381300" y="685800"/>
+            <a:off x="381000" y="685800"/>
             <a:ext cx="6096000" cy="3429000"/>
           </a:xfrm>
           <a:custGeom>
@@ -1852,7 +2425,7 @@
         </p:nvSpPr>
         <p:spPr>
           <a:xfrm>
-            <a:off x="381300" y="685800"/>
+            <a:off x="381000" y="685800"/>
             <a:ext cx="6096000" cy="3429000"/>
           </a:xfrm>
           <a:custGeom>
@@ -1956,7 +2529,7 @@
         </p:nvSpPr>
         <p:spPr>
           <a:xfrm>
-            <a:off x="381300" y="685800"/>
+            <a:off x="381000" y="685800"/>
             <a:ext cx="6096000" cy="3429000"/>
           </a:xfrm>
           <a:custGeom>
@@ -2060,7 +2633,7 @@
         </p:nvSpPr>
         <p:spPr>
           <a:xfrm>
-            <a:off x="381300" y="685800"/>
+            <a:off x="381000" y="685800"/>
             <a:ext cx="6096000" cy="3429000"/>
           </a:xfrm>
           <a:custGeom>
@@ -2164,7 +2737,7 @@
         </p:nvSpPr>
         <p:spPr>
           <a:xfrm>
-            <a:off x="381300" y="685800"/>
+            <a:off x="381000" y="685800"/>
             <a:ext cx="6096000" cy="3429000"/>
           </a:xfrm>
           <a:custGeom>
@@ -2268,7 +2841,7 @@
         </p:nvSpPr>
         <p:spPr>
           <a:xfrm>
-            <a:off x="381300" y="685800"/>
+            <a:off x="381000" y="685800"/>
             <a:ext cx="6096000" cy="3429000"/>
           </a:xfrm>
           <a:custGeom>
@@ -10196,10 +10769,16 @@
               <a:buNone/>
             </a:pPr>
             <a:r>
-              <a:rPr lang="en"/>
-              <a:t>[name]</a:t>
+              <a:rPr lang="en-US" dirty="0">
+                <a:latin typeface="Cambria" panose="02040503050406030204" pitchFamily="18" charset="0"/>
+                <a:ea typeface="Cambria" panose="02040503050406030204" pitchFamily="18" charset="0"/>
+              </a:rPr>
+              <a:t>Shuvo Newaz</a:t>
             </a:r>
-            <a:endParaRPr/>
+            <a:endParaRPr dirty="0">
+              <a:latin typeface="Cambria" panose="02040503050406030204" pitchFamily="18" charset="0"/>
+              <a:ea typeface="Cambria" panose="02040503050406030204" pitchFamily="18" charset="0"/>
+            </a:endParaRPr>
           </a:p>
           <a:p>
             <a:pPr marL="0" lvl="0" indent="0" algn="ctr" rtl="0">
@@ -10216,10 +10795,16 @@
               <a:buNone/>
             </a:pPr>
             <a:r>
-              <a:rPr lang="en"/>
-              <a:t>[GT email]</a:t>
+              <a:rPr lang="en-US" dirty="0">
+                <a:latin typeface="Cambria" panose="02040503050406030204" pitchFamily="18" charset="0"/>
+                <a:ea typeface="Cambria" panose="02040503050406030204" pitchFamily="18" charset="0"/>
+              </a:rPr>
+              <a:t>shuvo.newaz@gatech.edu</a:t>
             </a:r>
-            <a:endParaRPr/>
+            <a:endParaRPr dirty="0">
+              <a:latin typeface="Cambria" panose="02040503050406030204" pitchFamily="18" charset="0"/>
+              <a:ea typeface="Cambria" panose="02040503050406030204" pitchFamily="18" charset="0"/>
+            </a:endParaRPr>
           </a:p>
           <a:p>
             <a:pPr marL="0" lvl="0" indent="0" algn="ctr" rtl="0">
@@ -10236,10 +10821,16 @@
               <a:buNone/>
             </a:pPr>
             <a:r>
-              <a:rPr lang="en"/>
-              <a:t>[GT username]</a:t>
+              <a:rPr lang="en-US" dirty="0">
+                <a:latin typeface="Cambria" panose="02040503050406030204" pitchFamily="18" charset="0"/>
+                <a:ea typeface="Cambria" panose="02040503050406030204" pitchFamily="18" charset="0"/>
+              </a:rPr>
+              <a:t>snewaz3</a:t>
             </a:r>
-            <a:endParaRPr/>
+            <a:endParaRPr dirty="0">
+              <a:latin typeface="Cambria" panose="02040503050406030204" pitchFamily="18" charset="0"/>
+              <a:ea typeface="Cambria" panose="02040503050406030204" pitchFamily="18" charset="0"/>
+            </a:endParaRPr>
           </a:p>
           <a:p>
             <a:pPr marL="0" lvl="0" indent="0" algn="ctr" rtl="0">
@@ -10256,10 +10847,16 @@
               <a:buNone/>
             </a:pPr>
             <a:r>
-              <a:rPr lang="en"/>
-              <a:t>[GT ID]</a:t>
+              <a:rPr lang="en-US" dirty="0">
+                <a:latin typeface="Cambria" panose="02040503050406030204" pitchFamily="18" charset="0"/>
+                <a:ea typeface="Cambria" panose="02040503050406030204" pitchFamily="18" charset="0"/>
+              </a:rPr>
+              <a:t>903614132</a:t>
             </a:r>
-            <a:endParaRPr/>
+            <a:endParaRPr dirty="0">
+              <a:latin typeface="Cambria" panose="02040503050406030204" pitchFamily="18" charset="0"/>
+              <a:ea typeface="Cambria" panose="02040503050406030204" pitchFamily="18" charset="0"/>
+            </a:endParaRPr>
           </a:p>
           <a:p>
             <a:pPr marL="0" lvl="0" indent="0" algn="ctr" rtl="0">
@@ -10275,7 +10872,7 @@
               <a:buSzPts val="2800"/>
               <a:buNone/>
             </a:pPr>
-            <a:endParaRPr/>
+            <a:endParaRPr dirty="0"/>
           </a:p>
         </p:txBody>
       </p:sp>
@@ -10288,6 +10885,164 @@
 </file>
 
 <file path=ppt/slides/slide10.xml><?xml version="1.0" encoding="utf-8"?>
+<p:sld xmlns:a="http://schemas.openxmlformats.org/drawingml/2006/main" xmlns:r="http://schemas.openxmlformats.org/officeDocument/2006/relationships" xmlns:p="http://schemas.openxmlformats.org/presentationml/2006/main">
+  <p:cSld>
+    <p:spTree>
+      <p:nvGrpSpPr>
+        <p:cNvPr id="1" name="Shape 107"/>
+        <p:cNvGrpSpPr/>
+        <p:nvPr/>
+      </p:nvGrpSpPr>
+      <p:grpSpPr>
+        <a:xfrm>
+          <a:off x="0" y="0"/>
+          <a:ext cx="0" cy="0"/>
+          <a:chOff x="0" y="0"/>
+          <a:chExt cx="0" cy="0"/>
+        </a:xfrm>
+      </p:grpSpPr>
+      <p:sp>
+        <p:nvSpPr>
+          <p:cNvPr id="108" name="Google Shape;108;p21"/>
+          <p:cNvSpPr txBox="1">
+            <a:spLocks noGrp="1"/>
+          </p:cNvSpPr>
+          <p:nvPr>
+            <p:ph type="title"/>
+          </p:nvPr>
+        </p:nvSpPr>
+        <p:spPr>
+          <a:xfrm>
+            <a:off x="311700" y="445025"/>
+            <a:ext cx="8520600" cy="572700"/>
+          </a:xfrm>
+          <a:prstGeom prst="rect">
+            <a:avLst/>
+          </a:prstGeom>
+        </p:spPr>
+        <p:txBody>
+          <a:bodyPr spcFirstLastPara="1" wrap="square" lIns="91425" tIns="91425" rIns="91425" bIns="91425" anchor="t" anchorCtr="0">
+            <a:noAutofit/>
+          </a:bodyPr>
+          <a:lstStyle/>
+          <a:p>
+            <a:pPr marL="0" lvl="0" indent="0" algn="l" rtl="0">
+              <a:spcBef>
+                <a:spcPts val="0"/>
+              </a:spcBef>
+              <a:spcAft>
+                <a:spcPts val="0"/>
+              </a:spcAft>
+              <a:buNone/>
+            </a:pPr>
+            <a:r>
+              <a:rPr lang="en"/>
+              <a:t>Part 3: ResNet</a:t>
+            </a:r>
+            <a:endParaRPr/>
+          </a:p>
+        </p:txBody>
+      </p:sp>
+      <p:sp>
+        <p:nvSpPr>
+          <p:cNvPr id="109" name="Google Shape;109;p21"/>
+          <p:cNvSpPr txBox="1">
+            <a:spLocks noGrp="1"/>
+          </p:cNvSpPr>
+          <p:nvPr>
+            <p:ph type="body" idx="1"/>
+          </p:nvPr>
+        </p:nvSpPr>
+        <p:spPr>
+          <a:xfrm>
+            <a:off x="311700" y="1152475"/>
+            <a:ext cx="8520600" cy="3416400"/>
+          </a:xfrm>
+          <a:prstGeom prst="rect">
+            <a:avLst/>
+          </a:prstGeom>
+        </p:spPr>
+        <p:txBody>
+          <a:bodyPr spcFirstLastPara="1" wrap="square" lIns="91425" tIns="91425" rIns="91425" bIns="91425" anchor="t" anchorCtr="0">
+            <a:noAutofit/>
+          </a:bodyPr>
+          <a:lstStyle/>
+          <a:p>
+            <a:pPr marL="0" lvl="0" indent="0" algn="l" rtl="0">
+              <a:spcBef>
+                <a:spcPts val="0"/>
+              </a:spcBef>
+              <a:spcAft>
+                <a:spcPts val="0"/>
+              </a:spcAft>
+              <a:buNone/>
+            </a:pPr>
+            <a:r>
+              <a:rPr lang="en" dirty="0"/>
+              <a:t>[Insert visualizations of 3 misclassified images from the most misclassified class according to your confusion matrix. Explain why this may have occurred.]</a:t>
+            </a:r>
+          </a:p>
+          <a:p>
+            <a:pPr marL="0" lvl="0" indent="0" algn="l" rtl="0">
+              <a:spcBef>
+                <a:spcPts val="0"/>
+              </a:spcBef>
+              <a:spcAft>
+                <a:spcPts val="0"/>
+              </a:spcAft>
+              <a:buNone/>
+            </a:pPr>
+            <a:endParaRPr dirty="0">
+              <a:latin typeface="Cambria" panose="02040503050406030204" pitchFamily="18" charset="0"/>
+              <a:ea typeface="Cambria" panose="02040503050406030204" pitchFamily="18" charset="0"/>
+            </a:endParaRPr>
+          </a:p>
+        </p:txBody>
+      </p:sp>
+      <p:pic>
+        <p:nvPicPr>
+          <p:cNvPr id="2" name="Picture 1">
+            <a:extLst>
+              <a:ext uri="{FF2B5EF4-FFF2-40B4-BE49-F238E27FC236}">
+                <a16:creationId xmlns:a16="http://schemas.microsoft.com/office/drawing/2014/main" id="{A6841E4C-F7E6-142D-2916-A0307992E919}"/>
+              </a:ext>
+            </a:extLst>
+          </p:cNvPr>
+          <p:cNvPicPr>
+            <a:picLocks noChangeAspect="1"/>
+          </p:cNvPicPr>
+          <p:nvPr/>
+        </p:nvPicPr>
+        <p:blipFill>
+          <a:blip r:embed="rId3"/>
+          <a:stretch>
+            <a:fillRect/>
+          </a:stretch>
+        </p:blipFill>
+        <p:spPr>
+          <a:xfrm>
+            <a:off x="1328928" y="1930669"/>
+            <a:ext cx="6486144" cy="3212831"/>
+          </a:xfrm>
+          <a:prstGeom prst="rect">
+            <a:avLst/>
+          </a:prstGeom>
+        </p:spPr>
+      </p:pic>
+    </p:spTree>
+    <p:extLst>
+      <p:ext uri="{BB962C8B-B14F-4D97-AF65-F5344CB8AC3E}">
+        <p14:creationId xmlns:p14="http://schemas.microsoft.com/office/powerpoint/2010/main" val="3849135137"/>
+      </p:ext>
+    </p:extLst>
+  </p:cSld>
+  <p:clrMapOvr>
+    <a:masterClrMapping/>
+  </p:clrMapOvr>
+</p:sld>
+</file>
+
+<file path=ppt/slides/slide11.xml><?xml version="1.0" encoding="utf-8"?>
 <p:sld xmlns:a="http://schemas.openxmlformats.org/drawingml/2006/main" xmlns:r="http://schemas.openxmlformats.org/officeDocument/2006/relationships" xmlns:p="http://schemas.openxmlformats.org/presentationml/2006/main">
   <p:cSld>
     <p:spTree>
@@ -10381,10 +11136,38 @@
               <a:buNone/>
             </a:pPr>
             <a:r>
-              <a:rPr lang="en"/>
+              <a:rPr lang="en" dirty="0"/>
               <a:t>[What does fine-tuning a network mean?]</a:t>
             </a:r>
-            <a:endParaRPr/>
+          </a:p>
+          <a:p>
+            <a:pPr marL="0" lvl="0" indent="0" algn="just" rtl="0">
+              <a:spcBef>
+                <a:spcPts val="0"/>
+              </a:spcBef>
+              <a:spcAft>
+                <a:spcPts val="0"/>
+              </a:spcAft>
+              <a:buNone/>
+            </a:pPr>
+            <a:r>
+              <a:rPr lang="en" dirty="0">
+                <a:latin typeface="Cambria" panose="02040503050406030204" pitchFamily="18" charset="0"/>
+                <a:ea typeface="Cambria" panose="02040503050406030204" pitchFamily="18" charset="0"/>
+              </a:rPr>
+              <a:t>It means to take a pre-trained network, freeze all the parameters except for the ones in the last (few) layers and train the model on the given database to get good parameter values for the data. In other words, fine-tune an already </a:t>
+            </a:r>
+            <a:r>
+              <a:rPr lang="en">
+                <a:latin typeface="Cambria" panose="02040503050406030204" pitchFamily="18" charset="0"/>
+                <a:ea typeface="Cambria" panose="02040503050406030204" pitchFamily="18" charset="0"/>
+              </a:rPr>
+              <a:t>adequate network to make it catered to the current database.</a:t>
+            </a:r>
+            <a:endParaRPr dirty="0">
+              <a:latin typeface="Cambria" panose="02040503050406030204" pitchFamily="18" charset="0"/>
+              <a:ea typeface="Cambria" panose="02040503050406030204" pitchFamily="18" charset="0"/>
+            </a:endParaRPr>
           </a:p>
         </p:txBody>
       </p:sp>
@@ -10423,10 +11206,31 @@
               <a:buNone/>
             </a:pPr>
             <a:r>
-              <a:rPr lang="en"/>
+              <a:rPr lang="en" dirty="0"/>
               <a:t>[Why do we want to "freeze" the conv layers and some of the linear layers from a pre-trained ResNet? Why can we do this?]</a:t>
             </a:r>
-            <a:endParaRPr/>
+          </a:p>
+          <a:p>
+            <a:pPr marL="0" lvl="0" indent="0" algn="just" rtl="0">
+              <a:spcBef>
+                <a:spcPts val="0"/>
+              </a:spcBef>
+              <a:spcAft>
+                <a:spcPts val="0"/>
+              </a:spcAft>
+              <a:buNone/>
+            </a:pPr>
+            <a:r>
+              <a:rPr lang="en" dirty="0">
+                <a:latin typeface="Cambria" panose="02040503050406030204" pitchFamily="18" charset="0"/>
+                <a:ea typeface="Cambria" panose="02040503050406030204" pitchFamily="18" charset="0"/>
+              </a:rPr>
+              <a:t>We want to freeze the conv layers to reduce computation as a result of trainng. The conv layers learn common features from images, so the layers trained on one set of images may be generalized on another set of images.</a:t>
+            </a:r>
+            <a:endParaRPr dirty="0">
+              <a:latin typeface="Cambria" panose="02040503050406030204" pitchFamily="18" charset="0"/>
+              <a:ea typeface="Cambria" panose="02040503050406030204" pitchFamily="18" charset="0"/>
+            </a:endParaRPr>
           </a:p>
         </p:txBody>
       </p:sp>
@@ -10438,7 +11242,7 @@
 </p:sld>
 </file>
 
-<file path=ppt/slides/slide11.xml><?xml version="1.0" encoding="utf-8"?>
+<file path=ppt/slides/slide12.xml><?xml version="1.0" encoding="utf-8"?>
 <p:sld xmlns:a="http://schemas.openxmlformats.org/drawingml/2006/main" xmlns:r="http://schemas.openxmlformats.org/officeDocument/2006/relationships" xmlns:p="http://schemas.openxmlformats.org/presentationml/2006/main">
   <p:cSld>
     <p:spTree>
@@ -10497,200 +11301,251 @@
           </a:p>
         </p:txBody>
       </p:sp>
-      <p:sp>
-        <p:nvSpPr>
-          <p:cNvPr id="96" name="Google Shape;96;p19"/>
-          <p:cNvSpPr txBox="1">
-            <a:spLocks noGrp="1"/>
-          </p:cNvSpPr>
-          <p:nvPr>
-            <p:ph type="body" idx="1"/>
-          </p:nvPr>
-        </p:nvSpPr>
-        <p:spPr>
-          <a:xfrm>
-            <a:off x="311700" y="1152475"/>
-            <a:ext cx="3999900" cy="3416400"/>
-          </a:xfrm>
-          <a:prstGeom prst="rect">
-            <a:avLst/>
-          </a:prstGeom>
-        </p:spPr>
-        <p:txBody>
-          <a:bodyPr spcFirstLastPara="1" wrap="square" lIns="91425" tIns="91425" rIns="91425" bIns="91425" anchor="t" anchorCtr="0">
-            <a:noAutofit/>
-          </a:bodyPr>
-          <a:lstStyle/>
-          <a:p>
-            <a:pPr marL="0" lvl="0" indent="0" algn="l" rtl="0">
-              <a:spcBef>
-                <a:spcPts val="0"/>
-              </a:spcBef>
-              <a:spcAft>
-                <a:spcPts val="0"/>
-              </a:spcAft>
-              <a:buNone/>
-            </a:pPr>
-            <a:r>
-              <a:rPr lang="en"/>
-              <a:t>[Insert loss plot here]</a:t>
-            </a:r>
-            <a:endParaRPr/>
-          </a:p>
-          <a:p>
-            <a:pPr marL="0" lvl="0" indent="0" algn="l" rtl="0">
-              <a:spcBef>
-                <a:spcPts val="0"/>
-              </a:spcBef>
-              <a:spcAft>
-                <a:spcPts val="0"/>
-              </a:spcAft>
-              <a:buNone/>
-            </a:pPr>
-            <a:endParaRPr/>
-          </a:p>
-          <a:p>
-            <a:pPr marL="0" lvl="0" indent="0" algn="l" rtl="0">
-              <a:spcBef>
-                <a:spcPts val="0"/>
-              </a:spcBef>
-              <a:spcAft>
-                <a:spcPts val="0"/>
-              </a:spcAft>
-              <a:buNone/>
-            </a:pPr>
-            <a:endParaRPr/>
-          </a:p>
-          <a:p>
-            <a:pPr marL="0" lvl="0" indent="0" algn="l" rtl="0">
-              <a:spcBef>
-                <a:spcPts val="0"/>
-              </a:spcBef>
-              <a:spcAft>
-                <a:spcPts val="0"/>
-              </a:spcAft>
-              <a:buNone/>
-            </a:pPr>
-            <a:endParaRPr/>
-          </a:p>
-          <a:p>
-            <a:pPr marL="0" lvl="0" indent="0" algn="l" rtl="0">
-              <a:spcBef>
-                <a:spcPts val="0"/>
-              </a:spcBef>
-              <a:spcAft>
-                <a:spcPts val="0"/>
-              </a:spcAft>
-              <a:buNone/>
-            </a:pPr>
-            <a:endParaRPr/>
-          </a:p>
-          <a:p>
-            <a:pPr marL="0" lvl="0" indent="0" algn="l" rtl="0">
-              <a:spcBef>
-                <a:spcPts val="0"/>
-              </a:spcBef>
-              <a:spcAft>
-                <a:spcPts val="0"/>
-              </a:spcAft>
-              <a:buNone/>
-            </a:pPr>
-            <a:endParaRPr/>
-          </a:p>
-          <a:p>
-            <a:pPr marL="0" lvl="0" indent="0" algn="l" rtl="0">
-              <a:spcBef>
-                <a:spcPts val="0"/>
-              </a:spcBef>
-              <a:spcAft>
-                <a:spcPts val="0"/>
-              </a:spcAft>
-              <a:buNone/>
-            </a:pPr>
-            <a:endParaRPr/>
-          </a:p>
-          <a:p>
-            <a:pPr marL="0" lvl="0" indent="0" algn="l" rtl="0">
-              <a:spcBef>
-                <a:spcPts val="0"/>
-              </a:spcBef>
-              <a:spcAft>
-                <a:spcPts val="0"/>
-              </a:spcAft>
-              <a:buNone/>
-            </a:pPr>
-            <a:endParaRPr/>
-          </a:p>
-          <a:p>
-            <a:pPr marL="0" lvl="0" indent="0" algn="l" rtl="0">
-              <a:spcBef>
-                <a:spcPts val="0"/>
-              </a:spcBef>
-              <a:spcAft>
-                <a:spcPts val="0"/>
-              </a:spcAft>
-              <a:buNone/>
-            </a:pPr>
-            <a:endParaRPr/>
-          </a:p>
-          <a:p>
-            <a:pPr marL="0" lvl="0" indent="0" algn="l" rtl="0">
-              <a:spcBef>
-                <a:spcPts val="0"/>
-              </a:spcBef>
-              <a:spcAft>
-                <a:spcPts val="0"/>
-              </a:spcAft>
-              <a:buNone/>
-            </a:pPr>
-            <a:endParaRPr/>
-          </a:p>
-          <a:p>
-            <a:pPr marL="0" lvl="0" indent="0" algn="l" rtl="0">
-              <a:spcBef>
-                <a:spcPts val="0"/>
-              </a:spcBef>
-              <a:spcAft>
-                <a:spcPts val="0"/>
-              </a:spcAft>
-              <a:buNone/>
-            </a:pPr>
-            <a:r>
-              <a:rPr lang="en"/>
-              <a:t>Final training accuracy:</a:t>
-            </a:r>
-            <a:endParaRPr/>
-          </a:p>
-          <a:p>
-            <a:pPr marL="0" lvl="0" indent="0" algn="l" rtl="0">
-              <a:spcBef>
-                <a:spcPts val="0"/>
-              </a:spcBef>
-              <a:spcAft>
-                <a:spcPts val="0"/>
-              </a:spcAft>
-              <a:buNone/>
-            </a:pPr>
-            <a:endParaRPr/>
-          </a:p>
-          <a:p>
-            <a:pPr marL="0" lvl="0" indent="0" algn="l" rtl="0">
-              <a:spcBef>
-                <a:spcPts val="0"/>
-              </a:spcBef>
-              <a:spcAft>
-                <a:spcPts val="0"/>
-              </a:spcAft>
-              <a:buNone/>
-            </a:pPr>
-            <a:r>
-              <a:rPr lang="en"/>
-              <a:t>Final validation accuracy:</a:t>
-            </a:r>
-            <a:endParaRPr/>
-          </a:p>
-        </p:txBody>
-      </p:sp>
+      <mc:AlternateContent xmlns:mc="http://schemas.openxmlformats.org/markup-compatibility/2006">
+        <mc:Choice xmlns:a14="http://schemas.microsoft.com/office/drawing/2010/main" Requires="a14">
+          <p:sp>
+            <p:nvSpPr>
+              <p:cNvPr id="96" name="Google Shape;96;p19"/>
+              <p:cNvSpPr txBox="1">
+                <a:spLocks noGrp="1"/>
+              </p:cNvSpPr>
+              <p:nvPr>
+                <p:ph type="body" idx="1"/>
+              </p:nvPr>
+            </p:nvSpPr>
+            <p:spPr>
+              <a:xfrm>
+                <a:off x="311700" y="1152475"/>
+                <a:ext cx="3999900" cy="3416400"/>
+              </a:xfrm>
+              <a:prstGeom prst="rect">
+                <a:avLst/>
+              </a:prstGeom>
+            </p:spPr>
+            <p:txBody>
+              <a:bodyPr spcFirstLastPara="1" wrap="square" lIns="91425" tIns="91425" rIns="91425" bIns="91425" anchor="t" anchorCtr="0">
+                <a:noAutofit/>
+              </a:bodyPr>
+              <a:lstStyle/>
+              <a:p>
+                <a:pPr marL="0" lvl="0" indent="0" algn="l" rtl="0">
+                  <a:spcBef>
+                    <a:spcPts val="0"/>
+                  </a:spcBef>
+                  <a:spcAft>
+                    <a:spcPts val="0"/>
+                  </a:spcAft>
+                  <a:buNone/>
+                </a:pPr>
+                <a:r>
+                  <a:rPr lang="en-US" dirty="0"/>
+                  <a:t>[Insert loss plot here]</a:t>
+                </a:r>
+              </a:p>
+              <a:p>
+                <a:pPr marL="0" lvl="0" indent="0" algn="l" rtl="0">
+                  <a:spcBef>
+                    <a:spcPts val="0"/>
+                  </a:spcBef>
+                  <a:spcAft>
+                    <a:spcPts val="0"/>
+                  </a:spcAft>
+                  <a:buNone/>
+                </a:pPr>
+                <a:endParaRPr lang="en-US" dirty="0"/>
+              </a:p>
+              <a:p>
+                <a:pPr marL="0" lvl="0" indent="0" algn="l" rtl="0">
+                  <a:spcBef>
+                    <a:spcPts val="0"/>
+                  </a:spcBef>
+                  <a:spcAft>
+                    <a:spcPts val="0"/>
+                  </a:spcAft>
+                  <a:buNone/>
+                </a:pPr>
+                <a:endParaRPr lang="en-US" dirty="0"/>
+              </a:p>
+              <a:p>
+                <a:pPr marL="0" lvl="0" indent="0" algn="l" rtl="0">
+                  <a:spcBef>
+                    <a:spcPts val="0"/>
+                  </a:spcBef>
+                  <a:spcAft>
+                    <a:spcPts val="0"/>
+                  </a:spcAft>
+                  <a:buNone/>
+                </a:pPr>
+                <a:endParaRPr lang="en-US" dirty="0"/>
+              </a:p>
+              <a:p>
+                <a:pPr marL="0" lvl="0" indent="0" algn="l" rtl="0">
+                  <a:spcBef>
+                    <a:spcPts val="0"/>
+                  </a:spcBef>
+                  <a:spcAft>
+                    <a:spcPts val="0"/>
+                  </a:spcAft>
+                  <a:buNone/>
+                </a:pPr>
+                <a:endParaRPr lang="en-US" dirty="0"/>
+              </a:p>
+              <a:p>
+                <a:pPr marL="0" lvl="0" indent="0" algn="l" rtl="0">
+                  <a:spcBef>
+                    <a:spcPts val="0"/>
+                  </a:spcBef>
+                  <a:spcAft>
+                    <a:spcPts val="0"/>
+                  </a:spcAft>
+                  <a:buNone/>
+                </a:pPr>
+                <a:endParaRPr lang="en-US" dirty="0"/>
+              </a:p>
+              <a:p>
+                <a:pPr marL="0" lvl="0" indent="0" algn="l" rtl="0">
+                  <a:spcBef>
+                    <a:spcPts val="0"/>
+                  </a:spcBef>
+                  <a:spcAft>
+                    <a:spcPts val="0"/>
+                  </a:spcAft>
+                  <a:buNone/>
+                </a:pPr>
+                <a:endParaRPr lang="en-US" dirty="0"/>
+              </a:p>
+              <a:p>
+                <a:pPr marL="0" lvl="0" indent="0" algn="l" rtl="0">
+                  <a:spcBef>
+                    <a:spcPts val="0"/>
+                  </a:spcBef>
+                  <a:spcAft>
+                    <a:spcPts val="0"/>
+                  </a:spcAft>
+                  <a:buNone/>
+                </a:pPr>
+                <a:endParaRPr lang="en-US" dirty="0"/>
+              </a:p>
+              <a:p>
+                <a:pPr marL="0" lvl="0" indent="0" algn="l" rtl="0">
+                  <a:spcBef>
+                    <a:spcPts val="0"/>
+                  </a:spcBef>
+                  <a:spcAft>
+                    <a:spcPts val="0"/>
+                  </a:spcAft>
+                  <a:buNone/>
+                </a:pPr>
+                <a:endParaRPr lang="en-US" dirty="0"/>
+              </a:p>
+              <a:p>
+                <a:pPr marL="0" lvl="0" indent="0" algn="l" rtl="0">
+                  <a:spcBef>
+                    <a:spcPts val="0"/>
+                  </a:spcBef>
+                  <a:spcAft>
+                    <a:spcPts val="0"/>
+                  </a:spcAft>
+                  <a:buNone/>
+                </a:pPr>
+                <a:endParaRPr lang="en-US" dirty="0"/>
+              </a:p>
+              <a:p>
+                <a:pPr marL="0" lvl="0" indent="0" algn="l" rtl="0">
+                  <a:spcBef>
+                    <a:spcPts val="0"/>
+                  </a:spcBef>
+                  <a:spcAft>
+                    <a:spcPts val="0"/>
+                  </a:spcAft>
+                  <a:buNone/>
+                </a:pPr>
+                <a:r>
+                  <a:rPr lang="en-US" dirty="0"/>
+                  <a:t>Final training accuracy: </a:t>
+                </a:r>
+                <a14:m>
+                  <m:oMath xmlns:m="http://schemas.openxmlformats.org/officeDocument/2006/math">
+                    <m:r>
+                      <a:rPr lang="en-US" b="0" i="1" smtClean="0">
+                        <a:latin typeface="Cambria Math" panose="02040503050406030204" pitchFamily="18" charset="0"/>
+                      </a:rPr>
+                      <m:t>91.6%</m:t>
+                    </m:r>
+                  </m:oMath>
+                </a14:m>
+                <a:endParaRPr lang="en-US" dirty="0"/>
+              </a:p>
+              <a:p>
+                <a:pPr marL="0" lvl="0" indent="0" algn="l" rtl="0">
+                  <a:spcBef>
+                    <a:spcPts val="0"/>
+                  </a:spcBef>
+                  <a:spcAft>
+                    <a:spcPts val="0"/>
+                  </a:spcAft>
+                  <a:buNone/>
+                </a:pPr>
+                <a:r>
+                  <a:rPr lang="en-US" dirty="0"/>
+                  <a:t>Final validation accuracy: </a:t>
+                </a:r>
+                <a14:m>
+                  <m:oMath xmlns:m="http://schemas.openxmlformats.org/officeDocument/2006/math">
+                    <m:r>
+                      <a:rPr lang="en-US" b="0" i="1" smtClean="0">
+                        <a:latin typeface="Cambria Math" panose="02040503050406030204" pitchFamily="18" charset="0"/>
+                      </a:rPr>
+                      <m:t>90.7%</m:t>
+                    </m:r>
+                  </m:oMath>
+                </a14:m>
+                <a:endParaRPr dirty="0"/>
+              </a:p>
+            </p:txBody>
+          </p:sp>
+        </mc:Choice>
+        <mc:Fallback>
+          <p:sp>
+            <p:nvSpPr>
+              <p:cNvPr id="96" name="Google Shape;96;p19"/>
+              <p:cNvSpPr txBox="1">
+                <a:spLocks noGrp="1" noRot="1" noChangeAspect="1" noMove="1" noResize="1" noEditPoints="1" noAdjustHandles="1" noChangeArrowheads="1" noChangeShapeType="1" noTextEdit="1"/>
+              </p:cNvSpPr>
+              <p:nvPr>
+                <p:ph type="body" idx="1"/>
+              </p:nvPr>
+            </p:nvSpPr>
+            <p:spPr>
+              <a:xfrm>
+                <a:off x="311700" y="1152475"/>
+                <a:ext cx="3999900" cy="3416400"/>
+              </a:xfrm>
+              <a:prstGeom prst="rect">
+                <a:avLst/>
+              </a:prstGeom>
+              <a:blipFill>
+                <a:blip r:embed="rId3"/>
+                <a:stretch>
+                  <a:fillRect l="-457"/>
+                </a:stretch>
+              </a:blipFill>
+            </p:spPr>
+            <p:txBody>
+              <a:bodyPr/>
+              <a:lstStyle/>
+              <a:p>
+                <a:r>
+                  <a:rPr lang="en-US">
+                    <a:noFill/>
+                  </a:rPr>
+                  <a:t> </a:t>
+                </a:r>
+              </a:p>
+            </p:txBody>
+          </p:sp>
+        </mc:Fallback>
+      </mc:AlternateContent>
       <p:sp>
         <p:nvSpPr>
           <p:cNvPr id="97" name="Google Shape;97;p19"/>
@@ -10726,13 +11581,73 @@
               <a:buNone/>
             </a:pPr>
             <a:r>
-              <a:rPr lang="en"/>
+              <a:rPr lang="en" dirty="0"/>
               <a:t>[Insert accuracy plot here]</a:t>
             </a:r>
-            <a:endParaRPr/>
+            <a:endParaRPr dirty="0"/>
           </a:p>
         </p:txBody>
       </p:sp>
+      <p:pic>
+        <p:nvPicPr>
+          <p:cNvPr id="7" name="Picture 6">
+            <a:extLst>
+              <a:ext uri="{FF2B5EF4-FFF2-40B4-BE49-F238E27FC236}">
+                <a16:creationId xmlns:a16="http://schemas.microsoft.com/office/drawing/2014/main" id="{A23E11E4-19A3-C7D3-4D71-93924A69696B}"/>
+              </a:ext>
+            </a:extLst>
+          </p:cNvPr>
+          <p:cNvPicPr>
+            <a:picLocks noChangeAspect="1"/>
+          </p:cNvPicPr>
+          <p:nvPr/>
+        </p:nvPicPr>
+        <p:blipFill>
+          <a:blip r:embed="rId4"/>
+          <a:stretch>
+            <a:fillRect/>
+          </a:stretch>
+        </p:blipFill>
+        <p:spPr>
+          <a:xfrm>
+            <a:off x="311700" y="1478678"/>
+            <a:ext cx="2726482" cy="2178300"/>
+          </a:xfrm>
+          <a:prstGeom prst="rect">
+            <a:avLst/>
+          </a:prstGeom>
+        </p:spPr>
+      </p:pic>
+      <p:pic>
+        <p:nvPicPr>
+          <p:cNvPr id="9" name="Picture 8">
+            <a:extLst>
+              <a:ext uri="{FF2B5EF4-FFF2-40B4-BE49-F238E27FC236}">
+                <a16:creationId xmlns:a16="http://schemas.microsoft.com/office/drawing/2014/main" id="{CEE863FD-29FA-E150-CCA7-F2CFA9649C2B}"/>
+              </a:ext>
+            </a:extLst>
+          </p:cNvPr>
+          <p:cNvPicPr>
+            <a:picLocks noChangeAspect="1"/>
+          </p:cNvPicPr>
+          <p:nvPr/>
+        </p:nvPicPr>
+        <p:blipFill>
+          <a:blip r:embed="rId5"/>
+          <a:stretch>
+            <a:fillRect/>
+          </a:stretch>
+        </p:blipFill>
+        <p:spPr>
+          <a:xfrm>
+            <a:off x="4437888" y="1478678"/>
+            <a:ext cx="2769759" cy="2178300"/>
+          </a:xfrm>
+          <a:prstGeom prst="rect">
+            <a:avLst/>
+          </a:prstGeom>
+        </p:spPr>
+      </p:pic>
     </p:spTree>
     <p:extLst>
       <p:ext uri="{BB962C8B-B14F-4D97-AF65-F5344CB8AC3E}">
@@ -10746,7 +11661,7 @@
 </p:sld>
 </file>
 
-<file path=ppt/slides/slide12.xml><?xml version="1.0" encoding="utf-8"?>
+<file path=ppt/slides/slide13.xml><?xml version="1.0" encoding="utf-8"?>
 <p:sld xmlns:a="http://schemas.openxmlformats.org/drawingml/2006/main" xmlns:r="http://schemas.openxmlformats.org/officeDocument/2006/relationships" xmlns:p="http://schemas.openxmlformats.org/presentationml/2006/main">
   <p:cSld>
     <p:spTree>
@@ -10847,166 +11762,40 @@
           </a:p>
         </p:txBody>
       </p:sp>
-    </p:spTree>
-    <p:extLst>
-      <p:ext uri="{BB962C8B-B14F-4D97-AF65-F5344CB8AC3E}">
-        <p14:creationId xmlns:p14="http://schemas.microsoft.com/office/powerpoint/2010/main" val="2486327957"/>
-      </p:ext>
-    </p:extLst>
-  </p:cSld>
-  <p:clrMapOvr>
-    <a:masterClrMapping/>
-  </p:clrMapOvr>
-</p:sld>
-</file>
-
-<file path=ppt/slides/slide13.xml><?xml version="1.0" encoding="utf-8"?>
-<p:sld xmlns:a="http://schemas.openxmlformats.org/drawingml/2006/main" xmlns:r="http://schemas.openxmlformats.org/officeDocument/2006/relationships" xmlns:p="http://schemas.openxmlformats.org/presentationml/2006/main">
-  <p:cSld>
-    <p:spTree>
-      <p:nvGrpSpPr>
-        <p:cNvPr id="1" name="Shape 113"/>
-        <p:cNvGrpSpPr/>
-        <p:nvPr/>
-      </p:nvGrpSpPr>
-      <p:grpSpPr>
-        <a:xfrm>
-          <a:off x="0" y="0"/>
-          <a:ext cx="0" cy="0"/>
-          <a:chOff x="0" y="0"/>
-          <a:chExt cx="0" cy="0"/>
-        </a:xfrm>
-      </p:grpSpPr>
-      <p:sp>
-        <p:nvSpPr>
-          <p:cNvPr id="114" name="Google Shape;114;p22"/>
-          <p:cNvSpPr txBox="1">
-            <a:spLocks noGrp="1"/>
-          </p:cNvSpPr>
-          <p:nvPr>
-            <p:ph type="title"/>
-          </p:nvPr>
-        </p:nvSpPr>
+      <p:pic>
+        <p:nvPicPr>
+          <p:cNvPr id="3" name="Picture 2">
+            <a:extLst>
+              <a:ext uri="{FF2B5EF4-FFF2-40B4-BE49-F238E27FC236}">
+                <a16:creationId xmlns:a16="http://schemas.microsoft.com/office/drawing/2014/main" id="{63AD7B34-754A-87A9-5A90-2DB795751940}"/>
+              </a:ext>
+            </a:extLst>
+          </p:cNvPr>
+          <p:cNvPicPr>
+            <a:picLocks noChangeAspect="1"/>
+          </p:cNvPicPr>
+          <p:nvPr/>
+        </p:nvPicPr>
+        <p:blipFill>
+          <a:blip r:embed="rId3"/>
+          <a:stretch>
+            <a:fillRect/>
+          </a:stretch>
+        </p:blipFill>
         <p:spPr>
           <a:xfrm>
-            <a:off x="311700" y="445025"/>
-            <a:ext cx="8520600" cy="572700"/>
+            <a:off x="256975" y="2124700"/>
+            <a:ext cx="8630050" cy="2444175"/>
           </a:xfrm>
           <a:prstGeom prst="rect">
             <a:avLst/>
           </a:prstGeom>
         </p:spPr>
-        <p:txBody>
-          <a:bodyPr spcFirstLastPara="1" wrap="square" lIns="91425" tIns="91425" rIns="91425" bIns="91425" anchor="t" anchorCtr="0">
-            <a:noAutofit/>
-          </a:bodyPr>
-          <a:lstStyle/>
-          <a:p>
-            <a:pPr marL="0" lvl="0" indent="0" algn="l" rtl="0">
-              <a:spcBef>
-                <a:spcPts val="0"/>
-              </a:spcBef>
-              <a:spcAft>
-                <a:spcPts val="0"/>
-              </a:spcAft>
-              <a:buNone/>
-            </a:pPr>
-            <a:r>
-              <a:rPr lang="en" dirty="0"/>
-              <a:t>Part 4: Multi-label Scene Attributes</a:t>
-            </a:r>
-            <a:endParaRPr dirty="0"/>
-          </a:p>
-        </p:txBody>
-      </p:sp>
-      <p:sp>
-        <p:nvSpPr>
-          <p:cNvPr id="115" name="Google Shape;115;p22"/>
-          <p:cNvSpPr txBox="1">
-            <a:spLocks noGrp="1"/>
-          </p:cNvSpPr>
-          <p:nvPr>
-            <p:ph type="body" idx="1"/>
-          </p:nvPr>
-        </p:nvSpPr>
-        <p:spPr>
-          <a:xfrm>
-            <a:off x="311700" y="1152475"/>
-            <a:ext cx="3999900" cy="3416400"/>
-          </a:xfrm>
-          <a:prstGeom prst="rect">
-            <a:avLst/>
-          </a:prstGeom>
-        </p:spPr>
-        <p:txBody>
-          <a:bodyPr spcFirstLastPara="1" wrap="square" lIns="91425" tIns="91425" rIns="91425" bIns="91425" anchor="t" anchorCtr="0">
-            <a:noAutofit/>
-          </a:bodyPr>
-          <a:lstStyle/>
-          <a:p>
-            <a:pPr marL="0" lvl="0" indent="0" algn="l" rtl="0">
-              <a:spcBef>
-                <a:spcPts val="0"/>
-              </a:spcBef>
-              <a:spcAft>
-                <a:spcPts val="0"/>
-              </a:spcAft>
-              <a:buNone/>
-            </a:pPr>
-            <a:r>
-              <a:rPr lang="en" dirty="0"/>
-              <a:t>[List 3 changes that you made in the network compared to the one in part 3.]</a:t>
-            </a:r>
-            <a:endParaRPr dirty="0"/>
-          </a:p>
-        </p:txBody>
-      </p:sp>
-      <p:sp>
-        <p:nvSpPr>
-          <p:cNvPr id="116" name="Google Shape;116;p22"/>
-          <p:cNvSpPr txBox="1">
-            <a:spLocks noGrp="1"/>
-          </p:cNvSpPr>
-          <p:nvPr>
-            <p:ph type="body" idx="2"/>
-          </p:nvPr>
-        </p:nvSpPr>
-        <p:spPr>
-          <a:xfrm>
-            <a:off x="4832400" y="1152475"/>
-            <a:ext cx="3999900" cy="3416400"/>
-          </a:xfrm>
-          <a:prstGeom prst="rect">
-            <a:avLst/>
-          </a:prstGeom>
-        </p:spPr>
-        <p:txBody>
-          <a:bodyPr spcFirstLastPara="1" wrap="square" lIns="91425" tIns="91425" rIns="91425" bIns="91425" anchor="t" anchorCtr="0">
-            <a:noAutofit/>
-          </a:bodyPr>
-          <a:lstStyle/>
-          <a:p>
-            <a:pPr marL="0" lvl="0" indent="0" algn="l" rtl="0">
-              <a:spcBef>
-                <a:spcPts val="0"/>
-              </a:spcBef>
-              <a:spcAft>
-                <a:spcPts val="0"/>
-              </a:spcAft>
-              <a:buNone/>
-            </a:pPr>
-            <a:r>
-              <a:rPr lang="en" dirty="0"/>
-              <a:t>[Is the loss function of the ResNet model from part 3 appropriate for this problem? Why or why not?]</a:t>
-            </a:r>
-            <a:endParaRPr dirty="0"/>
-          </a:p>
-        </p:txBody>
-      </p:sp>
+      </p:pic>
     </p:spTree>
     <p:extLst>
       <p:ext uri="{BB962C8B-B14F-4D97-AF65-F5344CB8AC3E}">
-        <p14:creationId xmlns:p14="http://schemas.microsoft.com/office/powerpoint/2010/main" val="3112130835"/>
+        <p14:creationId xmlns:p14="http://schemas.microsoft.com/office/powerpoint/2010/main" val="2486327957"/>
       </p:ext>
     </p:extLst>
   </p:cSld>
@@ -11087,6 +11876,333 @@
         </p:nvSpPr>
         <p:spPr>
           <a:xfrm>
+            <a:off x="311700" y="1152475"/>
+            <a:ext cx="3999900" cy="3416400"/>
+          </a:xfrm>
+          <a:prstGeom prst="rect">
+            <a:avLst/>
+          </a:prstGeom>
+        </p:spPr>
+        <p:txBody>
+          <a:bodyPr spcFirstLastPara="1" wrap="square" lIns="91425" tIns="91425" rIns="91425" bIns="91425" anchor="t" anchorCtr="0">
+            <a:noAutofit/>
+          </a:bodyPr>
+          <a:lstStyle/>
+          <a:p>
+            <a:pPr marL="0" lvl="0" indent="0" algn="l" rtl="0">
+              <a:spcBef>
+                <a:spcPts val="0"/>
+              </a:spcBef>
+              <a:spcAft>
+                <a:spcPts val="0"/>
+              </a:spcAft>
+              <a:buNone/>
+            </a:pPr>
+            <a:r>
+              <a:rPr lang="en" dirty="0"/>
+              <a:t>[List 3 changes that you made in the network compared to the one in part 3.]</a:t>
+            </a:r>
+          </a:p>
+          <a:p>
+            <a:pPr marL="342900" lvl="0" indent="-342900" algn="just" rtl="0">
+              <a:spcBef>
+                <a:spcPts val="0"/>
+              </a:spcBef>
+              <a:spcAft>
+                <a:spcPts val="0"/>
+              </a:spcAft>
+              <a:buFont typeface="+mj-lt"/>
+              <a:buAutoNum type="arabicPeriod"/>
+            </a:pPr>
+            <a:r>
+              <a:rPr lang="en-US" dirty="0">
+                <a:latin typeface="Cambria" panose="02040503050406030204" pitchFamily="18" charset="0"/>
+                <a:ea typeface="Cambria" panose="02040503050406030204" pitchFamily="18" charset="0"/>
+              </a:rPr>
+              <a:t>Number of output features in the final linear layer changed from 15 to 7.</a:t>
+            </a:r>
+          </a:p>
+          <a:p>
+            <a:pPr marL="342900" lvl="0" indent="-342900" algn="just" rtl="0">
+              <a:spcBef>
+                <a:spcPts val="0"/>
+              </a:spcBef>
+              <a:spcAft>
+                <a:spcPts val="0"/>
+              </a:spcAft>
+              <a:buFont typeface="+mj-lt"/>
+              <a:buAutoNum type="arabicPeriod"/>
+            </a:pPr>
+            <a:r>
+              <a:rPr lang="en-US" dirty="0">
+                <a:latin typeface="Cambria" panose="02040503050406030204" pitchFamily="18" charset="0"/>
+                <a:ea typeface="Cambria" panose="02040503050406030204" pitchFamily="18" charset="0"/>
+              </a:rPr>
+              <a:t>The loss function is changed from </a:t>
+            </a:r>
+            <a:r>
+              <a:rPr lang="en-US" dirty="0" err="1">
+                <a:latin typeface="Cambria" panose="02040503050406030204" pitchFamily="18" charset="0"/>
+                <a:ea typeface="Cambria" panose="02040503050406030204" pitchFamily="18" charset="0"/>
+              </a:rPr>
+              <a:t>CrossEntropy</a:t>
+            </a:r>
+            <a:r>
+              <a:rPr lang="en-US" dirty="0">
+                <a:latin typeface="Cambria" panose="02040503050406030204" pitchFamily="18" charset="0"/>
+                <a:ea typeface="Cambria" panose="02040503050406030204" pitchFamily="18" charset="0"/>
+              </a:rPr>
+              <a:t> to </a:t>
+            </a:r>
+            <a:r>
+              <a:rPr lang="en-US" dirty="0" err="1">
+                <a:latin typeface="Cambria" panose="02040503050406030204" pitchFamily="18" charset="0"/>
+                <a:ea typeface="Cambria" panose="02040503050406030204" pitchFamily="18" charset="0"/>
+              </a:rPr>
+              <a:t>BinaryCrossEntropy</a:t>
+            </a:r>
+            <a:r>
+              <a:rPr lang="en-US" dirty="0">
+                <a:latin typeface="Cambria" panose="02040503050406030204" pitchFamily="18" charset="0"/>
+                <a:ea typeface="Cambria" panose="02040503050406030204" pitchFamily="18" charset="0"/>
+              </a:rPr>
+              <a:t>.</a:t>
+            </a:r>
+          </a:p>
+          <a:p>
+            <a:pPr marL="342900" lvl="0" indent="-342900" algn="just" rtl="0">
+              <a:spcBef>
+                <a:spcPts val="0"/>
+              </a:spcBef>
+              <a:spcAft>
+                <a:spcPts val="0"/>
+              </a:spcAft>
+              <a:buFont typeface="+mj-lt"/>
+              <a:buAutoNum type="arabicPeriod"/>
+            </a:pPr>
+            <a:r>
+              <a:rPr lang="en-US" dirty="0">
+                <a:latin typeface="Cambria" panose="02040503050406030204" pitchFamily="18" charset="0"/>
+                <a:ea typeface="Cambria" panose="02040503050406030204" pitchFamily="18" charset="0"/>
+              </a:rPr>
+              <a:t>A sigmoid activation function added.</a:t>
+            </a:r>
+            <a:endParaRPr dirty="0">
+              <a:latin typeface="Cambria" panose="02040503050406030204" pitchFamily="18" charset="0"/>
+              <a:ea typeface="Cambria" panose="02040503050406030204" pitchFamily="18" charset="0"/>
+            </a:endParaRPr>
+          </a:p>
+        </p:txBody>
+      </p:sp>
+      <mc:AlternateContent xmlns:mc="http://schemas.openxmlformats.org/markup-compatibility/2006">
+        <mc:Choice xmlns:a14="http://schemas.microsoft.com/office/drawing/2010/main" Requires="a14">
+          <p:sp>
+            <p:nvSpPr>
+              <p:cNvPr id="116" name="Google Shape;116;p22"/>
+              <p:cNvSpPr txBox="1">
+                <a:spLocks noGrp="1"/>
+              </p:cNvSpPr>
+              <p:nvPr>
+                <p:ph type="body" idx="2"/>
+              </p:nvPr>
+            </p:nvSpPr>
+            <p:spPr>
+              <a:xfrm>
+                <a:off x="4832400" y="1152475"/>
+                <a:ext cx="3999900" cy="3416400"/>
+              </a:xfrm>
+              <a:prstGeom prst="rect">
+                <a:avLst/>
+              </a:prstGeom>
+            </p:spPr>
+            <p:txBody>
+              <a:bodyPr spcFirstLastPara="1" wrap="square" lIns="91425" tIns="91425" rIns="91425" bIns="91425" anchor="t" anchorCtr="0">
+                <a:noAutofit/>
+              </a:bodyPr>
+              <a:lstStyle/>
+              <a:p>
+                <a:pPr marL="0" lvl="0" indent="0" algn="l" rtl="0">
+                  <a:spcBef>
+                    <a:spcPts val="0"/>
+                  </a:spcBef>
+                  <a:spcAft>
+                    <a:spcPts val="0"/>
+                  </a:spcAft>
+                  <a:buNone/>
+                </a:pPr>
+                <a:r>
+                  <a:rPr lang="en" dirty="0"/>
+                  <a:t>[Is the loss function of the ResNet model from part 3 appropriate for this problem? Why or why not?]</a:t>
+                </a:r>
+              </a:p>
+              <a:p>
+                <a:pPr marL="0" lvl="0" indent="0" algn="just" rtl="0">
+                  <a:spcBef>
+                    <a:spcPts val="0"/>
+                  </a:spcBef>
+                  <a:spcAft>
+                    <a:spcPts val="0"/>
+                  </a:spcAft>
+                  <a:buNone/>
+                </a:pPr>
+                <a:r>
+                  <a:rPr lang="en" dirty="0">
+                    <a:latin typeface="Cambria" panose="02040503050406030204" pitchFamily="18" charset="0"/>
+                    <a:ea typeface="Cambria" panose="02040503050406030204" pitchFamily="18" charset="0"/>
+                  </a:rPr>
+                  <a:t>Cross-entropy Loss is appropriate when we’re classifying among more than 2 classes. Since we only wish to determine the existence/non-existence of classes in the picture, a binary cross-entropy loss is more appropriate. That being said, Cross-entropy loss still works reasonably well, yielding an accuracy of </a:t>
+                </a:r>
+                <a14:m>
+                  <m:oMath xmlns:m="http://schemas.openxmlformats.org/officeDocument/2006/math">
+                    <m:r>
+                      <a:rPr lang="en-US" b="0" i="1" smtClean="0">
+                        <a:latin typeface="Cambria Math" panose="02040503050406030204" pitchFamily="18" charset="0"/>
+                        <a:ea typeface="Cambria" panose="02040503050406030204" pitchFamily="18" charset="0"/>
+                      </a:rPr>
+                      <m:t>81%</m:t>
+                    </m:r>
+                  </m:oMath>
+                </a14:m>
+                <a:r>
+                  <a:rPr lang="en" dirty="0">
+                    <a:latin typeface="Cambria" panose="02040503050406030204" pitchFamily="18" charset="0"/>
+                    <a:ea typeface="Cambria" panose="02040503050406030204" pitchFamily="18" charset="0"/>
+                  </a:rPr>
+                  <a:t>. </a:t>
+                </a:r>
+                <a:endParaRPr dirty="0">
+                  <a:latin typeface="Cambria" panose="02040503050406030204" pitchFamily="18" charset="0"/>
+                  <a:ea typeface="Cambria" panose="02040503050406030204" pitchFamily="18" charset="0"/>
+                </a:endParaRPr>
+              </a:p>
+            </p:txBody>
+          </p:sp>
+        </mc:Choice>
+        <mc:Fallback>
+          <p:sp>
+            <p:nvSpPr>
+              <p:cNvPr id="116" name="Google Shape;116;p22"/>
+              <p:cNvSpPr txBox="1">
+                <a:spLocks noGrp="1" noRot="1" noChangeAspect="1" noMove="1" noResize="1" noEditPoints="1" noAdjustHandles="1" noChangeArrowheads="1" noChangeShapeType="1" noTextEdit="1"/>
+              </p:cNvSpPr>
+              <p:nvPr>
+                <p:ph type="body" idx="2"/>
+              </p:nvPr>
+            </p:nvSpPr>
+            <p:spPr>
+              <a:xfrm>
+                <a:off x="4832400" y="1152475"/>
+                <a:ext cx="3999900" cy="3416400"/>
+              </a:xfrm>
+              <a:prstGeom prst="rect">
+                <a:avLst/>
+              </a:prstGeom>
+              <a:blipFill>
+                <a:blip r:embed="rId3"/>
+                <a:stretch>
+                  <a:fillRect l="-457" r="-457"/>
+                </a:stretch>
+              </a:blipFill>
+            </p:spPr>
+            <p:txBody>
+              <a:bodyPr/>
+              <a:lstStyle/>
+              <a:p>
+                <a:r>
+                  <a:rPr lang="en-US">
+                    <a:noFill/>
+                  </a:rPr>
+                  <a:t> </a:t>
+                </a:r>
+              </a:p>
+            </p:txBody>
+          </p:sp>
+        </mc:Fallback>
+      </mc:AlternateContent>
+    </p:spTree>
+    <p:extLst>
+      <p:ext uri="{BB962C8B-B14F-4D97-AF65-F5344CB8AC3E}">
+        <p14:creationId xmlns:p14="http://schemas.microsoft.com/office/powerpoint/2010/main" val="3112130835"/>
+      </p:ext>
+    </p:extLst>
+  </p:cSld>
+  <p:clrMapOvr>
+    <a:masterClrMapping/>
+  </p:clrMapOvr>
+</p:sld>
+</file>
+
+<file path=ppt/slides/slide15.xml><?xml version="1.0" encoding="utf-8"?>
+<p:sld xmlns:a="http://schemas.openxmlformats.org/drawingml/2006/main" xmlns:r="http://schemas.openxmlformats.org/officeDocument/2006/relationships" xmlns:p="http://schemas.openxmlformats.org/presentationml/2006/main">
+  <p:cSld>
+    <p:spTree>
+      <p:nvGrpSpPr>
+        <p:cNvPr id="1" name="Shape 113"/>
+        <p:cNvGrpSpPr/>
+        <p:nvPr/>
+      </p:nvGrpSpPr>
+      <p:grpSpPr>
+        <a:xfrm>
+          <a:off x="0" y="0"/>
+          <a:ext cx="0" cy="0"/>
+          <a:chOff x="0" y="0"/>
+          <a:chExt cx="0" cy="0"/>
+        </a:xfrm>
+      </p:grpSpPr>
+      <p:sp>
+        <p:nvSpPr>
+          <p:cNvPr id="114" name="Google Shape;114;p22"/>
+          <p:cNvSpPr txBox="1">
+            <a:spLocks noGrp="1"/>
+          </p:cNvSpPr>
+          <p:nvPr>
+            <p:ph type="title"/>
+          </p:nvPr>
+        </p:nvSpPr>
+        <p:spPr>
+          <a:xfrm>
+            <a:off x="311700" y="445025"/>
+            <a:ext cx="8520600" cy="572700"/>
+          </a:xfrm>
+          <a:prstGeom prst="rect">
+            <a:avLst/>
+          </a:prstGeom>
+        </p:spPr>
+        <p:txBody>
+          <a:bodyPr spcFirstLastPara="1" wrap="square" lIns="91425" tIns="91425" rIns="91425" bIns="91425" anchor="t" anchorCtr="0">
+            <a:noAutofit/>
+          </a:bodyPr>
+          <a:lstStyle/>
+          <a:p>
+            <a:pPr marL="0" lvl="0" indent="0" algn="l" rtl="0">
+              <a:spcBef>
+                <a:spcPts val="0"/>
+              </a:spcBef>
+              <a:spcAft>
+                <a:spcPts val="0"/>
+              </a:spcAft>
+              <a:buNone/>
+            </a:pPr>
+            <a:r>
+              <a:rPr lang="en" dirty="0"/>
+              <a:t>Part 4: Multi-label Scene Attributes</a:t>
+            </a:r>
+            <a:endParaRPr dirty="0"/>
+          </a:p>
+        </p:txBody>
+      </p:sp>
+      <p:sp>
+        <p:nvSpPr>
+          <p:cNvPr id="115" name="Google Shape;115;p22"/>
+          <p:cNvSpPr txBox="1">
+            <a:spLocks noGrp="1"/>
+          </p:cNvSpPr>
+          <p:nvPr>
+            <p:ph type="body" idx="1"/>
+          </p:nvPr>
+        </p:nvSpPr>
+        <p:spPr>
+          <a:xfrm>
             <a:off x="311699" y="1152475"/>
             <a:ext cx="8202209" cy="3416400"/>
           </a:xfrm>
@@ -11100,7 +12216,7 @@
           </a:bodyPr>
           <a:lstStyle/>
           <a:p>
-            <a:pPr marL="0" lvl="0" indent="0" algn="l" rtl="0">
+            <a:pPr marL="0" lvl="0" indent="0" algn="just" rtl="0">
               <a:spcBef>
                 <a:spcPts val="0"/>
               </a:spcBef>
@@ -11113,7 +12229,22 @@
               <a:rPr lang="en" dirty="0"/>
               <a:t>[Explain a problem that one needs to be wary of with multilabel classification. HINT: consider the purpose of visualizing your results with the accuracy table. You might want to do some data exploration here.]</a:t>
             </a:r>
-            <a:endParaRPr dirty="0"/>
+          </a:p>
+          <a:p>
+            <a:pPr marL="0" lvl="0" indent="0" algn="just">
+              <a:buNone/>
+            </a:pPr>
+            <a:r>
+              <a:rPr lang="en" dirty="0">
+                <a:latin typeface="Cambria" panose="02040503050406030204" pitchFamily="18" charset="0"/>
+                <a:ea typeface="Cambria" panose="02040503050406030204" pitchFamily="18" charset="0"/>
+              </a:rPr>
+              <a:t>The model may learn to associate the presence of one class due to the presence of another class. Some of the sub-classes may be separated by thin lines. For example, it’s likely that a solid, rock structure beside a highway is a natural establishment, but it is just as likely to be a man-made structure beside an urban road that may look like a highway.</a:t>
+            </a:r>
+            <a:endParaRPr dirty="0">
+              <a:latin typeface="Cambria" panose="02040503050406030204" pitchFamily="18" charset="0"/>
+              <a:ea typeface="Cambria" panose="02040503050406030204" pitchFamily="18" charset="0"/>
+            </a:endParaRPr>
           </a:p>
         </p:txBody>
       </p:sp>
@@ -11189,200 +12320,284 @@
           </a:p>
         </p:txBody>
       </p:sp>
-      <p:sp>
-        <p:nvSpPr>
-          <p:cNvPr id="61" name="Google Shape;61;p14"/>
-          <p:cNvSpPr txBox="1">
-            <a:spLocks noGrp="1"/>
-          </p:cNvSpPr>
-          <p:nvPr>
-            <p:ph type="body" idx="1"/>
-          </p:nvPr>
-        </p:nvSpPr>
-        <p:spPr>
-          <a:xfrm>
-            <a:off x="311700" y="1152475"/>
-            <a:ext cx="3999900" cy="3416400"/>
-          </a:xfrm>
-          <a:prstGeom prst="rect">
-            <a:avLst/>
-          </a:prstGeom>
-        </p:spPr>
-        <p:txBody>
-          <a:bodyPr spcFirstLastPara="1" wrap="square" lIns="91425" tIns="91425" rIns="91425" bIns="91425" anchor="t" anchorCtr="0">
-            <a:noAutofit/>
-          </a:bodyPr>
-          <a:lstStyle/>
-          <a:p>
-            <a:pPr marL="0" lvl="0" indent="0" algn="l" rtl="0">
-              <a:spcBef>
-                <a:spcPts val="0"/>
-              </a:spcBef>
-              <a:spcAft>
-                <a:spcPts val="0"/>
-              </a:spcAft>
-              <a:buNone/>
-            </a:pPr>
-            <a:r>
-              <a:rPr lang="en"/>
-              <a:t>[Insert loss plot for SimpleNet here]</a:t>
-            </a:r>
-            <a:endParaRPr/>
-          </a:p>
-          <a:p>
-            <a:pPr marL="0" lvl="0" indent="0" algn="l" rtl="0">
-              <a:spcBef>
-                <a:spcPts val="0"/>
-              </a:spcBef>
-              <a:spcAft>
-                <a:spcPts val="0"/>
-              </a:spcAft>
-              <a:buNone/>
-            </a:pPr>
-            <a:endParaRPr/>
-          </a:p>
-          <a:p>
-            <a:pPr marL="0" lvl="0" indent="0" algn="l" rtl="0">
-              <a:spcBef>
-                <a:spcPts val="0"/>
-              </a:spcBef>
-              <a:spcAft>
-                <a:spcPts val="0"/>
-              </a:spcAft>
-              <a:buNone/>
-            </a:pPr>
-            <a:endParaRPr/>
-          </a:p>
-          <a:p>
-            <a:pPr marL="0" lvl="0" indent="0" algn="l" rtl="0">
-              <a:spcBef>
-                <a:spcPts val="0"/>
-              </a:spcBef>
-              <a:spcAft>
-                <a:spcPts val="0"/>
-              </a:spcAft>
-              <a:buNone/>
-            </a:pPr>
-            <a:endParaRPr/>
-          </a:p>
-          <a:p>
-            <a:pPr marL="0" lvl="0" indent="0" algn="l" rtl="0">
-              <a:spcBef>
-                <a:spcPts val="0"/>
-              </a:spcBef>
-              <a:spcAft>
-                <a:spcPts val="0"/>
-              </a:spcAft>
-              <a:buNone/>
-            </a:pPr>
-            <a:endParaRPr/>
-          </a:p>
-          <a:p>
-            <a:pPr marL="0" lvl="0" indent="0" algn="l" rtl="0">
-              <a:spcBef>
-                <a:spcPts val="0"/>
-              </a:spcBef>
-              <a:spcAft>
-                <a:spcPts val="0"/>
-              </a:spcAft>
-              <a:buNone/>
-            </a:pPr>
-            <a:endParaRPr/>
-          </a:p>
-          <a:p>
-            <a:pPr marL="0" lvl="0" indent="0" algn="l" rtl="0">
-              <a:spcBef>
-                <a:spcPts val="0"/>
-              </a:spcBef>
-              <a:spcAft>
-                <a:spcPts val="0"/>
-              </a:spcAft>
-              <a:buNone/>
-            </a:pPr>
-            <a:endParaRPr/>
-          </a:p>
-          <a:p>
-            <a:pPr marL="0" lvl="0" indent="0" algn="l" rtl="0">
-              <a:spcBef>
-                <a:spcPts val="0"/>
-              </a:spcBef>
-              <a:spcAft>
-                <a:spcPts val="0"/>
-              </a:spcAft>
-              <a:buNone/>
-            </a:pPr>
-            <a:endParaRPr/>
-          </a:p>
-          <a:p>
-            <a:pPr marL="0" lvl="0" indent="0" algn="l" rtl="0">
-              <a:spcBef>
-                <a:spcPts val="0"/>
-              </a:spcBef>
-              <a:spcAft>
-                <a:spcPts val="0"/>
-              </a:spcAft>
-              <a:buNone/>
-            </a:pPr>
-            <a:endParaRPr/>
-          </a:p>
-          <a:p>
-            <a:pPr marL="0" lvl="0" indent="0" algn="l" rtl="0">
-              <a:spcBef>
-                <a:spcPts val="0"/>
-              </a:spcBef>
-              <a:spcAft>
-                <a:spcPts val="0"/>
-              </a:spcAft>
-              <a:buNone/>
-            </a:pPr>
-            <a:endParaRPr/>
-          </a:p>
-          <a:p>
-            <a:pPr marL="0" lvl="0" indent="0" algn="l" rtl="0">
-              <a:spcBef>
-                <a:spcPts val="0"/>
-              </a:spcBef>
-              <a:spcAft>
-                <a:spcPts val="0"/>
-              </a:spcAft>
-              <a:buNone/>
-            </a:pPr>
-            <a:r>
-              <a:rPr lang="en"/>
-              <a:t>Final training accuracy:</a:t>
-            </a:r>
-            <a:endParaRPr/>
-          </a:p>
-          <a:p>
-            <a:pPr marL="0" lvl="0" indent="0" algn="l" rtl="0">
-              <a:spcBef>
-                <a:spcPts val="0"/>
-              </a:spcBef>
-              <a:spcAft>
-                <a:spcPts val="0"/>
-              </a:spcAft>
-              <a:buNone/>
-            </a:pPr>
-            <a:endParaRPr/>
-          </a:p>
-          <a:p>
-            <a:pPr marL="0" lvl="0" indent="0" algn="l" rtl="0">
-              <a:spcBef>
-                <a:spcPts val="0"/>
-              </a:spcBef>
-              <a:spcAft>
-                <a:spcPts val="0"/>
-              </a:spcAft>
-              <a:buNone/>
-            </a:pPr>
-            <a:r>
-              <a:rPr lang="en"/>
-              <a:t>Final validation accuracy:</a:t>
-            </a:r>
-            <a:endParaRPr/>
-          </a:p>
-        </p:txBody>
-      </p:sp>
+      <mc:AlternateContent xmlns:mc="http://schemas.openxmlformats.org/markup-compatibility/2006">
+        <mc:Choice xmlns:a14="http://schemas.microsoft.com/office/drawing/2010/main" Requires="a14">
+          <p:sp>
+            <p:nvSpPr>
+              <p:cNvPr id="61" name="Google Shape;61;p14"/>
+              <p:cNvSpPr txBox="1">
+                <a:spLocks noGrp="1"/>
+              </p:cNvSpPr>
+              <p:nvPr>
+                <p:ph type="body" idx="1"/>
+              </p:nvPr>
+            </p:nvSpPr>
+            <p:spPr>
+              <a:xfrm>
+                <a:off x="311700" y="1152475"/>
+                <a:ext cx="3999900" cy="3416400"/>
+              </a:xfrm>
+              <a:prstGeom prst="rect">
+                <a:avLst/>
+              </a:prstGeom>
+            </p:spPr>
+            <p:txBody>
+              <a:bodyPr spcFirstLastPara="1" wrap="square" lIns="91425" tIns="91425" rIns="91425" bIns="91425" anchor="t" anchorCtr="0">
+                <a:noAutofit/>
+              </a:bodyPr>
+              <a:lstStyle/>
+              <a:p>
+                <a:pPr marL="0" lvl="0" indent="0" algn="l" rtl="0">
+                  <a:spcBef>
+                    <a:spcPts val="0"/>
+                  </a:spcBef>
+                  <a:spcAft>
+                    <a:spcPts val="0"/>
+                  </a:spcAft>
+                  <a:buNone/>
+                </a:pPr>
+                <a:r>
+                  <a:rPr lang="en-US" dirty="0"/>
+                  <a:t>[Insert loss plot for SimpleNet here]</a:t>
+                </a:r>
+              </a:p>
+              <a:p>
+                <a:pPr marL="0" lvl="0" indent="0" algn="l" rtl="0">
+                  <a:spcBef>
+                    <a:spcPts val="0"/>
+                  </a:spcBef>
+                  <a:spcAft>
+                    <a:spcPts val="0"/>
+                  </a:spcAft>
+                  <a:buNone/>
+                </a:pPr>
+                <a:endParaRPr lang="en-US" dirty="0"/>
+              </a:p>
+              <a:p>
+                <a:pPr marL="0" lvl="0" indent="0" algn="l" rtl="0">
+                  <a:spcBef>
+                    <a:spcPts val="0"/>
+                  </a:spcBef>
+                  <a:spcAft>
+                    <a:spcPts val="0"/>
+                  </a:spcAft>
+                  <a:buNone/>
+                </a:pPr>
+                <a:endParaRPr lang="en-US" dirty="0"/>
+              </a:p>
+              <a:p>
+                <a:pPr marL="0" lvl="0" indent="0" algn="l" rtl="0">
+                  <a:spcBef>
+                    <a:spcPts val="0"/>
+                  </a:spcBef>
+                  <a:spcAft>
+                    <a:spcPts val="0"/>
+                  </a:spcAft>
+                  <a:buNone/>
+                </a:pPr>
+                <a:endParaRPr lang="en-US" dirty="0"/>
+              </a:p>
+              <a:p>
+                <a:pPr marL="0" lvl="0" indent="0" algn="l" rtl="0">
+                  <a:spcBef>
+                    <a:spcPts val="0"/>
+                  </a:spcBef>
+                  <a:spcAft>
+                    <a:spcPts val="0"/>
+                  </a:spcAft>
+                  <a:buNone/>
+                </a:pPr>
+                <a:endParaRPr lang="en-US" dirty="0"/>
+              </a:p>
+              <a:p>
+                <a:pPr marL="0" lvl="0" indent="0" algn="l" rtl="0">
+                  <a:spcBef>
+                    <a:spcPts val="0"/>
+                  </a:spcBef>
+                  <a:spcAft>
+                    <a:spcPts val="0"/>
+                  </a:spcAft>
+                  <a:buNone/>
+                </a:pPr>
+                <a:endParaRPr lang="en-US" dirty="0"/>
+              </a:p>
+              <a:p>
+                <a:pPr marL="0" lvl="0" indent="0" algn="l" rtl="0">
+                  <a:spcBef>
+                    <a:spcPts val="0"/>
+                  </a:spcBef>
+                  <a:spcAft>
+                    <a:spcPts val="0"/>
+                  </a:spcAft>
+                  <a:buNone/>
+                </a:pPr>
+                <a:endParaRPr lang="en-US" dirty="0"/>
+              </a:p>
+              <a:p>
+                <a:pPr marL="0" lvl="0" indent="0" algn="l" rtl="0">
+                  <a:spcBef>
+                    <a:spcPts val="0"/>
+                  </a:spcBef>
+                  <a:spcAft>
+                    <a:spcPts val="0"/>
+                  </a:spcAft>
+                  <a:buNone/>
+                </a:pPr>
+                <a:endParaRPr lang="en-US" dirty="0"/>
+              </a:p>
+              <a:p>
+                <a:pPr marL="0" lvl="0" indent="0" algn="l" rtl="0">
+                  <a:spcBef>
+                    <a:spcPts val="0"/>
+                  </a:spcBef>
+                  <a:spcAft>
+                    <a:spcPts val="0"/>
+                  </a:spcAft>
+                  <a:buNone/>
+                </a:pPr>
+                <a:endParaRPr lang="en-US" dirty="0"/>
+              </a:p>
+              <a:p>
+                <a:pPr marL="0" lvl="0" indent="0" algn="l" rtl="0">
+                  <a:spcBef>
+                    <a:spcPts val="0"/>
+                  </a:spcBef>
+                  <a:spcAft>
+                    <a:spcPts val="0"/>
+                  </a:spcAft>
+                  <a:buNone/>
+                </a:pPr>
+                <a:endParaRPr lang="en-US" dirty="0"/>
+              </a:p>
+              <a:p>
+                <a:pPr marL="0" lvl="0" indent="0" algn="l" rtl="0">
+                  <a:spcBef>
+                    <a:spcPts val="0"/>
+                  </a:spcBef>
+                  <a:spcAft>
+                    <a:spcPts val="0"/>
+                  </a:spcAft>
+                  <a:buNone/>
+                </a:pPr>
+                <a:r>
+                  <a:rPr lang="en-US" dirty="0"/>
+                  <a:t>Final training accuracy: </a:t>
+                </a:r>
+                <a14:m>
+                  <m:oMath xmlns:m="http://schemas.openxmlformats.org/officeDocument/2006/math">
+                    <m:r>
+                      <a:rPr lang="en-US" i="1" dirty="0" smtClean="0">
+                        <a:latin typeface="Cambria Math" panose="02040503050406030204" pitchFamily="18" charset="0"/>
+                        <a:ea typeface="Cambria" panose="02040503050406030204" pitchFamily="18" charset="0"/>
+                      </a:rPr>
+                      <m:t>7</m:t>
+                    </m:r>
+                    <m:r>
+                      <a:rPr lang="en-US" b="0" i="1" dirty="0" smtClean="0">
+                        <a:latin typeface="Cambria Math" panose="02040503050406030204" pitchFamily="18" charset="0"/>
+                        <a:ea typeface="Cambria" panose="02040503050406030204" pitchFamily="18" charset="0"/>
+                      </a:rPr>
+                      <m:t>5.9</m:t>
+                    </m:r>
+                    <m:r>
+                      <a:rPr lang="en-US" i="1" dirty="0" smtClean="0">
+                        <a:latin typeface="Cambria Math" panose="02040503050406030204" pitchFamily="18" charset="0"/>
+                        <a:ea typeface="Cambria" panose="02040503050406030204" pitchFamily="18" charset="0"/>
+                      </a:rPr>
+                      <m:t>%</m:t>
+                    </m:r>
+                  </m:oMath>
+                </a14:m>
+                <a:endParaRPr lang="en-US" dirty="0"/>
+              </a:p>
+              <a:p>
+                <a:pPr marL="0" lvl="0" indent="0" algn="l" rtl="0">
+                  <a:spcBef>
+                    <a:spcPts val="0"/>
+                  </a:spcBef>
+                  <a:spcAft>
+                    <a:spcPts val="0"/>
+                  </a:spcAft>
+                  <a:buNone/>
+                </a:pPr>
+                <a:r>
+                  <a:rPr lang="en-US" dirty="0"/>
+                  <a:t>Final validation accuracy: </a:t>
+                </a:r>
+                <a14:m>
+                  <m:oMath xmlns:m="http://schemas.openxmlformats.org/officeDocument/2006/math">
+                    <m:r>
+                      <a:rPr lang="en-US" i="1" dirty="0" smtClean="0">
+                        <a:latin typeface="Cambria Math" panose="02040503050406030204" pitchFamily="18" charset="0"/>
+                        <a:ea typeface="Cambria" panose="02040503050406030204" pitchFamily="18" charset="0"/>
+                      </a:rPr>
+                      <m:t>5</m:t>
+                    </m:r>
+                    <m:r>
+                      <a:rPr lang="en-US" b="0" i="1" dirty="0" smtClean="0">
+                        <a:latin typeface="Cambria Math" panose="02040503050406030204" pitchFamily="18" charset="0"/>
+                        <a:ea typeface="Cambria" panose="02040503050406030204" pitchFamily="18" charset="0"/>
+                      </a:rPr>
+                      <m:t>4</m:t>
+                    </m:r>
+                    <m:r>
+                      <a:rPr lang="en-US" i="1" dirty="0" smtClean="0">
+                        <a:latin typeface="Cambria Math" panose="02040503050406030204" pitchFamily="18" charset="0"/>
+                        <a:ea typeface="Cambria" panose="02040503050406030204" pitchFamily="18" charset="0"/>
+                      </a:rPr>
+                      <m:t>.8%</m:t>
+                    </m:r>
+                  </m:oMath>
+                </a14:m>
+                <a:endParaRPr dirty="0">
+                  <a:latin typeface="Cambria" panose="02040503050406030204" pitchFamily="18" charset="0"/>
+                  <a:ea typeface="Cambria" panose="02040503050406030204" pitchFamily="18" charset="0"/>
+                </a:endParaRPr>
+              </a:p>
+            </p:txBody>
+          </p:sp>
+        </mc:Choice>
+        <mc:Fallback>
+          <p:sp>
+            <p:nvSpPr>
+              <p:cNvPr id="61" name="Google Shape;61;p14"/>
+              <p:cNvSpPr txBox="1">
+                <a:spLocks noGrp="1" noRot="1" noChangeAspect="1" noMove="1" noResize="1" noEditPoints="1" noAdjustHandles="1" noChangeArrowheads="1" noChangeShapeType="1" noTextEdit="1"/>
+              </p:cNvSpPr>
+              <p:nvPr>
+                <p:ph type="body" idx="1"/>
+              </p:nvPr>
+            </p:nvSpPr>
+            <p:spPr>
+              <a:xfrm>
+                <a:off x="311700" y="1152475"/>
+                <a:ext cx="3999900" cy="3416400"/>
+              </a:xfrm>
+              <a:prstGeom prst="rect">
+                <a:avLst/>
+              </a:prstGeom>
+              <a:blipFill>
+                <a:blip r:embed="rId3"/>
+                <a:stretch>
+                  <a:fillRect l="-457"/>
+                </a:stretch>
+              </a:blipFill>
+            </p:spPr>
+            <p:txBody>
+              <a:bodyPr/>
+              <a:lstStyle/>
+              <a:p>
+                <a:r>
+                  <a:rPr lang="en-US">
+                    <a:noFill/>
+                  </a:rPr>
+                  <a:t> </a:t>
+                </a:r>
+              </a:p>
+            </p:txBody>
+          </p:sp>
+        </mc:Fallback>
+      </mc:AlternateContent>
       <p:sp>
         <p:nvSpPr>
           <p:cNvPr id="62" name="Google Shape;62;p14"/>
@@ -11425,6 +12640,66 @@
           </a:p>
         </p:txBody>
       </p:sp>
+      <p:pic>
+        <p:nvPicPr>
+          <p:cNvPr id="8" name="Picture 7">
+            <a:extLst>
+              <a:ext uri="{FF2B5EF4-FFF2-40B4-BE49-F238E27FC236}">
+                <a16:creationId xmlns:a16="http://schemas.microsoft.com/office/drawing/2014/main" id="{0AA74CFB-38CB-EC14-D8F7-5D566842B06B}"/>
+              </a:ext>
+            </a:extLst>
+          </p:cNvPr>
+          <p:cNvPicPr>
+            <a:picLocks noChangeAspect="1"/>
+          </p:cNvPicPr>
+          <p:nvPr/>
+        </p:nvPicPr>
+        <p:blipFill>
+          <a:blip r:embed="rId4"/>
+          <a:stretch>
+            <a:fillRect/>
+          </a:stretch>
+        </p:blipFill>
+        <p:spPr>
+          <a:xfrm>
+            <a:off x="357822" y="1493044"/>
+            <a:ext cx="2738946" cy="2154066"/>
+          </a:xfrm>
+          <a:prstGeom prst="rect">
+            <a:avLst/>
+          </a:prstGeom>
+        </p:spPr>
+      </p:pic>
+      <p:pic>
+        <p:nvPicPr>
+          <p:cNvPr id="10" name="Picture 9">
+            <a:extLst>
+              <a:ext uri="{FF2B5EF4-FFF2-40B4-BE49-F238E27FC236}">
+                <a16:creationId xmlns:a16="http://schemas.microsoft.com/office/drawing/2014/main" id="{4CEB5071-53DD-76EA-A00D-4AABD0682085}"/>
+              </a:ext>
+            </a:extLst>
+          </p:cNvPr>
+          <p:cNvPicPr>
+            <a:picLocks noChangeAspect="1"/>
+          </p:cNvPicPr>
+          <p:nvPr/>
+        </p:nvPicPr>
+        <p:blipFill>
+          <a:blip r:embed="rId5"/>
+          <a:stretch>
+            <a:fillRect/>
+          </a:stretch>
+        </p:blipFill>
+        <p:spPr>
+          <a:xfrm>
+            <a:off x="5120640" y="1489698"/>
+            <a:ext cx="2700337" cy="2157412"/>
+          </a:xfrm>
+          <a:prstGeom prst="rect">
+            <a:avLst/>
+          </a:prstGeom>
+        </p:spPr>
+      </p:pic>
     </p:spTree>
   </p:cSld>
   <p:clrMapOvr>
@@ -11534,535 +12809,1268 @@
           </a:p>
         </p:txBody>
       </p:sp>
-      <p:graphicFrame>
-        <p:nvGraphicFramePr>
-          <p:cNvPr id="69" name="Google Shape;69;p15"/>
-          <p:cNvGraphicFramePr/>
-          <p:nvPr/>
-        </p:nvGraphicFramePr>
-        <p:xfrm>
-          <a:off x="1239488" y="1693450"/>
-          <a:ext cx="6665025" cy="3200200"/>
-        </p:xfrm>
-        <a:graphic>
-          <a:graphicData uri="http://schemas.openxmlformats.org/drawingml/2006/table">
-            <a:tbl>
-              <a:tblPr>
-                <a:noFill/>
-                <a:tableStyleId>{FCFDA917-BF1D-45A5-B592-F91ACCB8328D}</a:tableStyleId>
-              </a:tblPr>
-              <a:tblGrid>
-                <a:gridCol w="3908325">
-                  <a:extLst>
-                    <a:ext uri="{9D8B030D-6E8A-4147-A177-3AD203B41FA5}">
-                      <a16:colId xmlns:a16="http://schemas.microsoft.com/office/drawing/2014/main" val="20000"/>
-                    </a:ext>
-                  </a:extLst>
-                </a:gridCol>
-                <a:gridCol w="1401150">
-                  <a:extLst>
-                    <a:ext uri="{9D8B030D-6E8A-4147-A177-3AD203B41FA5}">
-                      <a16:colId xmlns:a16="http://schemas.microsoft.com/office/drawing/2014/main" val="20001"/>
-                    </a:ext>
-                  </a:extLst>
-                </a:gridCol>
-                <a:gridCol w="1355550">
-                  <a:extLst>
-                    <a:ext uri="{9D8B030D-6E8A-4147-A177-3AD203B41FA5}">
-                      <a16:colId xmlns:a16="http://schemas.microsoft.com/office/drawing/2014/main" val="20002"/>
-                    </a:ext>
-                  </a:extLst>
-                </a:gridCol>
-              </a:tblGrid>
-              <a:tr h="609575">
-                <a:tc>
-                  <a:txBody>
-                    <a:bodyPr/>
-                    <a:lstStyle/>
-                    <a:p>
-                      <a:pPr marL="0" lvl="0" indent="0" algn="l" rtl="0">
-                        <a:spcBef>
-                          <a:spcPts val="0"/>
-                        </a:spcBef>
-                        <a:spcAft>
-                          <a:spcPts val="0"/>
-                        </a:spcAft>
-                        <a:buNone/>
-                      </a:pPr>
-                      <a:endParaRPr/>
-                    </a:p>
-                  </a:txBody>
-                  <a:tcPr marL="91425" marR="91425" marT="91425" marB="91425"/>
-                </a:tc>
-                <a:tc>
-                  <a:txBody>
-                    <a:bodyPr/>
-                    <a:lstStyle/>
-                    <a:p>
-                      <a:pPr marL="0" lvl="0" indent="0" algn="l" rtl="0">
-                        <a:spcBef>
-                          <a:spcPts val="0"/>
-                        </a:spcBef>
-                        <a:spcAft>
-                          <a:spcPts val="0"/>
-                        </a:spcAft>
-                        <a:buNone/>
-                      </a:pPr>
-                      <a:r>
-                        <a:rPr lang="en"/>
-                        <a:t>Training accuracy</a:t>
-                      </a:r>
-                      <a:endParaRPr/>
-                    </a:p>
-                  </a:txBody>
-                  <a:tcPr marL="91425" marR="91425" marT="91425" marB="91425"/>
-                </a:tc>
-                <a:tc>
-                  <a:txBody>
-                    <a:bodyPr/>
-                    <a:lstStyle/>
-                    <a:p>
-                      <a:pPr marL="0" lvl="0" indent="0" algn="l" rtl="0">
-                        <a:spcBef>
-                          <a:spcPts val="0"/>
-                        </a:spcBef>
-                        <a:spcAft>
-                          <a:spcPts val="0"/>
-                        </a:spcAft>
-                        <a:buNone/>
-                      </a:pPr>
-                      <a:r>
-                        <a:rPr lang="en"/>
-                        <a:t>Validation accuracy</a:t>
-                      </a:r>
-                      <a:endParaRPr/>
-                    </a:p>
-                  </a:txBody>
-                  <a:tcPr marL="91425" marR="91425" marT="91425" marB="91425"/>
-                </a:tc>
-                <a:extLst>
-                  <a:ext uri="{0D108BD9-81ED-4DB2-BD59-A6C34878D82A}">
-                    <a16:rowId xmlns:a16="http://schemas.microsoft.com/office/drawing/2014/main" val="10000"/>
-                  </a:ext>
-                </a:extLst>
-              </a:tr>
-              <a:tr h="396200">
-                <a:tc>
-                  <a:txBody>
-                    <a:bodyPr/>
-                    <a:lstStyle/>
-                    <a:p>
-                      <a:pPr marL="228600" lvl="0" indent="0" algn="l" rtl="0">
-                        <a:spcBef>
-                          <a:spcPts val="0"/>
-                        </a:spcBef>
-                        <a:spcAft>
-                          <a:spcPts val="0"/>
-                        </a:spcAft>
-                        <a:buNone/>
-                      </a:pPr>
-                      <a:r>
-                        <a:rPr lang="en"/>
-                        <a:t>SimpleNet</a:t>
-                      </a:r>
-                      <a:endParaRPr/>
-                    </a:p>
-                  </a:txBody>
-                  <a:tcPr marL="91425" marR="91425" marT="91425" marB="91425"/>
-                </a:tc>
-                <a:tc>
-                  <a:txBody>
-                    <a:bodyPr/>
-                    <a:lstStyle/>
-                    <a:p>
-                      <a:pPr marL="0" lvl="0" indent="0" algn="l" rtl="0">
-                        <a:spcBef>
-                          <a:spcPts val="0"/>
-                        </a:spcBef>
-                        <a:spcAft>
-                          <a:spcPts val="0"/>
-                        </a:spcAft>
-                        <a:buNone/>
-                      </a:pPr>
-                      <a:endParaRPr/>
-                    </a:p>
-                  </a:txBody>
-                  <a:tcPr marL="91425" marR="91425" marT="91425" marB="91425"/>
-                </a:tc>
-                <a:tc>
-                  <a:txBody>
-                    <a:bodyPr/>
-                    <a:lstStyle/>
-                    <a:p>
-                      <a:pPr marL="0" lvl="0" indent="0" algn="l" rtl="0">
-                        <a:spcBef>
-                          <a:spcPts val="0"/>
-                        </a:spcBef>
-                        <a:spcAft>
-                          <a:spcPts val="0"/>
-                        </a:spcAft>
-                        <a:buNone/>
-                      </a:pPr>
-                      <a:endParaRPr/>
-                    </a:p>
-                  </a:txBody>
-                  <a:tcPr marL="91425" marR="91425" marT="91425" marB="91425"/>
-                </a:tc>
-                <a:extLst>
-                  <a:ext uri="{0D108BD9-81ED-4DB2-BD59-A6C34878D82A}">
-                    <a16:rowId xmlns:a16="http://schemas.microsoft.com/office/drawing/2014/main" val="10001"/>
-                  </a:ext>
-                </a:extLst>
-              </a:tr>
-              <a:tr h="396200">
-                <a:tc>
-                  <a:txBody>
-                    <a:bodyPr/>
-                    <a:lstStyle/>
-                    <a:p>
-                      <a:pPr marL="457200" lvl="0" indent="-317500" algn="l" rtl="0">
-                        <a:spcBef>
-                          <a:spcPts val="0"/>
-                        </a:spcBef>
-                        <a:spcAft>
-                          <a:spcPts val="0"/>
-                        </a:spcAft>
-                        <a:buSzPts val="1400"/>
-                        <a:buChar char="+"/>
-                      </a:pPr>
-                      <a:r>
-                        <a:rPr lang="en"/>
-                        <a:t>Jittering</a:t>
-                      </a:r>
-                      <a:endParaRPr/>
-                    </a:p>
-                  </a:txBody>
-                  <a:tcPr marL="91425" marR="91425" marT="91425" marB="91425"/>
-                </a:tc>
-                <a:tc>
-                  <a:txBody>
-                    <a:bodyPr/>
-                    <a:lstStyle/>
-                    <a:p>
-                      <a:pPr marL="0" lvl="0" indent="0" algn="l" rtl="0">
-                        <a:spcBef>
-                          <a:spcPts val="0"/>
-                        </a:spcBef>
-                        <a:spcAft>
-                          <a:spcPts val="0"/>
-                        </a:spcAft>
-                        <a:buNone/>
-                      </a:pPr>
-                      <a:endParaRPr/>
-                    </a:p>
-                  </a:txBody>
-                  <a:tcPr marL="91425" marR="91425" marT="91425" marB="91425"/>
-                </a:tc>
-                <a:tc>
-                  <a:txBody>
-                    <a:bodyPr/>
-                    <a:lstStyle/>
-                    <a:p>
-                      <a:pPr marL="0" lvl="0" indent="0" algn="l" rtl="0">
-                        <a:spcBef>
-                          <a:spcPts val="0"/>
-                        </a:spcBef>
-                        <a:spcAft>
-                          <a:spcPts val="0"/>
-                        </a:spcAft>
-                        <a:buNone/>
-                      </a:pPr>
-                      <a:endParaRPr/>
-                    </a:p>
-                  </a:txBody>
-                  <a:tcPr marL="91425" marR="91425" marT="91425" marB="91425"/>
-                </a:tc>
-                <a:extLst>
-                  <a:ext uri="{0D108BD9-81ED-4DB2-BD59-A6C34878D82A}">
-                    <a16:rowId xmlns:a16="http://schemas.microsoft.com/office/drawing/2014/main" val="10002"/>
-                  </a:ext>
-                </a:extLst>
-              </a:tr>
-              <a:tr h="609575">
-                <a:tc>
-                  <a:txBody>
-                    <a:bodyPr/>
-                    <a:lstStyle/>
-                    <a:p>
-                      <a:pPr marL="457200" lvl="0" indent="-317500" algn="l" rtl="0">
-                        <a:spcBef>
-                          <a:spcPts val="0"/>
-                        </a:spcBef>
-                        <a:spcAft>
-                          <a:spcPts val="0"/>
-                        </a:spcAft>
-                        <a:buSzPts val="1400"/>
-                        <a:buChar char="+"/>
-                      </a:pPr>
-                      <a:r>
-                        <a:rPr lang="en"/>
-                        <a:t>Zero-centering &amp; variance-normalization</a:t>
-                      </a:r>
-                      <a:endParaRPr/>
-                    </a:p>
-                  </a:txBody>
-                  <a:tcPr marL="91425" marR="91425" marT="91425" marB="91425"/>
-                </a:tc>
-                <a:tc>
-                  <a:txBody>
-                    <a:bodyPr/>
-                    <a:lstStyle/>
-                    <a:p>
-                      <a:pPr marL="0" lvl="0" indent="0" algn="l" rtl="0">
-                        <a:spcBef>
-                          <a:spcPts val="0"/>
-                        </a:spcBef>
-                        <a:spcAft>
-                          <a:spcPts val="0"/>
-                        </a:spcAft>
-                        <a:buNone/>
-                      </a:pPr>
-                      <a:endParaRPr/>
-                    </a:p>
-                  </a:txBody>
-                  <a:tcPr marL="91425" marR="91425" marT="91425" marB="91425"/>
-                </a:tc>
-                <a:tc>
-                  <a:txBody>
-                    <a:bodyPr/>
-                    <a:lstStyle/>
-                    <a:p>
-                      <a:pPr marL="0" lvl="0" indent="0" algn="l" rtl="0">
-                        <a:spcBef>
-                          <a:spcPts val="0"/>
-                        </a:spcBef>
-                        <a:spcAft>
-                          <a:spcPts val="0"/>
-                        </a:spcAft>
-                        <a:buNone/>
-                      </a:pPr>
-                      <a:endParaRPr/>
-                    </a:p>
-                  </a:txBody>
-                  <a:tcPr marL="91425" marR="91425" marT="91425" marB="91425"/>
-                </a:tc>
-                <a:extLst>
-                  <a:ext uri="{0D108BD9-81ED-4DB2-BD59-A6C34878D82A}">
-                    <a16:rowId xmlns:a16="http://schemas.microsoft.com/office/drawing/2014/main" val="10003"/>
-                  </a:ext>
-                </a:extLst>
-              </a:tr>
-              <a:tr h="396200">
-                <a:tc>
-                  <a:txBody>
-                    <a:bodyPr/>
-                    <a:lstStyle/>
-                    <a:p>
-                      <a:pPr marL="457200" lvl="0" indent="-317500" algn="l" rtl="0">
-                        <a:spcBef>
-                          <a:spcPts val="0"/>
-                        </a:spcBef>
-                        <a:spcAft>
-                          <a:spcPts val="0"/>
-                        </a:spcAft>
-                        <a:buSzPts val="1400"/>
-                        <a:buChar char="+"/>
-                      </a:pPr>
-                      <a:r>
-                        <a:rPr lang="en"/>
-                        <a:t>Dropout regularization</a:t>
-                      </a:r>
-                      <a:endParaRPr/>
-                    </a:p>
-                  </a:txBody>
-                  <a:tcPr marL="91425" marR="91425" marT="91425" marB="91425"/>
-                </a:tc>
-                <a:tc>
-                  <a:txBody>
-                    <a:bodyPr/>
-                    <a:lstStyle/>
-                    <a:p>
-                      <a:pPr marL="0" lvl="0" indent="0" algn="l" rtl="0">
-                        <a:spcBef>
-                          <a:spcPts val="0"/>
-                        </a:spcBef>
-                        <a:spcAft>
-                          <a:spcPts val="0"/>
-                        </a:spcAft>
-                        <a:buNone/>
-                      </a:pPr>
-                      <a:endParaRPr/>
-                    </a:p>
-                  </a:txBody>
-                  <a:tcPr marL="91425" marR="91425" marT="91425" marB="91425"/>
-                </a:tc>
-                <a:tc>
-                  <a:txBody>
-                    <a:bodyPr/>
-                    <a:lstStyle/>
-                    <a:p>
-                      <a:pPr marL="0" lvl="0" indent="0" algn="l" rtl="0">
-                        <a:spcBef>
-                          <a:spcPts val="0"/>
-                        </a:spcBef>
-                        <a:spcAft>
-                          <a:spcPts val="0"/>
-                        </a:spcAft>
-                        <a:buNone/>
-                      </a:pPr>
-                      <a:endParaRPr/>
-                    </a:p>
-                  </a:txBody>
-                  <a:tcPr marL="91425" marR="91425" marT="91425" marB="91425"/>
-                </a:tc>
-                <a:extLst>
-                  <a:ext uri="{0D108BD9-81ED-4DB2-BD59-A6C34878D82A}">
-                    <a16:rowId xmlns:a16="http://schemas.microsoft.com/office/drawing/2014/main" val="10004"/>
-                  </a:ext>
-                </a:extLst>
-              </a:tr>
-              <a:tr h="381000">
-                <a:tc>
-                  <a:txBody>
-                    <a:bodyPr/>
-                    <a:lstStyle/>
-                    <a:p>
-                      <a:pPr marL="457200" lvl="0" indent="-317500" algn="l" rtl="0">
-                        <a:spcBef>
-                          <a:spcPts val="0"/>
-                        </a:spcBef>
-                        <a:spcAft>
-                          <a:spcPts val="0"/>
-                        </a:spcAft>
-                        <a:buSzPts val="1400"/>
-                        <a:buChar char="+"/>
-                      </a:pPr>
-                      <a:r>
-                        <a:rPr lang="en"/>
-                        <a:t>Making network "deep"</a:t>
-                      </a:r>
-                      <a:endParaRPr/>
-                    </a:p>
-                  </a:txBody>
-                  <a:tcPr marL="91425" marR="91425" marT="91425" marB="91425"/>
-                </a:tc>
-                <a:tc>
-                  <a:txBody>
-                    <a:bodyPr/>
-                    <a:lstStyle/>
-                    <a:p>
-                      <a:pPr marL="0" lvl="0" indent="0" algn="l" rtl="0">
-                        <a:spcBef>
-                          <a:spcPts val="0"/>
-                        </a:spcBef>
-                        <a:spcAft>
-                          <a:spcPts val="0"/>
-                        </a:spcAft>
-                        <a:buNone/>
-                      </a:pPr>
-                      <a:endParaRPr/>
-                    </a:p>
-                  </a:txBody>
-                  <a:tcPr marL="91425" marR="91425" marT="91425" marB="91425"/>
-                </a:tc>
-                <a:tc>
-                  <a:txBody>
-                    <a:bodyPr/>
-                    <a:lstStyle/>
-                    <a:p>
-                      <a:pPr marL="0" lvl="0" indent="0" algn="l" rtl="0">
-                        <a:spcBef>
-                          <a:spcPts val="0"/>
-                        </a:spcBef>
-                        <a:spcAft>
-                          <a:spcPts val="0"/>
-                        </a:spcAft>
-                        <a:buNone/>
-                      </a:pPr>
-                      <a:endParaRPr/>
-                    </a:p>
-                  </a:txBody>
-                  <a:tcPr marL="91425" marR="91425" marT="91425" marB="91425"/>
-                </a:tc>
-                <a:extLst>
-                  <a:ext uri="{0D108BD9-81ED-4DB2-BD59-A6C34878D82A}">
-                    <a16:rowId xmlns:a16="http://schemas.microsoft.com/office/drawing/2014/main" val="10005"/>
-                  </a:ext>
-                </a:extLst>
-              </a:tr>
-              <a:tr h="381000">
-                <a:tc>
-                  <a:txBody>
-                    <a:bodyPr/>
-                    <a:lstStyle/>
-                    <a:p>
-                      <a:pPr marL="457200" lvl="0" indent="-317500" algn="l" rtl="0">
-                        <a:spcBef>
-                          <a:spcPts val="0"/>
-                        </a:spcBef>
-                        <a:spcAft>
-                          <a:spcPts val="0"/>
-                        </a:spcAft>
-                        <a:buSzPts val="1400"/>
-                        <a:buChar char="+"/>
-                      </a:pPr>
-                      <a:r>
-                        <a:rPr lang="en"/>
-                        <a:t>Batch normalization</a:t>
-                      </a:r>
-                      <a:endParaRPr/>
-                    </a:p>
-                  </a:txBody>
-                  <a:tcPr marL="91425" marR="91425" marT="91425" marB="91425"/>
-                </a:tc>
-                <a:tc>
-                  <a:txBody>
-                    <a:bodyPr/>
-                    <a:lstStyle/>
-                    <a:p>
-                      <a:pPr marL="0" lvl="0" indent="0" algn="l" rtl="0">
-                        <a:spcBef>
-                          <a:spcPts val="0"/>
-                        </a:spcBef>
-                        <a:spcAft>
-                          <a:spcPts val="0"/>
-                        </a:spcAft>
-                        <a:buNone/>
-                      </a:pPr>
-                      <a:endParaRPr/>
-                    </a:p>
-                  </a:txBody>
-                  <a:tcPr marL="91425" marR="91425" marT="91425" marB="91425"/>
-                </a:tc>
-                <a:tc>
-                  <a:txBody>
-                    <a:bodyPr/>
-                    <a:lstStyle/>
-                    <a:p>
-                      <a:pPr marL="0" lvl="0" indent="0" algn="l" rtl="0">
-                        <a:spcBef>
-                          <a:spcPts val="0"/>
-                        </a:spcBef>
-                        <a:spcAft>
-                          <a:spcPts val="0"/>
-                        </a:spcAft>
-                        <a:buNone/>
-                      </a:pPr>
-                      <a:endParaRPr/>
-                    </a:p>
-                  </a:txBody>
-                  <a:tcPr marL="91425" marR="91425" marT="91425" marB="91425"/>
-                </a:tc>
-                <a:extLst>
-                  <a:ext uri="{0D108BD9-81ED-4DB2-BD59-A6C34878D82A}">
-                    <a16:rowId xmlns:a16="http://schemas.microsoft.com/office/drawing/2014/main" val="10006"/>
-                  </a:ext>
-                </a:extLst>
-              </a:tr>
-            </a:tbl>
-          </a:graphicData>
-        </a:graphic>
-      </p:graphicFrame>
+      <mc:AlternateContent xmlns:mc="http://schemas.openxmlformats.org/markup-compatibility/2006">
+        <mc:Choice xmlns:a14="http://schemas.microsoft.com/office/drawing/2010/main" Requires="a14">
+          <p:graphicFrame>
+            <p:nvGraphicFramePr>
+              <p:cNvPr id="69" name="Google Shape;69;p15"/>
+              <p:cNvGraphicFramePr/>
+              <p:nvPr>
+                <p:extLst>
+                  <p:ext uri="{D42A27DB-BD31-4B8C-83A1-F6EECF244321}">
+                    <p14:modId xmlns:p14="http://schemas.microsoft.com/office/powerpoint/2010/main" val="1709444507"/>
+                  </p:ext>
+                </p:extLst>
+              </p:nvPr>
+            </p:nvGraphicFramePr>
+            <p:xfrm>
+              <a:off x="1239488" y="1693450"/>
+              <a:ext cx="6665025" cy="3200200"/>
+            </p:xfrm>
+            <a:graphic>
+              <a:graphicData uri="http://schemas.openxmlformats.org/drawingml/2006/table">
+                <a:tbl>
+                  <a:tblPr>
+                    <a:noFill/>
+                    <a:tableStyleId>{FCFDA917-BF1D-45A5-B592-F91ACCB8328D}</a:tableStyleId>
+                  </a:tblPr>
+                  <a:tblGrid>
+                    <a:gridCol w="3908325">
+                      <a:extLst>
+                        <a:ext uri="{9D8B030D-6E8A-4147-A177-3AD203B41FA5}">
+                          <a16:colId xmlns:a16="http://schemas.microsoft.com/office/drawing/2014/main" val="20000"/>
+                        </a:ext>
+                      </a:extLst>
+                    </a:gridCol>
+                    <a:gridCol w="1401150">
+                      <a:extLst>
+                        <a:ext uri="{9D8B030D-6E8A-4147-A177-3AD203B41FA5}">
+                          <a16:colId xmlns:a16="http://schemas.microsoft.com/office/drawing/2014/main" val="20001"/>
+                        </a:ext>
+                      </a:extLst>
+                    </a:gridCol>
+                    <a:gridCol w="1355550">
+                      <a:extLst>
+                        <a:ext uri="{9D8B030D-6E8A-4147-A177-3AD203B41FA5}">
+                          <a16:colId xmlns:a16="http://schemas.microsoft.com/office/drawing/2014/main" val="20002"/>
+                        </a:ext>
+                      </a:extLst>
+                    </a:gridCol>
+                  </a:tblGrid>
+                  <a:tr h="609575">
+                    <a:tc>
+                      <a:txBody>
+                        <a:bodyPr/>
+                        <a:lstStyle/>
+                        <a:p>
+                          <a:pPr marL="0" lvl="0" indent="0" algn="l" rtl="0">
+                            <a:spcBef>
+                              <a:spcPts val="0"/>
+                            </a:spcBef>
+                            <a:spcAft>
+                              <a:spcPts val="0"/>
+                            </a:spcAft>
+                            <a:buNone/>
+                          </a:pPr>
+                          <a:endParaRPr/>
+                        </a:p>
+                      </a:txBody>
+                      <a:tcPr marL="91425" marR="91425" marT="91425" marB="91425"/>
+                    </a:tc>
+                    <a:tc>
+                      <a:txBody>
+                        <a:bodyPr/>
+                        <a:lstStyle/>
+                        <a:p>
+                          <a:pPr marL="0" lvl="0" indent="0" algn="l" rtl="0">
+                            <a:spcBef>
+                              <a:spcPts val="0"/>
+                            </a:spcBef>
+                            <a:spcAft>
+                              <a:spcPts val="0"/>
+                            </a:spcAft>
+                            <a:buNone/>
+                          </a:pPr>
+                          <a:r>
+                            <a:rPr lang="en"/>
+                            <a:t>Training accuracy</a:t>
+                          </a:r>
+                          <a:endParaRPr/>
+                        </a:p>
+                      </a:txBody>
+                      <a:tcPr marL="91425" marR="91425" marT="91425" marB="91425"/>
+                    </a:tc>
+                    <a:tc>
+                      <a:txBody>
+                        <a:bodyPr/>
+                        <a:lstStyle/>
+                        <a:p>
+                          <a:pPr marL="0" lvl="0" indent="0" algn="l" rtl="0">
+                            <a:spcBef>
+                              <a:spcPts val="0"/>
+                            </a:spcBef>
+                            <a:spcAft>
+                              <a:spcPts val="0"/>
+                            </a:spcAft>
+                            <a:buNone/>
+                          </a:pPr>
+                          <a:r>
+                            <a:rPr lang="en"/>
+                            <a:t>Validation accuracy</a:t>
+                          </a:r>
+                          <a:endParaRPr/>
+                        </a:p>
+                      </a:txBody>
+                      <a:tcPr marL="91425" marR="91425" marT="91425" marB="91425"/>
+                    </a:tc>
+                    <a:extLst>
+                      <a:ext uri="{0D108BD9-81ED-4DB2-BD59-A6C34878D82A}">
+                        <a16:rowId xmlns:a16="http://schemas.microsoft.com/office/drawing/2014/main" val="10000"/>
+                      </a:ext>
+                    </a:extLst>
+                  </a:tr>
+                  <a:tr h="396200">
+                    <a:tc>
+                      <a:txBody>
+                        <a:bodyPr/>
+                        <a:lstStyle/>
+                        <a:p>
+                          <a:pPr marL="228600" lvl="0" indent="0" algn="l" rtl="0">
+                            <a:spcBef>
+                              <a:spcPts val="0"/>
+                            </a:spcBef>
+                            <a:spcAft>
+                              <a:spcPts val="0"/>
+                            </a:spcAft>
+                            <a:buNone/>
+                          </a:pPr>
+                          <a:r>
+                            <a:rPr lang="en"/>
+                            <a:t>SimpleNet</a:t>
+                          </a:r>
+                          <a:endParaRPr/>
+                        </a:p>
+                      </a:txBody>
+                      <a:tcPr marL="91425" marR="91425" marT="91425" marB="91425"/>
+                    </a:tc>
+                    <a:tc>
+                      <a:txBody>
+                        <a:bodyPr/>
+                        <a:lstStyle/>
+                        <a:p>
+                          <a:pPr marL="0" lvl="0" indent="0" algn="ctr" rtl="0">
+                            <a:spcBef>
+                              <a:spcPts val="0"/>
+                            </a:spcBef>
+                            <a:spcAft>
+                              <a:spcPts val="0"/>
+                            </a:spcAft>
+                            <a:buNone/>
+                          </a:pPr>
+                          <a14:m>
+                            <m:oMathPara xmlns:m="http://schemas.openxmlformats.org/officeDocument/2006/math">
+                              <m:oMathParaPr>
+                                <m:jc m:val="centerGroup"/>
+                              </m:oMathParaPr>
+                              <m:oMath xmlns:m="http://schemas.openxmlformats.org/officeDocument/2006/math">
+                                <m:r>
+                                  <a:rPr lang="en" i="1" dirty="0" smtClean="0">
+                                    <a:latin typeface="Cambria Math" panose="02040503050406030204" pitchFamily="18" charset="0"/>
+                                    <a:ea typeface="Cambria" panose="02040503050406030204" pitchFamily="18" charset="0"/>
+                                  </a:rPr>
+                                  <m:t>7</m:t>
+                                </m:r>
+                                <m:r>
+                                  <a:rPr lang="en-US" b="0" i="1" dirty="0" smtClean="0">
+                                    <a:latin typeface="Cambria Math" panose="02040503050406030204" pitchFamily="18" charset="0"/>
+                                    <a:ea typeface="Cambria" panose="02040503050406030204" pitchFamily="18" charset="0"/>
+                                  </a:rPr>
+                                  <m:t>5.9</m:t>
+                                </m:r>
+                                <m:r>
+                                  <a:rPr lang="en" i="1" dirty="0" smtClean="0">
+                                    <a:latin typeface="Cambria Math" panose="02040503050406030204" pitchFamily="18" charset="0"/>
+                                    <a:ea typeface="Cambria" panose="02040503050406030204" pitchFamily="18" charset="0"/>
+                                  </a:rPr>
+                                  <m:t>%</m:t>
+                                </m:r>
+                              </m:oMath>
+                            </m:oMathPara>
+                          </a14:m>
+                          <a:endParaRPr dirty="0"/>
+                        </a:p>
+                      </a:txBody>
+                      <a:tcPr marL="91425" marR="91425" marT="91425" marB="91425"/>
+                    </a:tc>
+                    <a:tc>
+                      <a:txBody>
+                        <a:bodyPr/>
+                        <a:lstStyle/>
+                        <a:p>
+                          <a:pPr marL="0" lvl="0" indent="0" algn="ctr" rtl="0">
+                            <a:spcBef>
+                              <a:spcPts val="0"/>
+                            </a:spcBef>
+                            <a:spcAft>
+                              <a:spcPts val="0"/>
+                            </a:spcAft>
+                            <a:buNone/>
+                          </a:pPr>
+                          <a14:m>
+                            <m:oMathPara xmlns:m="http://schemas.openxmlformats.org/officeDocument/2006/math">
+                              <m:oMathParaPr>
+                                <m:jc m:val="centerGroup"/>
+                              </m:oMathParaPr>
+                              <m:oMath xmlns:m="http://schemas.openxmlformats.org/officeDocument/2006/math">
+                                <m:r>
+                                  <a:rPr lang="en" i="1" dirty="0" smtClean="0">
+                                    <a:latin typeface="Cambria Math" panose="02040503050406030204" pitchFamily="18" charset="0"/>
+                                    <a:ea typeface="Cambria" panose="02040503050406030204" pitchFamily="18" charset="0"/>
+                                  </a:rPr>
+                                  <m:t>5</m:t>
+                                </m:r>
+                                <m:r>
+                                  <a:rPr lang="en-US" b="0" i="1" dirty="0" smtClean="0">
+                                    <a:latin typeface="Cambria Math" panose="02040503050406030204" pitchFamily="18" charset="0"/>
+                                    <a:ea typeface="Cambria" panose="02040503050406030204" pitchFamily="18" charset="0"/>
+                                  </a:rPr>
+                                  <m:t>4</m:t>
+                                </m:r>
+                                <m:r>
+                                  <a:rPr lang="en" i="1" dirty="0" smtClean="0">
+                                    <a:latin typeface="Cambria Math" panose="02040503050406030204" pitchFamily="18" charset="0"/>
+                                    <a:ea typeface="Cambria" panose="02040503050406030204" pitchFamily="18" charset="0"/>
+                                  </a:rPr>
+                                  <m:t>.8%</m:t>
+                                </m:r>
+                              </m:oMath>
+                            </m:oMathPara>
+                          </a14:m>
+                          <a:endParaRPr dirty="0"/>
+                        </a:p>
+                      </a:txBody>
+                      <a:tcPr marL="91425" marR="91425" marT="91425" marB="91425"/>
+                    </a:tc>
+                    <a:extLst>
+                      <a:ext uri="{0D108BD9-81ED-4DB2-BD59-A6C34878D82A}">
+                        <a16:rowId xmlns:a16="http://schemas.microsoft.com/office/drawing/2014/main" val="10001"/>
+                      </a:ext>
+                    </a:extLst>
+                  </a:tr>
+                  <a:tr h="396200">
+                    <a:tc>
+                      <a:txBody>
+                        <a:bodyPr/>
+                        <a:lstStyle/>
+                        <a:p>
+                          <a:pPr marL="457200" lvl="0" indent="-317500" algn="l" rtl="0">
+                            <a:spcBef>
+                              <a:spcPts val="0"/>
+                            </a:spcBef>
+                            <a:spcAft>
+                              <a:spcPts val="0"/>
+                            </a:spcAft>
+                            <a:buSzPts val="1400"/>
+                            <a:buChar char="+"/>
+                          </a:pPr>
+                          <a:r>
+                            <a:rPr lang="en" dirty="0"/>
+                            <a:t>Jittering</a:t>
+                          </a:r>
+                          <a:endParaRPr dirty="0"/>
+                        </a:p>
+                      </a:txBody>
+                      <a:tcPr marL="91425" marR="91425" marT="91425" marB="91425"/>
+                    </a:tc>
+                    <a:tc>
+                      <a:txBody>
+                        <a:bodyPr/>
+                        <a:lstStyle/>
+                        <a:p>
+                          <a:pPr marL="0" lvl="0" indent="0" algn="ctr" rtl="0">
+                            <a:spcBef>
+                              <a:spcPts val="0"/>
+                            </a:spcBef>
+                            <a:spcAft>
+                              <a:spcPts val="0"/>
+                            </a:spcAft>
+                            <a:buNone/>
+                          </a:pPr>
+                          <a14:m>
+                            <m:oMathPara xmlns:m="http://schemas.openxmlformats.org/officeDocument/2006/math">
+                              <m:oMathParaPr>
+                                <m:jc m:val="centerGroup"/>
+                              </m:oMathParaPr>
+                              <m:oMath xmlns:m="http://schemas.openxmlformats.org/officeDocument/2006/math">
+                                <m:r>
+                                  <a:rPr lang="en-US" b="0" i="1" smtClean="0">
+                                    <a:latin typeface="Cambria Math" panose="02040503050406030204" pitchFamily="18" charset="0"/>
+                                  </a:rPr>
+                                  <m:t>69.4%</m:t>
+                                </m:r>
+                              </m:oMath>
+                            </m:oMathPara>
+                          </a14:m>
+                          <a:endParaRPr dirty="0"/>
+                        </a:p>
+                      </a:txBody>
+                      <a:tcPr marL="91425" marR="91425" marT="91425" marB="91425"/>
+                    </a:tc>
+                    <a:tc>
+                      <a:txBody>
+                        <a:bodyPr/>
+                        <a:lstStyle/>
+                        <a:p>
+                          <a:pPr marL="0" lvl="0" indent="0" algn="ctr" rtl="0">
+                            <a:spcBef>
+                              <a:spcPts val="0"/>
+                            </a:spcBef>
+                            <a:spcAft>
+                              <a:spcPts val="0"/>
+                            </a:spcAft>
+                            <a:buNone/>
+                          </a:pPr>
+                          <a14:m>
+                            <m:oMathPara xmlns:m="http://schemas.openxmlformats.org/officeDocument/2006/math">
+                              <m:oMathParaPr>
+                                <m:jc m:val="centerGroup"/>
+                              </m:oMathParaPr>
+                              <m:oMath xmlns:m="http://schemas.openxmlformats.org/officeDocument/2006/math">
+                                <m:r>
+                                  <a:rPr lang="en-US" b="0" i="1" smtClean="0">
+                                    <a:latin typeface="Cambria Math" panose="02040503050406030204" pitchFamily="18" charset="0"/>
+                                  </a:rPr>
+                                  <m:t>52.8%</m:t>
+                                </m:r>
+                              </m:oMath>
+                            </m:oMathPara>
+                          </a14:m>
+                          <a:endParaRPr dirty="0"/>
+                        </a:p>
+                      </a:txBody>
+                      <a:tcPr marL="91425" marR="91425" marT="91425" marB="91425"/>
+                    </a:tc>
+                    <a:extLst>
+                      <a:ext uri="{0D108BD9-81ED-4DB2-BD59-A6C34878D82A}">
+                        <a16:rowId xmlns:a16="http://schemas.microsoft.com/office/drawing/2014/main" val="10002"/>
+                      </a:ext>
+                    </a:extLst>
+                  </a:tr>
+                  <a:tr h="609575">
+                    <a:tc>
+                      <a:txBody>
+                        <a:bodyPr/>
+                        <a:lstStyle/>
+                        <a:p>
+                          <a:pPr marL="457200" lvl="0" indent="-317500" algn="l" rtl="0">
+                            <a:spcBef>
+                              <a:spcPts val="0"/>
+                            </a:spcBef>
+                            <a:spcAft>
+                              <a:spcPts val="0"/>
+                            </a:spcAft>
+                            <a:buSzPts val="1400"/>
+                            <a:buChar char="+"/>
+                          </a:pPr>
+                          <a:r>
+                            <a:rPr lang="en"/>
+                            <a:t>Zero-centering &amp; variance-normalization</a:t>
+                          </a:r>
+                          <a:endParaRPr/>
+                        </a:p>
+                      </a:txBody>
+                      <a:tcPr marL="91425" marR="91425" marT="91425" marB="91425"/>
+                    </a:tc>
+                    <a:tc>
+                      <a:txBody>
+                        <a:bodyPr/>
+                        <a:lstStyle/>
+                        <a:p>
+                          <a:pPr marL="0" lvl="0" indent="0" algn="ctr" rtl="0">
+                            <a:spcBef>
+                              <a:spcPts val="0"/>
+                            </a:spcBef>
+                            <a:spcAft>
+                              <a:spcPts val="0"/>
+                            </a:spcAft>
+                            <a:buNone/>
+                          </a:pPr>
+                          <a14:m>
+                            <m:oMathPara xmlns:m="http://schemas.openxmlformats.org/officeDocument/2006/math">
+                              <m:oMathParaPr>
+                                <m:jc m:val="centerGroup"/>
+                              </m:oMathParaPr>
+                              <m:oMath xmlns:m="http://schemas.openxmlformats.org/officeDocument/2006/math">
+                                <m:r>
+                                  <a:rPr lang="en-US" b="0" i="1" smtClean="0">
+                                    <a:latin typeface="Cambria Math" panose="02040503050406030204" pitchFamily="18" charset="0"/>
+                                  </a:rPr>
+                                  <m:t>75.9%</m:t>
+                                </m:r>
+                              </m:oMath>
+                            </m:oMathPara>
+                          </a14:m>
+                          <a:endParaRPr dirty="0"/>
+                        </a:p>
+                      </a:txBody>
+                      <a:tcPr marL="91425" marR="91425" marT="91425" marB="91425"/>
+                    </a:tc>
+                    <a:tc>
+                      <a:txBody>
+                        <a:bodyPr/>
+                        <a:lstStyle/>
+                        <a:p>
+                          <a:pPr marL="0" lvl="0" indent="0" algn="ctr" rtl="0">
+                            <a:spcBef>
+                              <a:spcPts val="0"/>
+                            </a:spcBef>
+                            <a:spcAft>
+                              <a:spcPts val="0"/>
+                            </a:spcAft>
+                            <a:buNone/>
+                          </a:pPr>
+                          <a14:m>
+                            <m:oMathPara xmlns:m="http://schemas.openxmlformats.org/officeDocument/2006/math">
+                              <m:oMathParaPr>
+                                <m:jc m:val="centerGroup"/>
+                              </m:oMathParaPr>
+                              <m:oMath xmlns:m="http://schemas.openxmlformats.org/officeDocument/2006/math">
+                                <m:r>
+                                  <a:rPr lang="en-US" b="0" i="1" smtClean="0">
+                                    <a:latin typeface="Cambria Math" panose="02040503050406030204" pitchFamily="18" charset="0"/>
+                                  </a:rPr>
+                                  <m:t>59.1%</m:t>
+                                </m:r>
+                              </m:oMath>
+                            </m:oMathPara>
+                          </a14:m>
+                          <a:endParaRPr dirty="0"/>
+                        </a:p>
+                      </a:txBody>
+                      <a:tcPr marL="91425" marR="91425" marT="91425" marB="91425"/>
+                    </a:tc>
+                    <a:extLst>
+                      <a:ext uri="{0D108BD9-81ED-4DB2-BD59-A6C34878D82A}">
+                        <a16:rowId xmlns:a16="http://schemas.microsoft.com/office/drawing/2014/main" val="10003"/>
+                      </a:ext>
+                    </a:extLst>
+                  </a:tr>
+                  <a:tr h="396200">
+                    <a:tc>
+                      <a:txBody>
+                        <a:bodyPr/>
+                        <a:lstStyle/>
+                        <a:p>
+                          <a:pPr marL="457200" lvl="0" indent="-317500" algn="l" rtl="0">
+                            <a:spcBef>
+                              <a:spcPts val="0"/>
+                            </a:spcBef>
+                            <a:spcAft>
+                              <a:spcPts val="0"/>
+                            </a:spcAft>
+                            <a:buSzPts val="1400"/>
+                            <a:buChar char="+"/>
+                          </a:pPr>
+                          <a:r>
+                            <a:rPr lang="en"/>
+                            <a:t>Dropout regularization</a:t>
+                          </a:r>
+                          <a:endParaRPr/>
+                        </a:p>
+                      </a:txBody>
+                      <a:tcPr marL="91425" marR="91425" marT="91425" marB="91425"/>
+                    </a:tc>
+                    <a:tc>
+                      <a:txBody>
+                        <a:bodyPr/>
+                        <a:lstStyle/>
+                        <a:p>
+                          <a:pPr marL="0" lvl="0" indent="0" algn="ctr" rtl="0">
+                            <a:spcBef>
+                              <a:spcPts val="0"/>
+                            </a:spcBef>
+                            <a:spcAft>
+                              <a:spcPts val="0"/>
+                            </a:spcAft>
+                            <a:buNone/>
+                          </a:pPr>
+                          <a14:m>
+                            <m:oMathPara xmlns:m="http://schemas.openxmlformats.org/officeDocument/2006/math">
+                              <m:oMathParaPr>
+                                <m:jc m:val="centerGroup"/>
+                              </m:oMathParaPr>
+                              <m:oMath xmlns:m="http://schemas.openxmlformats.org/officeDocument/2006/math">
+                                <m:r>
+                                  <a:rPr lang="en-US" b="0" i="1" smtClean="0">
+                                    <a:latin typeface="Cambria Math" panose="02040503050406030204" pitchFamily="18" charset="0"/>
+                                  </a:rPr>
+                                  <m:t>77.1%</m:t>
+                                </m:r>
+                              </m:oMath>
+                            </m:oMathPara>
+                          </a14:m>
+                          <a:endParaRPr dirty="0"/>
+                        </a:p>
+                      </a:txBody>
+                      <a:tcPr marL="91425" marR="91425" marT="91425" marB="91425"/>
+                    </a:tc>
+                    <a:tc>
+                      <a:txBody>
+                        <a:bodyPr/>
+                        <a:lstStyle/>
+                        <a:p>
+                          <a:pPr marL="0" lvl="0" indent="0" algn="ctr" rtl="0">
+                            <a:spcBef>
+                              <a:spcPts val="0"/>
+                            </a:spcBef>
+                            <a:spcAft>
+                              <a:spcPts val="0"/>
+                            </a:spcAft>
+                            <a:buNone/>
+                          </a:pPr>
+                          <a14:m>
+                            <m:oMathPara xmlns:m="http://schemas.openxmlformats.org/officeDocument/2006/math">
+                              <m:oMathParaPr>
+                                <m:jc m:val="centerGroup"/>
+                              </m:oMathParaPr>
+                              <m:oMath xmlns:m="http://schemas.openxmlformats.org/officeDocument/2006/math">
+                                <m:r>
+                                  <a:rPr lang="en-US" b="0" i="1" smtClean="0">
+                                    <a:latin typeface="Cambria Math" panose="02040503050406030204" pitchFamily="18" charset="0"/>
+                                  </a:rPr>
+                                  <m:t>62.2%</m:t>
+                                </m:r>
+                              </m:oMath>
+                            </m:oMathPara>
+                          </a14:m>
+                          <a:endParaRPr dirty="0"/>
+                        </a:p>
+                      </a:txBody>
+                      <a:tcPr marL="91425" marR="91425" marT="91425" marB="91425"/>
+                    </a:tc>
+                    <a:extLst>
+                      <a:ext uri="{0D108BD9-81ED-4DB2-BD59-A6C34878D82A}">
+                        <a16:rowId xmlns:a16="http://schemas.microsoft.com/office/drawing/2014/main" val="10004"/>
+                      </a:ext>
+                    </a:extLst>
+                  </a:tr>
+                  <a:tr h="381000">
+                    <a:tc>
+                      <a:txBody>
+                        <a:bodyPr/>
+                        <a:lstStyle/>
+                        <a:p>
+                          <a:pPr marL="457200" lvl="0" indent="-317500" algn="l" rtl="0">
+                            <a:spcBef>
+                              <a:spcPts val="0"/>
+                            </a:spcBef>
+                            <a:spcAft>
+                              <a:spcPts val="0"/>
+                            </a:spcAft>
+                            <a:buSzPts val="1400"/>
+                            <a:buChar char="+"/>
+                          </a:pPr>
+                          <a:r>
+                            <a:rPr lang="en" dirty="0"/>
+                            <a:t>Making network "deep"</a:t>
+                          </a:r>
+                          <a:endParaRPr dirty="0"/>
+                        </a:p>
+                      </a:txBody>
+                      <a:tcPr marL="91425" marR="91425" marT="91425" marB="91425"/>
+                    </a:tc>
+                    <a:tc>
+                      <a:txBody>
+                        <a:bodyPr/>
+                        <a:lstStyle/>
+                        <a:p>
+                          <a:pPr marL="0" lvl="0" indent="0" algn="ctr" rtl="0">
+                            <a:spcBef>
+                              <a:spcPts val="0"/>
+                            </a:spcBef>
+                            <a:spcAft>
+                              <a:spcPts val="0"/>
+                            </a:spcAft>
+                            <a:buNone/>
+                          </a:pPr>
+                          <a14:m>
+                            <m:oMathPara xmlns:m="http://schemas.openxmlformats.org/officeDocument/2006/math">
+                              <m:oMathParaPr>
+                                <m:jc m:val="centerGroup"/>
+                              </m:oMathParaPr>
+                              <m:oMath xmlns:m="http://schemas.openxmlformats.org/officeDocument/2006/math">
+                                <m:r>
+                                  <a:rPr lang="en-US" b="0" i="1" smtClean="0">
+                                    <a:latin typeface="Cambria Math" panose="02040503050406030204" pitchFamily="18" charset="0"/>
+                                  </a:rPr>
+                                  <m:t>64.3%</m:t>
+                                </m:r>
+                              </m:oMath>
+                            </m:oMathPara>
+                          </a14:m>
+                          <a:endParaRPr dirty="0"/>
+                        </a:p>
+                      </a:txBody>
+                      <a:tcPr marL="91425" marR="91425" marT="91425" marB="91425"/>
+                    </a:tc>
+                    <a:tc>
+                      <a:txBody>
+                        <a:bodyPr/>
+                        <a:lstStyle/>
+                        <a:p>
+                          <a:pPr marL="0" lvl="0" indent="0" algn="ctr" rtl="0">
+                            <a:spcBef>
+                              <a:spcPts val="0"/>
+                            </a:spcBef>
+                            <a:spcAft>
+                              <a:spcPts val="0"/>
+                            </a:spcAft>
+                            <a:buNone/>
+                          </a:pPr>
+                          <a14:m>
+                            <m:oMathPara xmlns:m="http://schemas.openxmlformats.org/officeDocument/2006/math">
+                              <m:oMathParaPr>
+                                <m:jc m:val="centerGroup"/>
+                              </m:oMathParaPr>
+                              <m:oMath xmlns:m="http://schemas.openxmlformats.org/officeDocument/2006/math">
+                                <m:r>
+                                  <a:rPr lang="en-US" b="0" i="1" smtClean="0">
+                                    <a:latin typeface="Cambria Math" panose="02040503050406030204" pitchFamily="18" charset="0"/>
+                                  </a:rPr>
+                                  <m:t>58.3%</m:t>
+                                </m:r>
+                              </m:oMath>
+                            </m:oMathPara>
+                          </a14:m>
+                          <a:endParaRPr dirty="0"/>
+                        </a:p>
+                      </a:txBody>
+                      <a:tcPr marL="91425" marR="91425" marT="91425" marB="91425"/>
+                    </a:tc>
+                    <a:extLst>
+                      <a:ext uri="{0D108BD9-81ED-4DB2-BD59-A6C34878D82A}">
+                        <a16:rowId xmlns:a16="http://schemas.microsoft.com/office/drawing/2014/main" val="10005"/>
+                      </a:ext>
+                    </a:extLst>
+                  </a:tr>
+                  <a:tr h="381000">
+                    <a:tc>
+                      <a:txBody>
+                        <a:bodyPr/>
+                        <a:lstStyle/>
+                        <a:p>
+                          <a:pPr marL="457200" lvl="0" indent="-317500" algn="l" rtl="0">
+                            <a:spcBef>
+                              <a:spcPts val="0"/>
+                            </a:spcBef>
+                            <a:spcAft>
+                              <a:spcPts val="0"/>
+                            </a:spcAft>
+                            <a:buSzPts val="1400"/>
+                            <a:buChar char="+"/>
+                          </a:pPr>
+                          <a:r>
+                            <a:rPr lang="en"/>
+                            <a:t>Batch normalization</a:t>
+                          </a:r>
+                          <a:endParaRPr/>
+                        </a:p>
+                      </a:txBody>
+                      <a:tcPr marL="91425" marR="91425" marT="91425" marB="91425"/>
+                    </a:tc>
+                    <a:tc>
+                      <a:txBody>
+                        <a:bodyPr/>
+                        <a:lstStyle/>
+                        <a:p>
+                          <a:pPr marL="0" lvl="0" indent="0" algn="ctr" rtl="0">
+                            <a:spcBef>
+                              <a:spcPts val="0"/>
+                            </a:spcBef>
+                            <a:spcAft>
+                              <a:spcPts val="0"/>
+                            </a:spcAft>
+                            <a:buNone/>
+                          </a:pPr>
+                          <a14:m>
+                            <m:oMathPara xmlns:m="http://schemas.openxmlformats.org/officeDocument/2006/math">
+                              <m:oMathParaPr>
+                                <m:jc m:val="centerGroup"/>
+                              </m:oMathParaPr>
+                              <m:oMath xmlns:m="http://schemas.openxmlformats.org/officeDocument/2006/math">
+                                <m:r>
+                                  <a:rPr lang="en-US" b="0" i="1" smtClean="0">
+                                    <a:latin typeface="Cambria Math" panose="02040503050406030204" pitchFamily="18" charset="0"/>
+                                  </a:rPr>
+                                  <m:t>66.2%</m:t>
+                                </m:r>
+                              </m:oMath>
+                            </m:oMathPara>
+                          </a14:m>
+                          <a:endParaRPr dirty="0"/>
+                        </a:p>
+                      </a:txBody>
+                      <a:tcPr marL="91425" marR="91425" marT="91425" marB="91425"/>
+                    </a:tc>
+                    <a:tc>
+                      <a:txBody>
+                        <a:bodyPr/>
+                        <a:lstStyle/>
+                        <a:p>
+                          <a:pPr marL="0" lvl="0" indent="0" algn="ctr" rtl="0">
+                            <a:spcBef>
+                              <a:spcPts val="0"/>
+                            </a:spcBef>
+                            <a:spcAft>
+                              <a:spcPts val="0"/>
+                            </a:spcAft>
+                            <a:buNone/>
+                          </a:pPr>
+                          <a14:m>
+                            <m:oMathPara xmlns:m="http://schemas.openxmlformats.org/officeDocument/2006/math">
+                              <m:oMathParaPr>
+                                <m:jc m:val="centerGroup"/>
+                              </m:oMathParaPr>
+                              <m:oMath xmlns:m="http://schemas.openxmlformats.org/officeDocument/2006/math">
+                                <m:r>
+                                  <a:rPr lang="en-US" b="0" i="1" smtClean="0">
+                                    <a:latin typeface="Cambria Math" panose="02040503050406030204" pitchFamily="18" charset="0"/>
+                                  </a:rPr>
+                                  <m:t>56.0%</m:t>
+                                </m:r>
+                              </m:oMath>
+                            </m:oMathPara>
+                          </a14:m>
+                          <a:endParaRPr dirty="0"/>
+                        </a:p>
+                      </a:txBody>
+                      <a:tcPr marL="91425" marR="91425" marT="91425" marB="91425"/>
+                    </a:tc>
+                    <a:extLst>
+                      <a:ext uri="{0D108BD9-81ED-4DB2-BD59-A6C34878D82A}">
+                        <a16:rowId xmlns:a16="http://schemas.microsoft.com/office/drawing/2014/main" val="10006"/>
+                      </a:ext>
+                    </a:extLst>
+                  </a:tr>
+                </a:tbl>
+              </a:graphicData>
+            </a:graphic>
+          </p:graphicFrame>
+        </mc:Choice>
+        <mc:Fallback>
+          <p:graphicFrame>
+            <p:nvGraphicFramePr>
+              <p:cNvPr id="69" name="Google Shape;69;p15"/>
+              <p:cNvGraphicFramePr/>
+              <p:nvPr>
+                <p:extLst>
+                  <p:ext uri="{D42A27DB-BD31-4B8C-83A1-F6EECF244321}">
+                    <p14:modId xmlns:p14="http://schemas.microsoft.com/office/powerpoint/2010/main" val="1709444507"/>
+                  </p:ext>
+                </p:extLst>
+              </p:nvPr>
+            </p:nvGraphicFramePr>
+            <p:xfrm>
+              <a:off x="1239488" y="1693450"/>
+              <a:ext cx="6665025" cy="3200200"/>
+            </p:xfrm>
+            <a:graphic>
+              <a:graphicData uri="http://schemas.openxmlformats.org/drawingml/2006/table">
+                <a:tbl>
+                  <a:tblPr>
+                    <a:noFill/>
+                    <a:tableStyleId>{FCFDA917-BF1D-45A5-B592-F91ACCB8328D}</a:tableStyleId>
+                  </a:tblPr>
+                  <a:tblGrid>
+                    <a:gridCol w="3908325">
+                      <a:extLst>
+                        <a:ext uri="{9D8B030D-6E8A-4147-A177-3AD203B41FA5}">
+                          <a16:colId xmlns:a16="http://schemas.microsoft.com/office/drawing/2014/main" val="20000"/>
+                        </a:ext>
+                      </a:extLst>
+                    </a:gridCol>
+                    <a:gridCol w="1401150">
+                      <a:extLst>
+                        <a:ext uri="{9D8B030D-6E8A-4147-A177-3AD203B41FA5}">
+                          <a16:colId xmlns:a16="http://schemas.microsoft.com/office/drawing/2014/main" val="20001"/>
+                        </a:ext>
+                      </a:extLst>
+                    </a:gridCol>
+                    <a:gridCol w="1355550">
+                      <a:extLst>
+                        <a:ext uri="{9D8B030D-6E8A-4147-A177-3AD203B41FA5}">
+                          <a16:colId xmlns:a16="http://schemas.microsoft.com/office/drawing/2014/main" val="20002"/>
+                        </a:ext>
+                      </a:extLst>
+                    </a:gridCol>
+                  </a:tblGrid>
+                  <a:tr h="609575">
+                    <a:tc>
+                      <a:txBody>
+                        <a:bodyPr/>
+                        <a:lstStyle/>
+                        <a:p>
+                          <a:pPr marL="0" lvl="0" indent="0" algn="l" rtl="0">
+                            <a:spcBef>
+                              <a:spcPts val="0"/>
+                            </a:spcBef>
+                            <a:spcAft>
+                              <a:spcPts val="0"/>
+                            </a:spcAft>
+                            <a:buNone/>
+                          </a:pPr>
+                          <a:endParaRPr/>
+                        </a:p>
+                      </a:txBody>
+                      <a:tcPr marL="91425" marR="91425" marT="91425" marB="91425"/>
+                    </a:tc>
+                    <a:tc>
+                      <a:txBody>
+                        <a:bodyPr/>
+                        <a:lstStyle/>
+                        <a:p>
+                          <a:pPr marL="0" lvl="0" indent="0" algn="l" rtl="0">
+                            <a:spcBef>
+                              <a:spcPts val="0"/>
+                            </a:spcBef>
+                            <a:spcAft>
+                              <a:spcPts val="0"/>
+                            </a:spcAft>
+                            <a:buNone/>
+                          </a:pPr>
+                          <a:r>
+                            <a:rPr lang="en"/>
+                            <a:t>Training accuracy</a:t>
+                          </a:r>
+                          <a:endParaRPr/>
+                        </a:p>
+                      </a:txBody>
+                      <a:tcPr marL="91425" marR="91425" marT="91425" marB="91425"/>
+                    </a:tc>
+                    <a:tc>
+                      <a:txBody>
+                        <a:bodyPr/>
+                        <a:lstStyle/>
+                        <a:p>
+                          <a:pPr marL="0" lvl="0" indent="0" algn="l" rtl="0">
+                            <a:spcBef>
+                              <a:spcPts val="0"/>
+                            </a:spcBef>
+                            <a:spcAft>
+                              <a:spcPts val="0"/>
+                            </a:spcAft>
+                            <a:buNone/>
+                          </a:pPr>
+                          <a:r>
+                            <a:rPr lang="en"/>
+                            <a:t>Validation accuracy</a:t>
+                          </a:r>
+                          <a:endParaRPr/>
+                        </a:p>
+                      </a:txBody>
+                      <a:tcPr marL="91425" marR="91425" marT="91425" marB="91425"/>
+                    </a:tc>
+                    <a:extLst>
+                      <a:ext uri="{0D108BD9-81ED-4DB2-BD59-A6C34878D82A}">
+                        <a16:rowId xmlns:a16="http://schemas.microsoft.com/office/drawing/2014/main" val="10000"/>
+                      </a:ext>
+                    </a:extLst>
+                  </a:tr>
+                  <a:tr h="396210">
+                    <a:tc>
+                      <a:txBody>
+                        <a:bodyPr/>
+                        <a:lstStyle/>
+                        <a:p>
+                          <a:pPr marL="228600" lvl="0" indent="0" algn="l" rtl="0">
+                            <a:spcBef>
+                              <a:spcPts val="0"/>
+                            </a:spcBef>
+                            <a:spcAft>
+                              <a:spcPts val="0"/>
+                            </a:spcAft>
+                            <a:buNone/>
+                          </a:pPr>
+                          <a:r>
+                            <a:rPr lang="en"/>
+                            <a:t>SimpleNet</a:t>
+                          </a:r>
+                          <a:endParaRPr/>
+                        </a:p>
+                      </a:txBody>
+                      <a:tcPr marL="91425" marR="91425" marT="91425" marB="91425"/>
+                    </a:tc>
+                    <a:tc>
+                      <a:txBody>
+                        <a:bodyPr/>
+                        <a:lstStyle/>
+                        <a:p>
+                          <a:endParaRPr lang="en-US"/>
+                        </a:p>
+                      </a:txBody>
+                      <a:tcPr marL="91425" marR="91425" marT="91425" marB="91425">
+                        <a:blipFill>
+                          <a:blip r:embed="rId3"/>
+                          <a:stretch>
+                            <a:fillRect l="-280786" t="-153846" r="-98253" b="-560000"/>
+                          </a:stretch>
+                        </a:blipFill>
+                      </a:tcPr>
+                    </a:tc>
+                    <a:tc>
+                      <a:txBody>
+                        <a:bodyPr/>
+                        <a:lstStyle/>
+                        <a:p>
+                          <a:endParaRPr lang="en-US"/>
+                        </a:p>
+                      </a:txBody>
+                      <a:tcPr marL="91425" marR="91425" marT="91425" marB="91425">
+                        <a:blipFill>
+                          <a:blip r:embed="rId3"/>
+                          <a:stretch>
+                            <a:fillRect l="-391031" t="-153846" r="-897" b="-560000"/>
+                          </a:stretch>
+                        </a:blipFill>
+                      </a:tcPr>
+                    </a:tc>
+                    <a:extLst>
+                      <a:ext uri="{0D108BD9-81ED-4DB2-BD59-A6C34878D82A}">
+                        <a16:rowId xmlns:a16="http://schemas.microsoft.com/office/drawing/2014/main" val="10001"/>
+                      </a:ext>
+                    </a:extLst>
+                  </a:tr>
+                  <a:tr h="396210">
+                    <a:tc>
+                      <a:txBody>
+                        <a:bodyPr/>
+                        <a:lstStyle/>
+                        <a:p>
+                          <a:pPr marL="457200" lvl="0" indent="-317500" algn="l" rtl="0">
+                            <a:spcBef>
+                              <a:spcPts val="0"/>
+                            </a:spcBef>
+                            <a:spcAft>
+                              <a:spcPts val="0"/>
+                            </a:spcAft>
+                            <a:buSzPts val="1400"/>
+                            <a:buChar char="+"/>
+                          </a:pPr>
+                          <a:r>
+                            <a:rPr lang="en" dirty="0"/>
+                            <a:t>Jittering</a:t>
+                          </a:r>
+                          <a:endParaRPr dirty="0"/>
+                        </a:p>
+                      </a:txBody>
+                      <a:tcPr marL="91425" marR="91425" marT="91425" marB="91425"/>
+                    </a:tc>
+                    <a:tc>
+                      <a:txBody>
+                        <a:bodyPr/>
+                        <a:lstStyle/>
+                        <a:p>
+                          <a:endParaRPr lang="en-US"/>
+                        </a:p>
+                      </a:txBody>
+                      <a:tcPr marL="91425" marR="91425" marT="91425" marB="91425">
+                        <a:blipFill>
+                          <a:blip r:embed="rId3"/>
+                          <a:stretch>
+                            <a:fillRect l="-280786" t="-253846" r="-98253" b="-460000"/>
+                          </a:stretch>
+                        </a:blipFill>
+                      </a:tcPr>
+                    </a:tc>
+                    <a:tc>
+                      <a:txBody>
+                        <a:bodyPr/>
+                        <a:lstStyle/>
+                        <a:p>
+                          <a:endParaRPr lang="en-US"/>
+                        </a:p>
+                      </a:txBody>
+                      <a:tcPr marL="91425" marR="91425" marT="91425" marB="91425">
+                        <a:blipFill>
+                          <a:blip r:embed="rId3"/>
+                          <a:stretch>
+                            <a:fillRect l="-391031" t="-253846" r="-897" b="-460000"/>
+                          </a:stretch>
+                        </a:blipFill>
+                      </a:tcPr>
+                    </a:tc>
+                    <a:extLst>
+                      <a:ext uri="{0D108BD9-81ED-4DB2-BD59-A6C34878D82A}">
+                        <a16:rowId xmlns:a16="http://schemas.microsoft.com/office/drawing/2014/main" val="10002"/>
+                      </a:ext>
+                    </a:extLst>
+                  </a:tr>
+                  <a:tr h="609575">
+                    <a:tc>
+                      <a:txBody>
+                        <a:bodyPr/>
+                        <a:lstStyle/>
+                        <a:p>
+                          <a:pPr marL="457200" lvl="0" indent="-317500" algn="l" rtl="0">
+                            <a:spcBef>
+                              <a:spcPts val="0"/>
+                            </a:spcBef>
+                            <a:spcAft>
+                              <a:spcPts val="0"/>
+                            </a:spcAft>
+                            <a:buSzPts val="1400"/>
+                            <a:buChar char="+"/>
+                          </a:pPr>
+                          <a:r>
+                            <a:rPr lang="en"/>
+                            <a:t>Zero-centering &amp; variance-normalization</a:t>
+                          </a:r>
+                          <a:endParaRPr/>
+                        </a:p>
+                      </a:txBody>
+                      <a:tcPr marL="91425" marR="91425" marT="91425" marB="91425"/>
+                    </a:tc>
+                    <a:tc>
+                      <a:txBody>
+                        <a:bodyPr/>
+                        <a:lstStyle/>
+                        <a:p>
+                          <a:endParaRPr lang="en-US"/>
+                        </a:p>
+                      </a:txBody>
+                      <a:tcPr marL="91425" marR="91425" marT="91425" marB="91425">
+                        <a:blipFill>
+                          <a:blip r:embed="rId3"/>
+                          <a:stretch>
+                            <a:fillRect l="-280786" t="-227723" r="-98253" b="-196040"/>
+                          </a:stretch>
+                        </a:blipFill>
+                      </a:tcPr>
+                    </a:tc>
+                    <a:tc>
+                      <a:txBody>
+                        <a:bodyPr/>
+                        <a:lstStyle/>
+                        <a:p>
+                          <a:endParaRPr lang="en-US"/>
+                        </a:p>
+                      </a:txBody>
+                      <a:tcPr marL="91425" marR="91425" marT="91425" marB="91425">
+                        <a:blipFill>
+                          <a:blip r:embed="rId3"/>
+                          <a:stretch>
+                            <a:fillRect l="-391031" t="-227723" r="-897" b="-196040"/>
+                          </a:stretch>
+                        </a:blipFill>
+                      </a:tcPr>
+                    </a:tc>
+                    <a:extLst>
+                      <a:ext uri="{0D108BD9-81ED-4DB2-BD59-A6C34878D82A}">
+                        <a16:rowId xmlns:a16="http://schemas.microsoft.com/office/drawing/2014/main" val="10003"/>
+                      </a:ext>
+                    </a:extLst>
+                  </a:tr>
+                  <a:tr h="396210">
+                    <a:tc>
+                      <a:txBody>
+                        <a:bodyPr/>
+                        <a:lstStyle/>
+                        <a:p>
+                          <a:pPr marL="457200" lvl="0" indent="-317500" algn="l" rtl="0">
+                            <a:spcBef>
+                              <a:spcPts val="0"/>
+                            </a:spcBef>
+                            <a:spcAft>
+                              <a:spcPts val="0"/>
+                            </a:spcAft>
+                            <a:buSzPts val="1400"/>
+                            <a:buChar char="+"/>
+                          </a:pPr>
+                          <a:r>
+                            <a:rPr lang="en"/>
+                            <a:t>Dropout regularization</a:t>
+                          </a:r>
+                          <a:endParaRPr/>
+                        </a:p>
+                      </a:txBody>
+                      <a:tcPr marL="91425" marR="91425" marT="91425" marB="91425"/>
+                    </a:tc>
+                    <a:tc>
+                      <a:txBody>
+                        <a:bodyPr/>
+                        <a:lstStyle/>
+                        <a:p>
+                          <a:endParaRPr lang="en-US"/>
+                        </a:p>
+                      </a:txBody>
+                      <a:tcPr marL="91425" marR="91425" marT="91425" marB="91425">
+                        <a:blipFill>
+                          <a:blip r:embed="rId3"/>
+                          <a:stretch>
+                            <a:fillRect l="-280786" t="-509231" r="-98253" b="-204615"/>
+                          </a:stretch>
+                        </a:blipFill>
+                      </a:tcPr>
+                    </a:tc>
+                    <a:tc>
+                      <a:txBody>
+                        <a:bodyPr/>
+                        <a:lstStyle/>
+                        <a:p>
+                          <a:endParaRPr lang="en-US"/>
+                        </a:p>
+                      </a:txBody>
+                      <a:tcPr marL="91425" marR="91425" marT="91425" marB="91425">
+                        <a:blipFill>
+                          <a:blip r:embed="rId3"/>
+                          <a:stretch>
+                            <a:fillRect l="-391031" t="-509231" r="-897" b="-204615"/>
+                          </a:stretch>
+                        </a:blipFill>
+                      </a:tcPr>
+                    </a:tc>
+                    <a:extLst>
+                      <a:ext uri="{0D108BD9-81ED-4DB2-BD59-A6C34878D82A}">
+                        <a16:rowId xmlns:a16="http://schemas.microsoft.com/office/drawing/2014/main" val="10004"/>
+                      </a:ext>
+                    </a:extLst>
+                  </a:tr>
+                  <a:tr h="396210">
+                    <a:tc>
+                      <a:txBody>
+                        <a:bodyPr/>
+                        <a:lstStyle/>
+                        <a:p>
+                          <a:pPr marL="457200" lvl="0" indent="-317500" algn="l" rtl="0">
+                            <a:spcBef>
+                              <a:spcPts val="0"/>
+                            </a:spcBef>
+                            <a:spcAft>
+                              <a:spcPts val="0"/>
+                            </a:spcAft>
+                            <a:buSzPts val="1400"/>
+                            <a:buChar char="+"/>
+                          </a:pPr>
+                          <a:r>
+                            <a:rPr lang="en" dirty="0"/>
+                            <a:t>Making network "deep"</a:t>
+                          </a:r>
+                          <a:endParaRPr dirty="0"/>
+                        </a:p>
+                      </a:txBody>
+                      <a:tcPr marL="91425" marR="91425" marT="91425" marB="91425"/>
+                    </a:tc>
+                    <a:tc>
+                      <a:txBody>
+                        <a:bodyPr/>
+                        <a:lstStyle/>
+                        <a:p>
+                          <a:endParaRPr lang="en-US"/>
+                        </a:p>
+                      </a:txBody>
+                      <a:tcPr marL="91425" marR="91425" marT="91425" marB="91425">
+                        <a:blipFill>
+                          <a:blip r:embed="rId3"/>
+                          <a:stretch>
+                            <a:fillRect l="-280786" t="-609231" r="-98253" b="-104615"/>
+                          </a:stretch>
+                        </a:blipFill>
+                      </a:tcPr>
+                    </a:tc>
+                    <a:tc>
+                      <a:txBody>
+                        <a:bodyPr/>
+                        <a:lstStyle/>
+                        <a:p>
+                          <a:endParaRPr lang="en-US"/>
+                        </a:p>
+                      </a:txBody>
+                      <a:tcPr marL="91425" marR="91425" marT="91425" marB="91425">
+                        <a:blipFill>
+                          <a:blip r:embed="rId3"/>
+                          <a:stretch>
+                            <a:fillRect l="-391031" t="-609231" r="-897" b="-104615"/>
+                          </a:stretch>
+                        </a:blipFill>
+                      </a:tcPr>
+                    </a:tc>
+                    <a:extLst>
+                      <a:ext uri="{0D108BD9-81ED-4DB2-BD59-A6C34878D82A}">
+                        <a16:rowId xmlns:a16="http://schemas.microsoft.com/office/drawing/2014/main" val="10005"/>
+                      </a:ext>
+                    </a:extLst>
+                  </a:tr>
+                  <a:tr h="396210">
+                    <a:tc>
+                      <a:txBody>
+                        <a:bodyPr/>
+                        <a:lstStyle/>
+                        <a:p>
+                          <a:pPr marL="457200" lvl="0" indent="-317500" algn="l" rtl="0">
+                            <a:spcBef>
+                              <a:spcPts val="0"/>
+                            </a:spcBef>
+                            <a:spcAft>
+                              <a:spcPts val="0"/>
+                            </a:spcAft>
+                            <a:buSzPts val="1400"/>
+                            <a:buChar char="+"/>
+                          </a:pPr>
+                          <a:r>
+                            <a:rPr lang="en"/>
+                            <a:t>Batch normalization</a:t>
+                          </a:r>
+                          <a:endParaRPr/>
+                        </a:p>
+                      </a:txBody>
+                      <a:tcPr marL="91425" marR="91425" marT="91425" marB="91425"/>
+                    </a:tc>
+                    <a:tc>
+                      <a:txBody>
+                        <a:bodyPr/>
+                        <a:lstStyle/>
+                        <a:p>
+                          <a:endParaRPr lang="en-US"/>
+                        </a:p>
+                      </a:txBody>
+                      <a:tcPr marL="91425" marR="91425" marT="91425" marB="91425">
+                        <a:blipFill>
+                          <a:blip r:embed="rId3"/>
+                          <a:stretch>
+                            <a:fillRect l="-280786" t="-709231" r="-98253" b="-4615"/>
+                          </a:stretch>
+                        </a:blipFill>
+                      </a:tcPr>
+                    </a:tc>
+                    <a:tc>
+                      <a:txBody>
+                        <a:bodyPr/>
+                        <a:lstStyle/>
+                        <a:p>
+                          <a:endParaRPr lang="en-US"/>
+                        </a:p>
+                      </a:txBody>
+                      <a:tcPr marL="91425" marR="91425" marT="91425" marB="91425">
+                        <a:blipFill>
+                          <a:blip r:embed="rId3"/>
+                          <a:stretch>
+                            <a:fillRect l="-391031" t="-709231" r="-897" b="-4615"/>
+                          </a:stretch>
+                        </a:blipFill>
+                      </a:tcPr>
+                    </a:tc>
+                    <a:extLst>
+                      <a:ext uri="{0D108BD9-81ED-4DB2-BD59-A6C34878D82A}">
+                        <a16:rowId xmlns:a16="http://schemas.microsoft.com/office/drawing/2014/main" val="10006"/>
+                      </a:ext>
+                    </a:extLst>
+                  </a:tr>
+                </a:tbl>
+              </a:graphicData>
+            </a:graphic>
+          </p:graphicFrame>
+        </mc:Fallback>
+      </mc:AlternateContent>
     </p:spTree>
   </p:cSld>
   <p:clrMapOvr>
@@ -12130,200 +14138,275 @@
           </a:p>
         </p:txBody>
       </p:sp>
-      <p:sp>
-        <p:nvSpPr>
-          <p:cNvPr id="75" name="Google Shape;75;p16"/>
-          <p:cNvSpPr txBox="1">
-            <a:spLocks noGrp="1"/>
-          </p:cNvSpPr>
-          <p:nvPr>
-            <p:ph type="body" idx="1"/>
-          </p:nvPr>
-        </p:nvSpPr>
-        <p:spPr>
-          <a:xfrm>
-            <a:off x="311700" y="1152475"/>
-            <a:ext cx="3999900" cy="3416400"/>
-          </a:xfrm>
-          <a:prstGeom prst="rect">
-            <a:avLst/>
-          </a:prstGeom>
-        </p:spPr>
-        <p:txBody>
-          <a:bodyPr spcFirstLastPara="1" wrap="square" lIns="91425" tIns="91425" rIns="91425" bIns="91425" anchor="t" anchorCtr="0">
-            <a:noAutofit/>
-          </a:bodyPr>
-          <a:lstStyle/>
-          <a:p>
-            <a:pPr marL="0" lvl="0" indent="0" algn="l" rtl="0">
-              <a:spcBef>
-                <a:spcPts val="0"/>
-              </a:spcBef>
-              <a:spcAft>
-                <a:spcPts val="0"/>
-              </a:spcAft>
-              <a:buNone/>
-            </a:pPr>
-            <a:r>
-              <a:rPr lang="en"/>
-              <a:t>[Insert loss plot for SimpleNetFinal here]</a:t>
-            </a:r>
-            <a:endParaRPr/>
-          </a:p>
-          <a:p>
-            <a:pPr marL="0" lvl="0" indent="0" algn="l" rtl="0">
-              <a:spcBef>
-                <a:spcPts val="0"/>
-              </a:spcBef>
-              <a:spcAft>
-                <a:spcPts val="0"/>
-              </a:spcAft>
-              <a:buNone/>
-            </a:pPr>
-            <a:endParaRPr/>
-          </a:p>
-          <a:p>
-            <a:pPr marL="0" lvl="0" indent="0" algn="l" rtl="0">
-              <a:spcBef>
-                <a:spcPts val="0"/>
-              </a:spcBef>
-              <a:spcAft>
-                <a:spcPts val="0"/>
-              </a:spcAft>
-              <a:buNone/>
-            </a:pPr>
-            <a:endParaRPr/>
-          </a:p>
-          <a:p>
-            <a:pPr marL="0" lvl="0" indent="0" algn="l" rtl="0">
-              <a:spcBef>
-                <a:spcPts val="0"/>
-              </a:spcBef>
-              <a:spcAft>
-                <a:spcPts val="0"/>
-              </a:spcAft>
-              <a:buNone/>
-            </a:pPr>
-            <a:endParaRPr/>
-          </a:p>
-          <a:p>
-            <a:pPr marL="0" lvl="0" indent="0" algn="l" rtl="0">
-              <a:spcBef>
-                <a:spcPts val="0"/>
-              </a:spcBef>
-              <a:spcAft>
-                <a:spcPts val="0"/>
-              </a:spcAft>
-              <a:buNone/>
-            </a:pPr>
-            <a:endParaRPr/>
-          </a:p>
-          <a:p>
-            <a:pPr marL="0" lvl="0" indent="0" algn="l" rtl="0">
-              <a:spcBef>
-                <a:spcPts val="0"/>
-              </a:spcBef>
-              <a:spcAft>
-                <a:spcPts val="0"/>
-              </a:spcAft>
-              <a:buNone/>
-            </a:pPr>
-            <a:endParaRPr/>
-          </a:p>
-          <a:p>
-            <a:pPr marL="0" lvl="0" indent="0" algn="l" rtl="0">
-              <a:spcBef>
-                <a:spcPts val="0"/>
-              </a:spcBef>
-              <a:spcAft>
-                <a:spcPts val="0"/>
-              </a:spcAft>
-              <a:buNone/>
-            </a:pPr>
-            <a:endParaRPr/>
-          </a:p>
-          <a:p>
-            <a:pPr marL="0" lvl="0" indent="0" algn="l" rtl="0">
-              <a:spcBef>
-                <a:spcPts val="0"/>
-              </a:spcBef>
-              <a:spcAft>
-                <a:spcPts val="0"/>
-              </a:spcAft>
-              <a:buNone/>
-            </a:pPr>
-            <a:endParaRPr/>
-          </a:p>
-          <a:p>
-            <a:pPr marL="0" lvl="0" indent="0" algn="l" rtl="0">
-              <a:spcBef>
-                <a:spcPts val="0"/>
-              </a:spcBef>
-              <a:spcAft>
-                <a:spcPts val="0"/>
-              </a:spcAft>
-              <a:buNone/>
-            </a:pPr>
-            <a:endParaRPr/>
-          </a:p>
-          <a:p>
-            <a:pPr marL="0" lvl="0" indent="0" algn="l" rtl="0">
-              <a:spcBef>
-                <a:spcPts val="0"/>
-              </a:spcBef>
-              <a:spcAft>
-                <a:spcPts val="0"/>
-              </a:spcAft>
-              <a:buNone/>
-            </a:pPr>
-            <a:endParaRPr/>
-          </a:p>
-          <a:p>
-            <a:pPr marL="0" lvl="0" indent="0" algn="l" rtl="0">
-              <a:spcBef>
-                <a:spcPts val="0"/>
-              </a:spcBef>
-              <a:spcAft>
-                <a:spcPts val="0"/>
-              </a:spcAft>
-              <a:buNone/>
-            </a:pPr>
-            <a:r>
-              <a:rPr lang="en"/>
-              <a:t>Final training accuracy:</a:t>
-            </a:r>
-            <a:endParaRPr/>
-          </a:p>
-          <a:p>
-            <a:pPr marL="0" lvl="0" indent="0" algn="l" rtl="0">
-              <a:spcBef>
-                <a:spcPts val="0"/>
-              </a:spcBef>
-              <a:spcAft>
-                <a:spcPts val="0"/>
-              </a:spcAft>
-              <a:buNone/>
-            </a:pPr>
-            <a:endParaRPr/>
-          </a:p>
-          <a:p>
-            <a:pPr marL="0" lvl="0" indent="0" algn="l" rtl="0">
-              <a:spcBef>
-                <a:spcPts val="0"/>
-              </a:spcBef>
-              <a:spcAft>
-                <a:spcPts val="0"/>
-              </a:spcAft>
-              <a:buNone/>
-            </a:pPr>
-            <a:r>
-              <a:rPr lang="en"/>
-              <a:t>Final validation accuracy:</a:t>
-            </a:r>
-            <a:endParaRPr/>
-          </a:p>
-        </p:txBody>
-      </p:sp>
+      <mc:AlternateContent xmlns:mc="http://schemas.openxmlformats.org/markup-compatibility/2006">
+        <mc:Choice xmlns:a14="http://schemas.microsoft.com/office/drawing/2010/main" Requires="a14">
+          <p:sp>
+            <p:nvSpPr>
+              <p:cNvPr id="75" name="Google Shape;75;p16"/>
+              <p:cNvSpPr txBox="1">
+                <a:spLocks noGrp="1"/>
+              </p:cNvSpPr>
+              <p:nvPr>
+                <p:ph type="body" idx="1"/>
+              </p:nvPr>
+            </p:nvSpPr>
+            <p:spPr>
+              <a:xfrm>
+                <a:off x="311700" y="1152475"/>
+                <a:ext cx="3999900" cy="3416400"/>
+              </a:xfrm>
+              <a:prstGeom prst="rect">
+                <a:avLst/>
+              </a:prstGeom>
+            </p:spPr>
+            <p:txBody>
+              <a:bodyPr spcFirstLastPara="1" wrap="square" lIns="91425" tIns="91425" rIns="91425" bIns="91425" anchor="t" anchorCtr="0">
+                <a:noAutofit/>
+              </a:bodyPr>
+              <a:lstStyle/>
+              <a:p>
+                <a:pPr marL="0" lvl="0" indent="0" algn="l" rtl="0">
+                  <a:spcBef>
+                    <a:spcPts val="0"/>
+                  </a:spcBef>
+                  <a:spcAft>
+                    <a:spcPts val="0"/>
+                  </a:spcAft>
+                  <a:buNone/>
+                </a:pPr>
+                <a:r>
+                  <a:rPr lang="en-US" dirty="0"/>
+                  <a:t>[Insert loss plot for SimpleNetFinal here]</a:t>
+                </a:r>
+              </a:p>
+              <a:p>
+                <a:pPr marL="0" lvl="0" indent="0" algn="l" rtl="0">
+                  <a:spcBef>
+                    <a:spcPts val="0"/>
+                  </a:spcBef>
+                  <a:spcAft>
+                    <a:spcPts val="0"/>
+                  </a:spcAft>
+                  <a:buNone/>
+                </a:pPr>
+                <a:endParaRPr lang="en-US" dirty="0"/>
+              </a:p>
+              <a:p>
+                <a:pPr marL="0" lvl="0" indent="0" algn="l" rtl="0">
+                  <a:spcBef>
+                    <a:spcPts val="0"/>
+                  </a:spcBef>
+                  <a:spcAft>
+                    <a:spcPts val="0"/>
+                  </a:spcAft>
+                  <a:buNone/>
+                </a:pPr>
+                <a:endParaRPr lang="en-US" dirty="0"/>
+              </a:p>
+              <a:p>
+                <a:pPr marL="0" lvl="0" indent="0" algn="l" rtl="0">
+                  <a:spcBef>
+                    <a:spcPts val="0"/>
+                  </a:spcBef>
+                  <a:spcAft>
+                    <a:spcPts val="0"/>
+                  </a:spcAft>
+                  <a:buNone/>
+                </a:pPr>
+                <a:endParaRPr lang="en-US" dirty="0"/>
+              </a:p>
+              <a:p>
+                <a:pPr marL="0" lvl="0" indent="0" algn="l" rtl="0">
+                  <a:spcBef>
+                    <a:spcPts val="0"/>
+                  </a:spcBef>
+                  <a:spcAft>
+                    <a:spcPts val="0"/>
+                  </a:spcAft>
+                  <a:buNone/>
+                </a:pPr>
+                <a:endParaRPr lang="en-US" dirty="0"/>
+              </a:p>
+              <a:p>
+                <a:pPr marL="0" lvl="0" indent="0" algn="l" rtl="0">
+                  <a:spcBef>
+                    <a:spcPts val="0"/>
+                  </a:spcBef>
+                  <a:spcAft>
+                    <a:spcPts val="0"/>
+                  </a:spcAft>
+                  <a:buNone/>
+                </a:pPr>
+                <a:endParaRPr lang="en-US" dirty="0"/>
+              </a:p>
+              <a:p>
+                <a:pPr marL="0" lvl="0" indent="0" algn="l" rtl="0">
+                  <a:spcBef>
+                    <a:spcPts val="0"/>
+                  </a:spcBef>
+                  <a:spcAft>
+                    <a:spcPts val="0"/>
+                  </a:spcAft>
+                  <a:buNone/>
+                </a:pPr>
+                <a:endParaRPr lang="en-US" dirty="0"/>
+              </a:p>
+              <a:p>
+                <a:pPr marL="0" lvl="0" indent="0" algn="l" rtl="0">
+                  <a:spcBef>
+                    <a:spcPts val="0"/>
+                  </a:spcBef>
+                  <a:spcAft>
+                    <a:spcPts val="0"/>
+                  </a:spcAft>
+                  <a:buNone/>
+                </a:pPr>
+                <a:endParaRPr lang="en-US" dirty="0"/>
+              </a:p>
+              <a:p>
+                <a:pPr marL="0" lvl="0" indent="0" algn="l" rtl="0">
+                  <a:spcBef>
+                    <a:spcPts val="0"/>
+                  </a:spcBef>
+                  <a:spcAft>
+                    <a:spcPts val="0"/>
+                  </a:spcAft>
+                  <a:buNone/>
+                </a:pPr>
+                <a:endParaRPr lang="en-US" dirty="0"/>
+              </a:p>
+              <a:p>
+                <a:pPr marL="0" lvl="0" indent="0" algn="l" rtl="0">
+                  <a:spcBef>
+                    <a:spcPts val="0"/>
+                  </a:spcBef>
+                  <a:spcAft>
+                    <a:spcPts val="0"/>
+                  </a:spcAft>
+                  <a:buNone/>
+                </a:pPr>
+                <a:endParaRPr lang="en-US" dirty="0"/>
+              </a:p>
+              <a:p>
+                <a:pPr marL="0" lvl="0" indent="0" algn="l" rtl="0">
+                  <a:spcBef>
+                    <a:spcPts val="0"/>
+                  </a:spcBef>
+                  <a:spcAft>
+                    <a:spcPts val="0"/>
+                  </a:spcAft>
+                  <a:buNone/>
+                </a:pPr>
+                <a:r>
+                  <a:rPr lang="en-US" dirty="0"/>
+                  <a:t>Final training accuracy: </a:t>
+                </a:r>
+                <a14:m>
+                  <m:oMath xmlns:m="http://schemas.openxmlformats.org/officeDocument/2006/math">
+                    <m:r>
+                      <a:rPr lang="en-US" i="1" dirty="0" smtClean="0">
+                        <a:latin typeface="Cambria Math" panose="02040503050406030204" pitchFamily="18" charset="0"/>
+                      </a:rPr>
+                      <m:t>6</m:t>
+                    </m:r>
+                    <m:r>
+                      <a:rPr lang="en-US" b="0" i="1" dirty="0" smtClean="0">
+                        <a:latin typeface="Cambria Math" panose="02040503050406030204" pitchFamily="18" charset="0"/>
+                      </a:rPr>
+                      <m:t>6</m:t>
+                    </m:r>
+                    <m:r>
+                      <a:rPr lang="en-US" i="1" dirty="0" smtClean="0">
+                        <a:latin typeface="Cambria Math" panose="02040503050406030204" pitchFamily="18" charset="0"/>
+                      </a:rPr>
+                      <m:t>.</m:t>
+                    </m:r>
+                    <m:r>
+                      <a:rPr lang="en-US" b="0" i="1" dirty="0" smtClean="0">
+                        <a:latin typeface="Cambria Math" panose="02040503050406030204" pitchFamily="18" charset="0"/>
+                      </a:rPr>
+                      <m:t>2</m:t>
+                    </m:r>
+                    <m:r>
+                      <a:rPr lang="en-US" i="1" dirty="0" smtClean="0">
+                        <a:latin typeface="Cambria Math" panose="02040503050406030204" pitchFamily="18" charset="0"/>
+                      </a:rPr>
+                      <m:t>%</m:t>
+                    </m:r>
+                  </m:oMath>
+                </a14:m>
+                <a:endParaRPr lang="en-US" dirty="0"/>
+              </a:p>
+              <a:p>
+                <a:pPr marL="0" lvl="0" indent="0" algn="l" rtl="0">
+                  <a:spcBef>
+                    <a:spcPts val="0"/>
+                  </a:spcBef>
+                  <a:spcAft>
+                    <a:spcPts val="0"/>
+                  </a:spcAft>
+                  <a:buNone/>
+                </a:pPr>
+                <a:r>
+                  <a:rPr lang="en-US" dirty="0"/>
+                  <a:t>Final validation accuracy: </a:t>
+                </a:r>
+                <a14:m>
+                  <m:oMath xmlns:m="http://schemas.openxmlformats.org/officeDocument/2006/math">
+                    <m:r>
+                      <a:rPr lang="en-US" b="0" i="1" smtClean="0">
+                        <a:latin typeface="Cambria Math" panose="02040503050406030204" pitchFamily="18" charset="0"/>
+                      </a:rPr>
+                      <m:t>56.0%</m:t>
+                    </m:r>
+                  </m:oMath>
+                </a14:m>
+                <a:endParaRPr dirty="0"/>
+              </a:p>
+            </p:txBody>
+          </p:sp>
+        </mc:Choice>
+        <mc:Fallback>
+          <p:sp>
+            <p:nvSpPr>
+              <p:cNvPr id="75" name="Google Shape;75;p16"/>
+              <p:cNvSpPr txBox="1">
+                <a:spLocks noGrp="1" noRot="1" noChangeAspect="1" noMove="1" noResize="1" noEditPoints="1" noAdjustHandles="1" noChangeArrowheads="1" noChangeShapeType="1" noTextEdit="1"/>
+              </p:cNvSpPr>
+              <p:nvPr>
+                <p:ph type="body" idx="1"/>
+              </p:nvPr>
+            </p:nvSpPr>
+            <p:spPr>
+              <a:xfrm>
+                <a:off x="311700" y="1152475"/>
+                <a:ext cx="3999900" cy="3416400"/>
+              </a:xfrm>
+              <a:prstGeom prst="rect">
+                <a:avLst/>
+              </a:prstGeom>
+              <a:blipFill>
+                <a:blip r:embed="rId3"/>
+                <a:stretch>
+                  <a:fillRect l="-457"/>
+                </a:stretch>
+              </a:blipFill>
+            </p:spPr>
+            <p:txBody>
+              <a:bodyPr/>
+              <a:lstStyle/>
+              <a:p>
+                <a:r>
+                  <a:rPr lang="en-US">
+                    <a:noFill/>
+                  </a:rPr>
+                  <a:t> </a:t>
+                </a:r>
+              </a:p>
+            </p:txBody>
+          </p:sp>
+        </mc:Fallback>
+      </mc:AlternateContent>
       <p:sp>
         <p:nvSpPr>
           <p:cNvPr id="76" name="Google Shape;76;p16"/>
@@ -12366,6 +14449,66 @@
           </a:p>
         </p:txBody>
       </p:sp>
+      <p:pic>
+        <p:nvPicPr>
+          <p:cNvPr id="4" name="Picture 3">
+            <a:extLst>
+              <a:ext uri="{FF2B5EF4-FFF2-40B4-BE49-F238E27FC236}">
+                <a16:creationId xmlns:a16="http://schemas.microsoft.com/office/drawing/2014/main" id="{0168A3C1-98A1-B89D-F6D3-28671E9A70F8}"/>
+              </a:ext>
+            </a:extLst>
+          </p:cNvPr>
+          <p:cNvPicPr>
+            <a:picLocks noChangeAspect="1"/>
+          </p:cNvPicPr>
+          <p:nvPr/>
+        </p:nvPicPr>
+        <p:blipFill>
+          <a:blip r:embed="rId4"/>
+          <a:stretch>
+            <a:fillRect/>
+          </a:stretch>
+        </p:blipFill>
+        <p:spPr>
+          <a:xfrm>
+            <a:off x="480515" y="1536876"/>
+            <a:ext cx="2652829" cy="2119456"/>
+          </a:xfrm>
+          <a:prstGeom prst="rect">
+            <a:avLst/>
+          </a:prstGeom>
+        </p:spPr>
+      </p:pic>
+      <p:pic>
+        <p:nvPicPr>
+          <p:cNvPr id="7" name="Picture 6">
+            <a:extLst>
+              <a:ext uri="{FF2B5EF4-FFF2-40B4-BE49-F238E27FC236}">
+                <a16:creationId xmlns:a16="http://schemas.microsoft.com/office/drawing/2014/main" id="{E62E9CCA-54C3-0BA2-DF0C-FDAEF546108E}"/>
+              </a:ext>
+            </a:extLst>
+          </p:cNvPr>
+          <p:cNvPicPr>
+            <a:picLocks noChangeAspect="1"/>
+          </p:cNvPicPr>
+          <p:nvPr/>
+        </p:nvPicPr>
+        <p:blipFill>
+          <a:blip r:embed="rId5"/>
+          <a:stretch>
+            <a:fillRect/>
+          </a:stretch>
+        </p:blipFill>
+        <p:spPr>
+          <a:xfrm>
+            <a:off x="5303518" y="1536875"/>
+            <a:ext cx="2652831" cy="2119458"/>
+          </a:xfrm>
+          <a:prstGeom prst="rect">
+            <a:avLst/>
+          </a:prstGeom>
+        </p:spPr>
+      </p:pic>
     </p:spTree>
   </p:cSld>
   <p:clrMapOvr>
@@ -12468,10 +14611,212 @@
               <a:buNone/>
             </a:pPr>
             <a:r>
-              <a:rPr lang="en"/>
+              <a:rPr lang="en" dirty="0"/>
               <a:t>[Name 10 different possible transformations for data augmentation.]</a:t>
             </a:r>
-            <a:endParaRPr/>
+          </a:p>
+          <a:p>
+            <a:pPr marL="342900" lvl="0" indent="-342900" algn="just" rtl="0">
+              <a:spcBef>
+                <a:spcPts val="0"/>
+              </a:spcBef>
+              <a:spcAft>
+                <a:spcPts val="0"/>
+              </a:spcAft>
+              <a:buFont typeface="+mj-lt"/>
+              <a:buAutoNum type="arabicPeriod"/>
+            </a:pPr>
+            <a:r>
+              <a:rPr lang="en" dirty="0">
+                <a:latin typeface="Cambria" panose="02040503050406030204" pitchFamily="18" charset="0"/>
+                <a:ea typeface="Cambria" panose="02040503050406030204" pitchFamily="18" charset="0"/>
+              </a:rPr>
+              <a:t>Jittering</a:t>
+            </a:r>
+          </a:p>
+          <a:p>
+            <a:pPr marL="342900" lvl="0" indent="-342900" algn="just" rtl="0">
+              <a:spcBef>
+                <a:spcPts val="0"/>
+              </a:spcBef>
+              <a:spcAft>
+                <a:spcPts val="0"/>
+              </a:spcAft>
+              <a:buFont typeface="+mj-lt"/>
+              <a:buAutoNum type="arabicPeriod"/>
+            </a:pPr>
+            <a:r>
+              <a:rPr lang="en" dirty="0">
+                <a:latin typeface="Cambria" panose="02040503050406030204" pitchFamily="18" charset="0"/>
+                <a:ea typeface="Cambria" panose="02040503050406030204" pitchFamily="18" charset="0"/>
+              </a:rPr>
+              <a:t>Random horizontal flip</a:t>
+            </a:r>
+          </a:p>
+          <a:p>
+            <a:pPr marL="342900" lvl="0" indent="-342900" algn="just" rtl="0">
+              <a:spcBef>
+                <a:spcPts val="0"/>
+              </a:spcBef>
+              <a:spcAft>
+                <a:spcPts val="0"/>
+              </a:spcAft>
+              <a:buFont typeface="+mj-lt"/>
+              <a:buAutoNum type="arabicPeriod"/>
+            </a:pPr>
+            <a:r>
+              <a:rPr lang="en" dirty="0">
+                <a:latin typeface="Cambria" panose="02040503050406030204" pitchFamily="18" charset="0"/>
+                <a:ea typeface="Cambria" panose="02040503050406030204" pitchFamily="18" charset="0"/>
+              </a:rPr>
+              <a:t>Random vertical flip</a:t>
+            </a:r>
+          </a:p>
+          <a:p>
+            <a:pPr marL="342900" lvl="0" indent="-342900" algn="just" rtl="0">
+              <a:spcBef>
+                <a:spcPts val="0"/>
+              </a:spcBef>
+              <a:spcAft>
+                <a:spcPts val="0"/>
+              </a:spcAft>
+              <a:buFont typeface="+mj-lt"/>
+              <a:buAutoNum type="arabicPeriod"/>
+            </a:pPr>
+            <a:r>
+              <a:rPr lang="en" dirty="0">
+                <a:latin typeface="Cambria" panose="02040503050406030204" pitchFamily="18" charset="0"/>
+                <a:ea typeface="Cambria" panose="02040503050406030204" pitchFamily="18" charset="0"/>
+              </a:rPr>
+              <a:t>Random rotation</a:t>
+            </a:r>
+          </a:p>
+          <a:p>
+            <a:pPr marL="342900" lvl="0" indent="-342900" algn="just" rtl="0">
+              <a:spcBef>
+                <a:spcPts val="0"/>
+              </a:spcBef>
+              <a:spcAft>
+                <a:spcPts val="0"/>
+              </a:spcAft>
+              <a:buFont typeface="+mj-lt"/>
+              <a:buAutoNum type="arabicPeriod"/>
+            </a:pPr>
+            <a:r>
+              <a:rPr lang="en-US" dirty="0">
+                <a:latin typeface="Cambria" panose="02040503050406030204" pitchFamily="18" charset="0"/>
+                <a:ea typeface="Cambria" panose="02040503050406030204" pitchFamily="18" charset="0"/>
+              </a:rPr>
+              <a:t>Gaussian noise</a:t>
+            </a:r>
+          </a:p>
+          <a:p>
+            <a:pPr marL="342900" lvl="0" indent="-342900" algn="just" rtl="0">
+              <a:spcBef>
+                <a:spcPts val="0"/>
+              </a:spcBef>
+              <a:spcAft>
+                <a:spcPts val="0"/>
+              </a:spcAft>
+              <a:buFont typeface="+mj-lt"/>
+              <a:buAutoNum type="arabicPeriod"/>
+            </a:pPr>
+            <a:r>
+              <a:rPr lang="en-US" dirty="0">
+                <a:latin typeface="Cambria" panose="02040503050406030204" pitchFamily="18" charset="0"/>
+                <a:ea typeface="Cambria" panose="02040503050406030204" pitchFamily="18" charset="0"/>
+              </a:rPr>
+              <a:t>Random crop</a:t>
+            </a:r>
+          </a:p>
+          <a:p>
+            <a:pPr marL="342900" lvl="0" indent="-342900" algn="just" rtl="0">
+              <a:spcBef>
+                <a:spcPts val="0"/>
+              </a:spcBef>
+              <a:spcAft>
+                <a:spcPts val="0"/>
+              </a:spcAft>
+              <a:buFont typeface="+mj-lt"/>
+              <a:buAutoNum type="arabicPeriod"/>
+            </a:pPr>
+            <a:r>
+              <a:rPr lang="en-US" dirty="0">
+                <a:latin typeface="Cambria" panose="02040503050406030204" pitchFamily="18" charset="0"/>
+                <a:ea typeface="Cambria" panose="02040503050406030204" pitchFamily="18" charset="0"/>
+              </a:rPr>
+              <a:t>Random zooming</a:t>
+            </a:r>
+          </a:p>
+          <a:p>
+            <a:pPr marL="342900" lvl="0" indent="-342900" algn="just" rtl="0">
+              <a:spcBef>
+                <a:spcPts val="0"/>
+              </a:spcBef>
+              <a:spcAft>
+                <a:spcPts val="0"/>
+              </a:spcAft>
+              <a:buFont typeface="+mj-lt"/>
+              <a:buAutoNum type="arabicPeriod"/>
+            </a:pPr>
+            <a:r>
+              <a:rPr lang="en-US" dirty="0">
+                <a:latin typeface="Cambria" panose="02040503050406030204" pitchFamily="18" charset="0"/>
+                <a:ea typeface="Cambria" panose="02040503050406030204" pitchFamily="18" charset="0"/>
+              </a:rPr>
+              <a:t>Random grayscale conversion</a:t>
+            </a:r>
+          </a:p>
+          <a:p>
+            <a:pPr marL="342900" lvl="0" indent="-342900" algn="just" rtl="0">
+              <a:spcBef>
+                <a:spcPts val="0"/>
+              </a:spcBef>
+              <a:spcAft>
+                <a:spcPts val="0"/>
+              </a:spcAft>
+              <a:buFont typeface="+mj-lt"/>
+              <a:buAutoNum type="arabicPeriod"/>
+            </a:pPr>
+            <a:r>
+              <a:rPr lang="en-US" dirty="0">
+                <a:latin typeface="Cambria" panose="02040503050406030204" pitchFamily="18" charset="0"/>
+                <a:ea typeface="Cambria" panose="02040503050406030204" pitchFamily="18" charset="0"/>
+              </a:rPr>
+              <a:t>Random invert color</a:t>
+            </a:r>
+          </a:p>
+          <a:p>
+            <a:pPr marL="342900" lvl="0" indent="-342900" algn="just" rtl="0">
+              <a:spcBef>
+                <a:spcPts val="0"/>
+              </a:spcBef>
+              <a:spcAft>
+                <a:spcPts val="0"/>
+              </a:spcAft>
+              <a:buFont typeface="+mj-lt"/>
+              <a:buAutoNum type="arabicPeriod"/>
+            </a:pPr>
+            <a:r>
+              <a:rPr lang="en-US" dirty="0">
+                <a:latin typeface="Cambria" panose="02040503050406030204" pitchFamily="18" charset="0"/>
+                <a:ea typeface="Cambria" panose="02040503050406030204" pitchFamily="18" charset="0"/>
+              </a:rPr>
+              <a:t>Random sharpness adjustment</a:t>
+            </a:r>
+          </a:p>
+          <a:p>
+            <a:pPr marL="342900" lvl="0" indent="-342900" algn="l" rtl="0">
+              <a:spcBef>
+                <a:spcPts val="0"/>
+              </a:spcBef>
+              <a:spcAft>
+                <a:spcPts val="0"/>
+              </a:spcAft>
+              <a:buFont typeface="+mj-lt"/>
+              <a:buAutoNum type="arabicPeriod"/>
+            </a:pPr>
+            <a:endParaRPr dirty="0"/>
           </a:p>
         </p:txBody>
       </p:sp>
@@ -12510,10 +14855,27 @@
               <a:buNone/>
             </a:pPr>
             <a:r>
-              <a:rPr lang="en"/>
+              <a:rPr lang="en" dirty="0"/>
               <a:t>[What is the desired variance after each layer? Why would that be helpful?]</a:t>
             </a:r>
-            <a:endParaRPr/>
+          </a:p>
+          <a:p>
+            <a:pPr marL="0" lvl="0" indent="0" algn="just" rtl="0">
+              <a:spcBef>
+                <a:spcPts val="0"/>
+              </a:spcBef>
+              <a:spcAft>
+                <a:spcPts val="0"/>
+              </a:spcAft>
+              <a:buNone/>
+            </a:pPr>
+            <a:r>
+              <a:rPr lang="en" dirty="0">
+                <a:latin typeface="Cambria" panose="02040503050406030204" pitchFamily="18" charset="0"/>
+                <a:ea typeface="Cambria" panose="02040503050406030204" pitchFamily="18" charset="0"/>
+              </a:rPr>
+              <a:t>Ideally, the variance after each layer should be the same. This way, every layer is learning at the same pace, which minimizes the risk of vanishing or exploding gradient.</a:t>
+            </a:r>
           </a:p>
         </p:txBody>
       </p:sp>
@@ -12624,13 +14986,13 @@
               <a:buNone/>
             </a:pPr>
             <a:r>
-              <a:rPr lang="en"/>
+              <a:rPr lang="en" dirty="0"/>
               <a:t>[What distribution is dropout usually sampled from?]</a:t>
             </a:r>
-            <a:endParaRPr/>
+            <a:endParaRPr dirty="0"/>
           </a:p>
           <a:p>
-            <a:pPr marL="0" lvl="0" indent="0" algn="l" rtl="0">
+            <a:pPr marL="0" lvl="0" indent="0" algn="just" rtl="0">
               <a:spcBef>
                 <a:spcPts val="0"/>
               </a:spcBef>
@@ -12644,7 +15006,17 @@
               <a:buFont typeface="Arial"/>
               <a:buNone/>
             </a:pPr>
-            <a:endParaRPr/>
+            <a:r>
+              <a:rPr lang="en-US" dirty="0">
+                <a:latin typeface="Cambria" panose="02040503050406030204" pitchFamily="18" charset="0"/>
+                <a:ea typeface="Cambria" panose="02040503050406030204" pitchFamily="18" charset="0"/>
+              </a:rPr>
+              <a:t>Bernoulli distribution.</a:t>
+            </a:r>
+            <a:endParaRPr dirty="0">
+              <a:latin typeface="Cambria" panose="02040503050406030204" pitchFamily="18" charset="0"/>
+              <a:ea typeface="Cambria" panose="02040503050406030204" pitchFamily="18" charset="0"/>
+            </a:endParaRPr>
           </a:p>
           <a:p>
             <a:pPr marL="0" lvl="0" indent="0" algn="l" rtl="0">
@@ -12661,7 +15033,7 @@
               <a:buFont typeface="Arial"/>
               <a:buNone/>
             </a:pPr>
-            <a:endParaRPr/>
+            <a:endParaRPr dirty="0"/>
           </a:p>
           <a:p>
             <a:pPr marL="0" lvl="0" indent="0" algn="l" rtl="0">
@@ -12678,7 +15050,7 @@
               <a:buFont typeface="Arial"/>
               <a:buNone/>
             </a:pPr>
-            <a:endParaRPr/>
+            <a:endParaRPr dirty="0"/>
           </a:p>
           <a:p>
             <a:pPr marL="0" lvl="0" indent="0" algn="l" rtl="0">
@@ -12695,7 +15067,7 @@
               <a:buFont typeface="Arial"/>
               <a:buNone/>
             </a:pPr>
-            <a:endParaRPr/>
+            <a:endParaRPr dirty="0"/>
           </a:p>
           <a:p>
             <a:pPr marL="0" lvl="0" indent="0" algn="l" rtl="0">
@@ -12713,10 +15085,82 @@
               <a:buNone/>
             </a:pPr>
             <a:r>
-              <a:rPr lang="en"/>
+              <a:rPr lang="en" dirty="0"/>
               <a:t>[How many parameters does your base SimpleNet model have? How many parameters does your SimpleNetFinal model have?]</a:t>
             </a:r>
-            <a:endParaRPr/>
+          </a:p>
+          <a:p>
+            <a:pPr marL="0" lvl="0" indent="0" algn="l" rtl="0">
+              <a:spcBef>
+                <a:spcPts val="0"/>
+              </a:spcBef>
+              <a:spcAft>
+                <a:spcPts val="0"/>
+              </a:spcAft>
+              <a:buClr>
+                <a:schemeClr val="dk1"/>
+              </a:buClr>
+              <a:buSzPts val="1100"/>
+              <a:buFont typeface="Arial"/>
+              <a:buNone/>
+            </a:pPr>
+            <a:r>
+              <a:rPr lang="en" dirty="0">
+                <a:latin typeface="Cambria" panose="02040503050406030204" pitchFamily="18" charset="0"/>
+                <a:ea typeface="Cambria" panose="02040503050406030204" pitchFamily="18" charset="0"/>
+              </a:rPr>
+              <a:t>SimpleNet: </a:t>
+            </a:r>
+            <a:r>
+              <a:rPr lang="en" dirty="0">
+                <a:highlight>
+                  <a:srgbClr val="00FF00"/>
+                </a:highlight>
+                <a:latin typeface="Cambria" panose="02040503050406030204" pitchFamily="18" charset="0"/>
+                <a:ea typeface="Cambria" panose="02040503050406030204" pitchFamily="18" charset="0"/>
+              </a:rPr>
+              <a:t>108495</a:t>
+            </a:r>
+          </a:p>
+          <a:p>
+            <a:pPr marL="0" lvl="0" indent="0" algn="l" rtl="0">
+              <a:spcBef>
+                <a:spcPts val="0"/>
+              </a:spcBef>
+              <a:spcAft>
+                <a:spcPts val="0"/>
+              </a:spcAft>
+              <a:buClr>
+                <a:schemeClr val="dk1"/>
+              </a:buClr>
+              <a:buSzPts val="1100"/>
+              <a:buFont typeface="Arial"/>
+              <a:buNone/>
+            </a:pPr>
+            <a:r>
+              <a:rPr lang="en" dirty="0">
+                <a:latin typeface="Cambria" panose="02040503050406030204" pitchFamily="18" charset="0"/>
+                <a:ea typeface="Cambria" panose="02040503050406030204" pitchFamily="18" charset="0"/>
+              </a:rPr>
+              <a:t>SimpleNetFinal: </a:t>
+            </a:r>
+            <a:r>
+              <a:rPr lang="en" dirty="0">
+                <a:highlight>
+                  <a:srgbClr val="00FF00"/>
+                </a:highlight>
+                <a:latin typeface="Cambria" panose="02040503050406030204" pitchFamily="18" charset="0"/>
+                <a:ea typeface="Cambria" panose="02040503050406030204" pitchFamily="18" charset="0"/>
+              </a:rPr>
+              <a:t>114650</a:t>
+            </a:r>
+            <a:endParaRPr dirty="0">
+              <a:highlight>
+                <a:srgbClr val="00FF00"/>
+              </a:highlight>
+              <a:latin typeface="Cambria" panose="02040503050406030204" pitchFamily="18" charset="0"/>
+              <a:ea typeface="Cambria" panose="02040503050406030204" pitchFamily="18" charset="0"/>
+            </a:endParaRPr>
           </a:p>
         </p:txBody>
       </p:sp>
@@ -12760,10 +15204,36 @@
               <a:buNone/>
             </a:pPr>
             <a:r>
-              <a:rPr lang="en"/>
+              <a:rPr lang="en" dirty="0"/>
               <a:t>[What is the effect of batch norm after a conv layer with a bias?]</a:t>
             </a:r>
-            <a:endParaRPr/>
+          </a:p>
+          <a:p>
+            <a:pPr marL="0" lvl="0" indent="0" algn="just" rtl="0">
+              <a:spcBef>
+                <a:spcPts val="0"/>
+              </a:spcBef>
+              <a:spcAft>
+                <a:spcPts val="0"/>
+              </a:spcAft>
+              <a:buClr>
+                <a:schemeClr val="dk1"/>
+              </a:buClr>
+              <a:buSzPts val="1100"/>
+              <a:buFont typeface="Arial"/>
+              <a:buNone/>
+            </a:pPr>
+            <a:r>
+              <a:rPr lang="en" dirty="0">
+                <a:latin typeface="Cambria" panose="02040503050406030204" pitchFamily="18" charset="0"/>
+                <a:ea typeface="Cambria" panose="02040503050406030204" pitchFamily="18" charset="0"/>
+              </a:rPr>
+              <a:t>Batch normalization make training faster and more stable by re-centering and re-scaling the layer inputs. Employing batch normalization essentially removes the need to use a bias in the previous layer.</a:t>
+            </a:r>
+            <a:endParaRPr dirty="0">
+              <a:latin typeface="Cambria" panose="02040503050406030204" pitchFamily="18" charset="0"/>
+              <a:ea typeface="Cambria" panose="02040503050406030204" pitchFamily="18" charset="0"/>
+            </a:endParaRPr>
           </a:p>
         </p:txBody>
       </p:sp>
@@ -12834,200 +15304,251 @@
           </a:p>
         </p:txBody>
       </p:sp>
-      <p:sp>
-        <p:nvSpPr>
-          <p:cNvPr id="96" name="Google Shape;96;p19"/>
-          <p:cNvSpPr txBox="1">
-            <a:spLocks noGrp="1"/>
-          </p:cNvSpPr>
-          <p:nvPr>
-            <p:ph type="body" idx="1"/>
-          </p:nvPr>
-        </p:nvSpPr>
-        <p:spPr>
-          <a:xfrm>
-            <a:off x="311700" y="1152475"/>
-            <a:ext cx="3999900" cy="3416400"/>
-          </a:xfrm>
-          <a:prstGeom prst="rect">
-            <a:avLst/>
-          </a:prstGeom>
-        </p:spPr>
-        <p:txBody>
-          <a:bodyPr spcFirstLastPara="1" wrap="square" lIns="91425" tIns="91425" rIns="91425" bIns="91425" anchor="t" anchorCtr="0">
-            <a:noAutofit/>
-          </a:bodyPr>
-          <a:lstStyle/>
-          <a:p>
-            <a:pPr marL="0" lvl="0" indent="0" algn="l" rtl="0">
-              <a:spcBef>
-                <a:spcPts val="0"/>
-              </a:spcBef>
-              <a:spcAft>
-                <a:spcPts val="0"/>
-              </a:spcAft>
-              <a:buNone/>
-            </a:pPr>
-            <a:r>
-              <a:rPr lang="en"/>
-              <a:t>[Insert loss plot here]</a:t>
-            </a:r>
-            <a:endParaRPr/>
-          </a:p>
-          <a:p>
-            <a:pPr marL="0" lvl="0" indent="0" algn="l" rtl="0">
-              <a:spcBef>
-                <a:spcPts val="0"/>
-              </a:spcBef>
-              <a:spcAft>
-                <a:spcPts val="0"/>
-              </a:spcAft>
-              <a:buNone/>
-            </a:pPr>
-            <a:endParaRPr/>
-          </a:p>
-          <a:p>
-            <a:pPr marL="0" lvl="0" indent="0" algn="l" rtl="0">
-              <a:spcBef>
-                <a:spcPts val="0"/>
-              </a:spcBef>
-              <a:spcAft>
-                <a:spcPts val="0"/>
-              </a:spcAft>
-              <a:buNone/>
-            </a:pPr>
-            <a:endParaRPr/>
-          </a:p>
-          <a:p>
-            <a:pPr marL="0" lvl="0" indent="0" algn="l" rtl="0">
-              <a:spcBef>
-                <a:spcPts val="0"/>
-              </a:spcBef>
-              <a:spcAft>
-                <a:spcPts val="0"/>
-              </a:spcAft>
-              <a:buNone/>
-            </a:pPr>
-            <a:endParaRPr/>
-          </a:p>
-          <a:p>
-            <a:pPr marL="0" lvl="0" indent="0" algn="l" rtl="0">
-              <a:spcBef>
-                <a:spcPts val="0"/>
-              </a:spcBef>
-              <a:spcAft>
-                <a:spcPts val="0"/>
-              </a:spcAft>
-              <a:buNone/>
-            </a:pPr>
-            <a:endParaRPr/>
-          </a:p>
-          <a:p>
-            <a:pPr marL="0" lvl="0" indent="0" algn="l" rtl="0">
-              <a:spcBef>
-                <a:spcPts val="0"/>
-              </a:spcBef>
-              <a:spcAft>
-                <a:spcPts val="0"/>
-              </a:spcAft>
-              <a:buNone/>
-            </a:pPr>
-            <a:endParaRPr/>
-          </a:p>
-          <a:p>
-            <a:pPr marL="0" lvl="0" indent="0" algn="l" rtl="0">
-              <a:spcBef>
-                <a:spcPts val="0"/>
-              </a:spcBef>
-              <a:spcAft>
-                <a:spcPts val="0"/>
-              </a:spcAft>
-              <a:buNone/>
-            </a:pPr>
-            <a:endParaRPr/>
-          </a:p>
-          <a:p>
-            <a:pPr marL="0" lvl="0" indent="0" algn="l" rtl="0">
-              <a:spcBef>
-                <a:spcPts val="0"/>
-              </a:spcBef>
-              <a:spcAft>
-                <a:spcPts val="0"/>
-              </a:spcAft>
-              <a:buNone/>
-            </a:pPr>
-            <a:endParaRPr/>
-          </a:p>
-          <a:p>
-            <a:pPr marL="0" lvl="0" indent="0" algn="l" rtl="0">
-              <a:spcBef>
-                <a:spcPts val="0"/>
-              </a:spcBef>
-              <a:spcAft>
-                <a:spcPts val="0"/>
-              </a:spcAft>
-              <a:buNone/>
-            </a:pPr>
-            <a:endParaRPr/>
-          </a:p>
-          <a:p>
-            <a:pPr marL="0" lvl="0" indent="0" algn="l" rtl="0">
-              <a:spcBef>
-                <a:spcPts val="0"/>
-              </a:spcBef>
-              <a:spcAft>
-                <a:spcPts val="0"/>
-              </a:spcAft>
-              <a:buNone/>
-            </a:pPr>
-            <a:endParaRPr/>
-          </a:p>
-          <a:p>
-            <a:pPr marL="0" lvl="0" indent="0" algn="l" rtl="0">
-              <a:spcBef>
-                <a:spcPts val="0"/>
-              </a:spcBef>
-              <a:spcAft>
-                <a:spcPts val="0"/>
-              </a:spcAft>
-              <a:buNone/>
-            </a:pPr>
-            <a:r>
-              <a:rPr lang="en"/>
-              <a:t>Final training accuracy:</a:t>
-            </a:r>
-            <a:endParaRPr/>
-          </a:p>
-          <a:p>
-            <a:pPr marL="0" lvl="0" indent="0" algn="l" rtl="0">
-              <a:spcBef>
-                <a:spcPts val="0"/>
-              </a:spcBef>
-              <a:spcAft>
-                <a:spcPts val="0"/>
-              </a:spcAft>
-              <a:buNone/>
-            </a:pPr>
-            <a:endParaRPr/>
-          </a:p>
-          <a:p>
-            <a:pPr marL="0" lvl="0" indent="0" algn="l" rtl="0">
-              <a:spcBef>
-                <a:spcPts val="0"/>
-              </a:spcBef>
-              <a:spcAft>
-                <a:spcPts val="0"/>
-              </a:spcAft>
-              <a:buNone/>
-            </a:pPr>
-            <a:r>
-              <a:rPr lang="en"/>
-              <a:t>Final validation accuracy:</a:t>
-            </a:r>
-            <a:endParaRPr/>
-          </a:p>
-        </p:txBody>
-      </p:sp>
+      <mc:AlternateContent xmlns:mc="http://schemas.openxmlformats.org/markup-compatibility/2006">
+        <mc:Choice xmlns:a14="http://schemas.microsoft.com/office/drawing/2010/main" Requires="a14">
+          <p:sp>
+            <p:nvSpPr>
+              <p:cNvPr id="96" name="Google Shape;96;p19"/>
+              <p:cNvSpPr txBox="1">
+                <a:spLocks noGrp="1"/>
+              </p:cNvSpPr>
+              <p:nvPr>
+                <p:ph type="body" idx="1"/>
+              </p:nvPr>
+            </p:nvSpPr>
+            <p:spPr>
+              <a:xfrm>
+                <a:off x="311700" y="1152475"/>
+                <a:ext cx="3999900" cy="3416400"/>
+              </a:xfrm>
+              <a:prstGeom prst="rect">
+                <a:avLst/>
+              </a:prstGeom>
+            </p:spPr>
+            <p:txBody>
+              <a:bodyPr spcFirstLastPara="1" wrap="square" lIns="91425" tIns="91425" rIns="91425" bIns="91425" anchor="t" anchorCtr="0">
+                <a:noAutofit/>
+              </a:bodyPr>
+              <a:lstStyle/>
+              <a:p>
+                <a:pPr marL="0" lvl="0" indent="0" algn="l" rtl="0">
+                  <a:spcBef>
+                    <a:spcPts val="0"/>
+                  </a:spcBef>
+                  <a:spcAft>
+                    <a:spcPts val="0"/>
+                  </a:spcAft>
+                  <a:buNone/>
+                </a:pPr>
+                <a:r>
+                  <a:rPr lang="en-US" dirty="0"/>
+                  <a:t>[Insert loss plot here]</a:t>
+                </a:r>
+              </a:p>
+              <a:p>
+                <a:pPr marL="0" lvl="0" indent="0" algn="l" rtl="0">
+                  <a:spcBef>
+                    <a:spcPts val="0"/>
+                  </a:spcBef>
+                  <a:spcAft>
+                    <a:spcPts val="0"/>
+                  </a:spcAft>
+                  <a:buNone/>
+                </a:pPr>
+                <a:endParaRPr lang="en-US" dirty="0"/>
+              </a:p>
+              <a:p>
+                <a:pPr marL="0" lvl="0" indent="0" algn="l" rtl="0">
+                  <a:spcBef>
+                    <a:spcPts val="0"/>
+                  </a:spcBef>
+                  <a:spcAft>
+                    <a:spcPts val="0"/>
+                  </a:spcAft>
+                  <a:buNone/>
+                </a:pPr>
+                <a:endParaRPr lang="en-US" dirty="0"/>
+              </a:p>
+              <a:p>
+                <a:pPr marL="0" lvl="0" indent="0" algn="l" rtl="0">
+                  <a:spcBef>
+                    <a:spcPts val="0"/>
+                  </a:spcBef>
+                  <a:spcAft>
+                    <a:spcPts val="0"/>
+                  </a:spcAft>
+                  <a:buNone/>
+                </a:pPr>
+                <a:endParaRPr lang="en-US" dirty="0"/>
+              </a:p>
+              <a:p>
+                <a:pPr marL="0" lvl="0" indent="0" algn="l" rtl="0">
+                  <a:spcBef>
+                    <a:spcPts val="0"/>
+                  </a:spcBef>
+                  <a:spcAft>
+                    <a:spcPts val="0"/>
+                  </a:spcAft>
+                  <a:buNone/>
+                </a:pPr>
+                <a:endParaRPr lang="en-US" dirty="0"/>
+              </a:p>
+              <a:p>
+                <a:pPr marL="0" lvl="0" indent="0" algn="l" rtl="0">
+                  <a:spcBef>
+                    <a:spcPts val="0"/>
+                  </a:spcBef>
+                  <a:spcAft>
+                    <a:spcPts val="0"/>
+                  </a:spcAft>
+                  <a:buNone/>
+                </a:pPr>
+                <a:endParaRPr lang="en-US" dirty="0"/>
+              </a:p>
+              <a:p>
+                <a:pPr marL="0" lvl="0" indent="0" algn="l" rtl="0">
+                  <a:spcBef>
+                    <a:spcPts val="0"/>
+                  </a:spcBef>
+                  <a:spcAft>
+                    <a:spcPts val="0"/>
+                  </a:spcAft>
+                  <a:buNone/>
+                </a:pPr>
+                <a:endParaRPr lang="en-US" dirty="0"/>
+              </a:p>
+              <a:p>
+                <a:pPr marL="0" lvl="0" indent="0" algn="l" rtl="0">
+                  <a:spcBef>
+                    <a:spcPts val="0"/>
+                  </a:spcBef>
+                  <a:spcAft>
+                    <a:spcPts val="0"/>
+                  </a:spcAft>
+                  <a:buNone/>
+                </a:pPr>
+                <a:endParaRPr lang="en-US" dirty="0"/>
+              </a:p>
+              <a:p>
+                <a:pPr marL="0" lvl="0" indent="0" algn="l" rtl="0">
+                  <a:spcBef>
+                    <a:spcPts val="0"/>
+                  </a:spcBef>
+                  <a:spcAft>
+                    <a:spcPts val="0"/>
+                  </a:spcAft>
+                  <a:buNone/>
+                </a:pPr>
+                <a:endParaRPr lang="en-US" dirty="0"/>
+              </a:p>
+              <a:p>
+                <a:pPr marL="0" lvl="0" indent="0" algn="l" rtl="0">
+                  <a:spcBef>
+                    <a:spcPts val="0"/>
+                  </a:spcBef>
+                  <a:spcAft>
+                    <a:spcPts val="0"/>
+                  </a:spcAft>
+                  <a:buNone/>
+                </a:pPr>
+                <a:endParaRPr lang="en-US" dirty="0"/>
+              </a:p>
+              <a:p>
+                <a:pPr marL="0" lvl="0" indent="0" algn="l" rtl="0">
+                  <a:spcBef>
+                    <a:spcPts val="0"/>
+                  </a:spcBef>
+                  <a:spcAft>
+                    <a:spcPts val="0"/>
+                  </a:spcAft>
+                  <a:buNone/>
+                </a:pPr>
+                <a:r>
+                  <a:rPr lang="en-US" dirty="0"/>
+                  <a:t>Final training accuracy: </a:t>
+                </a:r>
+                <a14:m>
+                  <m:oMath xmlns:m="http://schemas.openxmlformats.org/officeDocument/2006/math">
+                    <m:r>
+                      <a:rPr lang="en-US" b="0" i="1" smtClean="0">
+                        <a:latin typeface="Cambria Math" panose="02040503050406030204" pitchFamily="18" charset="0"/>
+                      </a:rPr>
+                      <m:t>89.7%</m:t>
+                    </m:r>
+                  </m:oMath>
+                </a14:m>
+                <a:endParaRPr lang="en-US" dirty="0"/>
+              </a:p>
+              <a:p>
+                <a:pPr marL="0" lvl="0" indent="0" algn="l" rtl="0">
+                  <a:spcBef>
+                    <a:spcPts val="0"/>
+                  </a:spcBef>
+                  <a:spcAft>
+                    <a:spcPts val="0"/>
+                  </a:spcAft>
+                  <a:buNone/>
+                </a:pPr>
+                <a:r>
+                  <a:rPr lang="en-US" dirty="0"/>
+                  <a:t>Final validation accuracy: </a:t>
+                </a:r>
+                <a14:m>
+                  <m:oMath xmlns:m="http://schemas.openxmlformats.org/officeDocument/2006/math">
+                    <m:r>
+                      <a:rPr lang="en-US" b="0" i="1" smtClean="0">
+                        <a:latin typeface="Cambria Math" panose="02040503050406030204" pitchFamily="18" charset="0"/>
+                      </a:rPr>
+                      <m:t>88.3%</m:t>
+                    </m:r>
+                  </m:oMath>
+                </a14:m>
+                <a:endParaRPr dirty="0"/>
+              </a:p>
+            </p:txBody>
+          </p:sp>
+        </mc:Choice>
+        <mc:Fallback>
+          <p:sp>
+            <p:nvSpPr>
+              <p:cNvPr id="96" name="Google Shape;96;p19"/>
+              <p:cNvSpPr txBox="1">
+                <a:spLocks noGrp="1" noRot="1" noChangeAspect="1" noMove="1" noResize="1" noEditPoints="1" noAdjustHandles="1" noChangeArrowheads="1" noChangeShapeType="1" noTextEdit="1"/>
+              </p:cNvSpPr>
+              <p:nvPr>
+                <p:ph type="body" idx="1"/>
+              </p:nvPr>
+            </p:nvSpPr>
+            <p:spPr>
+              <a:xfrm>
+                <a:off x="311700" y="1152475"/>
+                <a:ext cx="3999900" cy="3416400"/>
+              </a:xfrm>
+              <a:prstGeom prst="rect">
+                <a:avLst/>
+              </a:prstGeom>
+              <a:blipFill>
+                <a:blip r:embed="rId3"/>
+                <a:stretch>
+                  <a:fillRect l="-457"/>
+                </a:stretch>
+              </a:blipFill>
+            </p:spPr>
+            <p:txBody>
+              <a:bodyPr/>
+              <a:lstStyle/>
+              <a:p>
+                <a:r>
+                  <a:rPr lang="en-US">
+                    <a:noFill/>
+                  </a:rPr>
+                  <a:t> </a:t>
+                </a:r>
+              </a:p>
+            </p:txBody>
+          </p:sp>
+        </mc:Fallback>
+      </mc:AlternateContent>
       <p:sp>
         <p:nvSpPr>
           <p:cNvPr id="97" name="Google Shape;97;p19"/>
@@ -13063,13 +15584,73 @@
               <a:buNone/>
             </a:pPr>
             <a:r>
-              <a:rPr lang="en"/>
+              <a:rPr lang="en" dirty="0"/>
               <a:t>[Insert accuracy plot here]</a:t>
             </a:r>
-            <a:endParaRPr/>
+            <a:endParaRPr dirty="0"/>
           </a:p>
         </p:txBody>
       </p:sp>
+      <p:pic>
+        <p:nvPicPr>
+          <p:cNvPr id="4" name="Picture 3">
+            <a:extLst>
+              <a:ext uri="{FF2B5EF4-FFF2-40B4-BE49-F238E27FC236}">
+                <a16:creationId xmlns:a16="http://schemas.microsoft.com/office/drawing/2014/main" id="{7EC55419-5E12-C52A-BA3F-4A6675F69360}"/>
+              </a:ext>
+            </a:extLst>
+          </p:cNvPr>
+          <p:cNvPicPr>
+            <a:picLocks noChangeAspect="1"/>
+          </p:cNvPicPr>
+          <p:nvPr/>
+        </p:nvPicPr>
+        <p:blipFill>
+          <a:blip r:embed="rId4"/>
+          <a:stretch>
+            <a:fillRect/>
+          </a:stretch>
+        </p:blipFill>
+        <p:spPr>
+          <a:xfrm>
+            <a:off x="51300" y="1448507"/>
+            <a:ext cx="2700338" cy="2157413"/>
+          </a:xfrm>
+          <a:prstGeom prst="rect">
+            <a:avLst/>
+          </a:prstGeom>
+        </p:spPr>
+      </p:pic>
+      <p:pic>
+        <p:nvPicPr>
+          <p:cNvPr id="7" name="Picture 6">
+            <a:extLst>
+              <a:ext uri="{FF2B5EF4-FFF2-40B4-BE49-F238E27FC236}">
+                <a16:creationId xmlns:a16="http://schemas.microsoft.com/office/drawing/2014/main" id="{8F509B9F-110B-0A25-3509-CEB469AC2E43}"/>
+              </a:ext>
+            </a:extLst>
+          </p:cNvPr>
+          <p:cNvPicPr>
+            <a:picLocks noChangeAspect="1"/>
+          </p:cNvPicPr>
+          <p:nvPr/>
+        </p:nvPicPr>
+        <p:blipFill>
+          <a:blip r:embed="rId5"/>
+          <a:stretch>
+            <a:fillRect/>
+          </a:stretch>
+        </p:blipFill>
+        <p:spPr>
+          <a:xfrm>
+            <a:off x="4548266" y="1493043"/>
+            <a:ext cx="2686572" cy="2112877"/>
+          </a:xfrm>
+          <a:prstGeom prst="rect">
+            <a:avLst/>
+          </a:prstGeom>
+        </p:spPr>
+      </p:pic>
     </p:spTree>
   </p:cSld>
   <p:clrMapOvr>
@@ -13179,6 +15760,36 @@
           </a:p>
         </p:txBody>
       </p:sp>
+      <p:pic>
+        <p:nvPicPr>
+          <p:cNvPr id="3" name="Picture 2">
+            <a:extLst>
+              <a:ext uri="{FF2B5EF4-FFF2-40B4-BE49-F238E27FC236}">
+                <a16:creationId xmlns:a16="http://schemas.microsoft.com/office/drawing/2014/main" id="{3E05ABFB-6E0C-AB10-7256-05084E975717}"/>
+              </a:ext>
+            </a:extLst>
+          </p:cNvPr>
+          <p:cNvPicPr>
+            <a:picLocks noChangeAspect="1"/>
+          </p:cNvPicPr>
+          <p:nvPr/>
+        </p:nvPicPr>
+        <p:blipFill>
+          <a:blip r:embed="rId3"/>
+          <a:stretch>
+            <a:fillRect/>
+          </a:stretch>
+        </p:blipFill>
+        <p:spPr>
+          <a:xfrm>
+            <a:off x="2823954" y="1631991"/>
+            <a:ext cx="3496091" cy="3511509"/>
+          </a:xfrm>
+          <a:prstGeom prst="rect">
+            <a:avLst/>
+          </a:prstGeom>
+        </p:spPr>
+      </p:pic>
     </p:spTree>
   </p:cSld>
   <p:clrMapOvr>
@@ -13281,10 +15892,42 @@
               <a:buNone/>
             </a:pPr>
             <a:r>
-              <a:rPr lang="en"/>
+              <a:rPr lang="en" dirty="0"/>
               <a:t>[Insert visualizations of 3 misclassified images from the most misclassified class according to your confusion matrix. Explain why this may have occurred.]</a:t>
             </a:r>
-            <a:endParaRPr/>
+          </a:p>
+          <a:p>
+            <a:pPr marL="0" lvl="0" indent="0" algn="l" rtl="0">
+              <a:spcBef>
+                <a:spcPts val="0"/>
+              </a:spcBef>
+              <a:spcAft>
+                <a:spcPts val="0"/>
+              </a:spcAft>
+              <a:buNone/>
+            </a:pPr>
+            <a:r>
+              <a:rPr lang="en" dirty="0">
+                <a:latin typeface="Cambria" panose="02040503050406030204" pitchFamily="18" charset="0"/>
+                <a:ea typeface="Cambria" panose="02040503050406030204" pitchFamily="18" charset="0"/>
+              </a:rPr>
+              <a:t>Bedrooms misclassified as living rooms is the most misclassified class. This is likely because bedrooms and living rooms usually look similar with curtains and a soft, cushiony structure (bed or couch). In the next page, the first row shows bedrooms which were misclassified and the second row shows properly classified living rooms.</a:t>
+            </a:r>
+          </a:p>
+          <a:p>
+            <a:pPr marL="0" lvl="0" indent="0" algn="l" rtl="0">
+              <a:spcBef>
+                <a:spcPts val="0"/>
+              </a:spcBef>
+              <a:spcAft>
+                <a:spcPts val="0"/>
+              </a:spcAft>
+              <a:buNone/>
+            </a:pPr>
+            <a:endParaRPr dirty="0">
+              <a:latin typeface="Cambria" panose="02040503050406030204" pitchFamily="18" charset="0"/>
+              <a:ea typeface="Cambria" panose="02040503050406030204" pitchFamily="18" charset="0"/>
+            </a:endParaRPr>
           </a:p>
         </p:txBody>
       </p:sp>

--- a/docs/proj4_report.pptx
+++ b/docs/proj4_report.pptx
@@ -277,7 +277,7 @@
 <file path=ppt/revisionInfo.xml><?xml version="1.0" encoding="utf-8"?>
 <p1510:revInfo xmlns:a="http://schemas.openxmlformats.org/drawingml/2006/main" xmlns:r="http://schemas.openxmlformats.org/officeDocument/2006/relationships" xmlns:p1510="http://schemas.microsoft.com/office/powerpoint/2015/10/main">
   <p1510:revLst>
-    <p1510:client id="{7976DB38-3065-4BA1-91BF-A1048E1F5D4F}" v="190" dt="2022-11-12T05:46:41.240"/>
+    <p1510:client id="{7976DB38-3065-4BA1-91BF-A1048E1F5D4F}" v="322" dt="2022-11-13T01:37:38.429"/>
   </p1510:revLst>
 </p1510:revInfo>
 </file>
@@ -287,7 +287,7 @@
   <pc:docChgLst>
     <pc:chgData name="Newaz, Shuvo" userId="4c2373e7-346f-4797-94d1-ef2a1d69f094" providerId="ADAL" clId="{7976DB38-3065-4BA1-91BF-A1048E1F5D4F}"/>
     <pc:docChg chg="undo custSel addSld modSld">
-      <pc:chgData name="Newaz, Shuvo" userId="4c2373e7-346f-4797-94d1-ef2a1d69f094" providerId="ADAL" clId="{7976DB38-3065-4BA1-91BF-A1048E1F5D4F}" dt="2022-11-12T05:53:45.832" v="3288" actId="20577"/>
+      <pc:chgData name="Newaz, Shuvo" userId="4c2373e7-346f-4797-94d1-ef2a1d69f094" providerId="ADAL" clId="{7976DB38-3065-4BA1-91BF-A1048E1F5D4F}" dt="2022-11-13T01:37:38.425" v="3550" actId="20577"/>
       <pc:docMkLst>
         <pc:docMk/>
       </pc:docMkLst>
@@ -307,13 +307,13 @@
         </pc:spChg>
       </pc:sldChg>
       <pc:sldChg chg="addSp delSp modSp mod">
-        <pc:chgData name="Newaz, Shuvo" userId="4c2373e7-346f-4797-94d1-ef2a1d69f094" providerId="ADAL" clId="{7976DB38-3065-4BA1-91BF-A1048E1F5D4F}" dt="2022-11-12T04:52:43.574" v="1570" actId="20577"/>
+        <pc:chgData name="Newaz, Shuvo" userId="4c2373e7-346f-4797-94d1-ef2a1d69f094" providerId="ADAL" clId="{7976DB38-3065-4BA1-91BF-A1048E1F5D4F}" dt="2022-11-13T00:36:39.883" v="3323" actId="20577"/>
         <pc:sldMkLst>
           <pc:docMk/>
           <pc:sldMk cId="0" sldId="257"/>
         </pc:sldMkLst>
         <pc:spChg chg="mod">
-          <ac:chgData name="Newaz, Shuvo" userId="4c2373e7-346f-4797-94d1-ef2a1d69f094" providerId="ADAL" clId="{7976DB38-3065-4BA1-91BF-A1048E1F5D4F}" dt="2022-11-12T04:52:43.574" v="1570" actId="20577"/>
+          <ac:chgData name="Newaz, Shuvo" userId="4c2373e7-346f-4797-94d1-ef2a1d69f094" providerId="ADAL" clId="{7976DB38-3065-4BA1-91BF-A1048E1F5D4F}" dt="2022-11-13T00:36:39.883" v="3323" actId="20577"/>
           <ac:spMkLst>
             <pc:docMk/>
             <pc:sldMk cId="0" sldId="257"/>
@@ -328,12 +328,28 @@
             <ac:picMk id="3" creationId="{7FC49F9A-A119-6FEC-6D46-2FE2FFE244A2}"/>
           </ac:picMkLst>
         </pc:picChg>
+        <pc:picChg chg="add mod">
+          <ac:chgData name="Newaz, Shuvo" userId="4c2373e7-346f-4797-94d1-ef2a1d69f094" providerId="ADAL" clId="{7976DB38-3065-4BA1-91BF-A1048E1F5D4F}" dt="2022-11-13T00:36:05.221" v="3310" actId="14100"/>
+          <ac:picMkLst>
+            <pc:docMk/>
+            <pc:sldMk cId="0" sldId="257"/>
+            <ac:picMk id="3" creationId="{888BDF4F-B53C-5A16-1786-1915FD4F81F4}"/>
+          </ac:picMkLst>
+        </pc:picChg>
         <pc:picChg chg="add del mod">
           <ac:chgData name="Newaz, Shuvo" userId="4c2373e7-346f-4797-94d1-ef2a1d69f094" providerId="ADAL" clId="{7976DB38-3065-4BA1-91BF-A1048E1F5D4F}" dt="2022-11-12T02:05:27.861" v="751"/>
           <ac:picMkLst>
             <pc:docMk/>
             <pc:sldMk cId="0" sldId="257"/>
             <ac:picMk id="4" creationId="{860FDA44-4155-694B-0FC7-DD3DB3CD9F64}"/>
+          </ac:picMkLst>
+        </pc:picChg>
+        <pc:picChg chg="add mod">
+          <ac:chgData name="Newaz, Shuvo" userId="4c2373e7-346f-4797-94d1-ef2a1d69f094" providerId="ADAL" clId="{7976DB38-3065-4BA1-91BF-A1048E1F5D4F}" dt="2022-11-13T00:36:20.671" v="3315" actId="14100"/>
+          <ac:picMkLst>
+            <pc:docMk/>
+            <pc:sldMk cId="0" sldId="257"/>
+            <ac:picMk id="5" creationId="{19FF173E-F2D6-2741-E3E8-B8E7EC2BE6A9}"/>
           </ac:picMkLst>
         </pc:picChg>
         <pc:picChg chg="add del mod">
@@ -344,16 +360,16 @@
             <ac:picMk id="6" creationId="{BEE8C04E-EA9B-3B4E-E5E4-480A625539FC}"/>
           </ac:picMkLst>
         </pc:picChg>
-        <pc:picChg chg="add mod">
-          <ac:chgData name="Newaz, Shuvo" userId="4c2373e7-346f-4797-94d1-ef2a1d69f094" providerId="ADAL" clId="{7976DB38-3065-4BA1-91BF-A1048E1F5D4F}" dt="2022-11-12T02:32:08.605" v="811" actId="14100"/>
+        <pc:picChg chg="add del mod">
+          <ac:chgData name="Newaz, Shuvo" userId="4c2373e7-346f-4797-94d1-ef2a1d69f094" providerId="ADAL" clId="{7976DB38-3065-4BA1-91BF-A1048E1F5D4F}" dt="2022-11-13T00:35:54.579" v="3306" actId="478"/>
           <ac:picMkLst>
             <pc:docMk/>
             <pc:sldMk cId="0" sldId="257"/>
             <ac:picMk id="8" creationId="{0AA74CFB-38CB-EC14-D8F7-5D566842B06B}"/>
           </ac:picMkLst>
         </pc:picChg>
-        <pc:picChg chg="add mod">
-          <ac:chgData name="Newaz, Shuvo" userId="4c2373e7-346f-4797-94d1-ef2a1d69f094" providerId="ADAL" clId="{7976DB38-3065-4BA1-91BF-A1048E1F5D4F}" dt="2022-11-12T02:32:25.256" v="816" actId="1076"/>
+        <pc:picChg chg="add del mod">
+          <ac:chgData name="Newaz, Shuvo" userId="4c2373e7-346f-4797-94d1-ef2a1d69f094" providerId="ADAL" clId="{7976DB38-3065-4BA1-91BF-A1048E1F5D4F}" dt="2022-11-13T00:36:10.801" v="3311" actId="478"/>
           <ac:picMkLst>
             <pc:docMk/>
             <pc:sldMk cId="0" sldId="257"/>
@@ -362,13 +378,21 @@
         </pc:picChg>
       </pc:sldChg>
       <pc:sldChg chg="modSp mod">
-        <pc:chgData name="Newaz, Shuvo" userId="4c2373e7-346f-4797-94d1-ef2a1d69f094" providerId="ADAL" clId="{7976DB38-3065-4BA1-91BF-A1048E1F5D4F}" dt="2022-11-12T04:22:01.882" v="929" actId="20577"/>
+        <pc:chgData name="Newaz, Shuvo" userId="4c2373e7-346f-4797-94d1-ef2a1d69f094" providerId="ADAL" clId="{7976DB38-3065-4BA1-91BF-A1048E1F5D4F}" dt="2022-11-13T01:21:08.378" v="3466" actId="20577"/>
         <pc:sldMkLst>
           <pc:docMk/>
           <pc:sldMk cId="0" sldId="258"/>
         </pc:sldMkLst>
+        <pc:spChg chg="mod">
+          <ac:chgData name="Newaz, Shuvo" userId="4c2373e7-346f-4797-94d1-ef2a1d69f094" providerId="ADAL" clId="{7976DB38-3065-4BA1-91BF-A1048E1F5D4F}" dt="2022-11-13T01:01:25.771" v="3438" actId="14100"/>
+          <ac:spMkLst>
+            <pc:docMk/>
+            <pc:sldMk cId="0" sldId="258"/>
+            <ac:spMk id="68" creationId="{00000000-0000-0000-0000-000000000000}"/>
+          </ac:spMkLst>
+        </pc:spChg>
         <pc:graphicFrameChg chg="mod modGraphic">
-          <ac:chgData name="Newaz, Shuvo" userId="4c2373e7-346f-4797-94d1-ef2a1d69f094" providerId="ADAL" clId="{7976DB38-3065-4BA1-91BF-A1048E1F5D4F}" dt="2022-11-12T04:22:01.882" v="929" actId="20577"/>
+          <ac:chgData name="Newaz, Shuvo" userId="4c2373e7-346f-4797-94d1-ef2a1d69f094" providerId="ADAL" clId="{7976DB38-3065-4BA1-91BF-A1048E1F5D4F}" dt="2022-11-13T01:21:08.378" v="3466" actId="20577"/>
           <ac:graphicFrameMkLst>
             <pc:docMk/>
             <pc:sldMk cId="0" sldId="258"/>
@@ -377,13 +401,13 @@
         </pc:graphicFrameChg>
       </pc:sldChg>
       <pc:sldChg chg="addSp delSp modSp mod">
-        <pc:chgData name="Newaz, Shuvo" userId="4c2373e7-346f-4797-94d1-ef2a1d69f094" providerId="ADAL" clId="{7976DB38-3065-4BA1-91BF-A1048E1F5D4F}" dt="2022-11-12T04:52:46.038" v="1571" actId="20577"/>
+        <pc:chgData name="Newaz, Shuvo" userId="4c2373e7-346f-4797-94d1-ef2a1d69f094" providerId="ADAL" clId="{7976DB38-3065-4BA1-91BF-A1048E1F5D4F}" dt="2022-11-13T01:28:57.730" v="3474" actId="20577"/>
         <pc:sldMkLst>
           <pc:docMk/>
           <pc:sldMk cId="0" sldId="259"/>
         </pc:sldMkLst>
         <pc:spChg chg="mod">
-          <ac:chgData name="Newaz, Shuvo" userId="4c2373e7-346f-4797-94d1-ef2a1d69f094" providerId="ADAL" clId="{7976DB38-3065-4BA1-91BF-A1048E1F5D4F}" dt="2022-11-12T04:52:46.038" v="1571" actId="20577"/>
+          <ac:chgData name="Newaz, Shuvo" userId="4c2373e7-346f-4797-94d1-ef2a1d69f094" providerId="ADAL" clId="{7976DB38-3065-4BA1-91BF-A1048E1F5D4F}" dt="2022-11-13T01:28:57.730" v="3474" actId="20577"/>
           <ac:spMkLst>
             <pc:docMk/>
             <pc:sldMk cId="0" sldId="259"/>
@@ -399,7 +423,15 @@
           </ac:picMkLst>
         </pc:picChg>
         <pc:picChg chg="add mod">
-          <ac:chgData name="Newaz, Shuvo" userId="4c2373e7-346f-4797-94d1-ef2a1d69f094" providerId="ADAL" clId="{7976DB38-3065-4BA1-91BF-A1048E1F5D4F}" dt="2022-11-12T04:22:47.597" v="944" actId="14100"/>
+          <ac:chgData name="Newaz, Shuvo" userId="4c2373e7-346f-4797-94d1-ef2a1d69f094" providerId="ADAL" clId="{7976DB38-3065-4BA1-91BF-A1048E1F5D4F}" dt="2022-11-13T01:13:58.417" v="3447" actId="14100"/>
+          <ac:picMkLst>
+            <pc:docMk/>
+            <pc:sldMk cId="0" sldId="259"/>
+            <ac:picMk id="3" creationId="{ED1850BC-C9B2-2AD7-1770-95F2EFCC2DE5}"/>
+          </ac:picMkLst>
+        </pc:picChg>
+        <pc:picChg chg="add del mod">
+          <ac:chgData name="Newaz, Shuvo" userId="4c2373e7-346f-4797-94d1-ef2a1d69f094" providerId="ADAL" clId="{7976DB38-3065-4BA1-91BF-A1048E1F5D4F}" dt="2022-11-13T01:13:48.274" v="3443" actId="478"/>
           <ac:picMkLst>
             <pc:docMk/>
             <pc:sldMk cId="0" sldId="259"/>
@@ -415,7 +447,15 @@
           </ac:picMkLst>
         </pc:picChg>
         <pc:picChg chg="add mod">
-          <ac:chgData name="Newaz, Shuvo" userId="4c2373e7-346f-4797-94d1-ef2a1d69f094" providerId="ADAL" clId="{7976DB38-3065-4BA1-91BF-A1048E1F5D4F}" dt="2022-11-12T04:22:49.613" v="945" actId="14100"/>
+          <ac:chgData name="Newaz, Shuvo" userId="4c2373e7-346f-4797-94d1-ef2a1d69f094" providerId="ADAL" clId="{7976DB38-3065-4BA1-91BF-A1048E1F5D4F}" dt="2022-11-13T01:14:20.874" v="3456" actId="1076"/>
+          <ac:picMkLst>
+            <pc:docMk/>
+            <pc:sldMk cId="0" sldId="259"/>
+            <ac:picMk id="6" creationId="{B5C121B7-2CEB-A3AD-32F4-3B4A35973E1C}"/>
+          </ac:picMkLst>
+        </pc:picChg>
+        <pc:picChg chg="add del mod">
+          <ac:chgData name="Newaz, Shuvo" userId="4c2373e7-346f-4797-94d1-ef2a1d69f094" providerId="ADAL" clId="{7976DB38-3065-4BA1-91BF-A1048E1F5D4F}" dt="2022-11-13T01:14:06.522" v="3448" actId="478"/>
           <ac:picMkLst>
             <pc:docMk/>
             <pc:sldMk cId="0" sldId="259"/>
@@ -470,19 +510,27 @@
         </pc:spChg>
       </pc:sldChg>
       <pc:sldChg chg="addSp delSp modSp mod">
-        <pc:chgData name="Newaz, Shuvo" userId="4c2373e7-346f-4797-94d1-ef2a1d69f094" providerId="ADAL" clId="{7976DB38-3065-4BA1-91BF-A1048E1F5D4F}" dt="2022-11-12T04:46:24.324" v="1560" actId="20577"/>
+        <pc:chgData name="Newaz, Shuvo" userId="4c2373e7-346f-4797-94d1-ef2a1d69f094" providerId="ADAL" clId="{7976DB38-3065-4BA1-91BF-A1048E1F5D4F}" dt="2022-11-13T01:33:08.515" v="3492" actId="20577"/>
         <pc:sldMkLst>
           <pc:docMk/>
           <pc:sldMk cId="0" sldId="262"/>
         </pc:sldMkLst>
         <pc:spChg chg="mod">
-          <ac:chgData name="Newaz, Shuvo" userId="4c2373e7-346f-4797-94d1-ef2a1d69f094" providerId="ADAL" clId="{7976DB38-3065-4BA1-91BF-A1048E1F5D4F}" dt="2022-11-12T04:46:24.324" v="1560" actId="20577"/>
+          <ac:chgData name="Newaz, Shuvo" userId="4c2373e7-346f-4797-94d1-ef2a1d69f094" providerId="ADAL" clId="{7976DB38-3065-4BA1-91BF-A1048E1F5D4F}" dt="2022-11-13T01:33:08.515" v="3492" actId="20577"/>
           <ac:spMkLst>
             <pc:docMk/>
             <pc:sldMk cId="0" sldId="262"/>
             <ac:spMk id="96" creationId="{00000000-0000-0000-0000-000000000000}"/>
           </ac:spMkLst>
         </pc:spChg>
+        <pc:picChg chg="add mod">
+          <ac:chgData name="Newaz, Shuvo" userId="4c2373e7-346f-4797-94d1-ef2a1d69f094" providerId="ADAL" clId="{7976DB38-3065-4BA1-91BF-A1048E1F5D4F}" dt="2022-11-13T01:32:35.860" v="3482" actId="14100"/>
+          <ac:picMkLst>
+            <pc:docMk/>
+            <pc:sldMk cId="0" sldId="262"/>
+            <ac:picMk id="3" creationId="{1791E5E5-63CD-391C-397D-23556049A38C}"/>
+          </ac:picMkLst>
+        </pc:picChg>
         <pc:picChg chg="add del mod">
           <ac:chgData name="Newaz, Shuvo" userId="4c2373e7-346f-4797-94d1-ef2a1d69f094" providerId="ADAL" clId="{7976DB38-3065-4BA1-91BF-A1048E1F5D4F}" dt="2022-11-12T04:45:41.024" v="1535" actId="478"/>
           <ac:picMkLst>
@@ -491,8 +539,8 @@
             <ac:picMk id="3" creationId="{AC93D96A-D4E5-6CDF-3B9D-966C36D4EB15}"/>
           </ac:picMkLst>
         </pc:picChg>
-        <pc:picChg chg="add mod">
-          <ac:chgData name="Newaz, Shuvo" userId="4c2373e7-346f-4797-94d1-ef2a1d69f094" providerId="ADAL" clId="{7976DB38-3065-4BA1-91BF-A1048E1F5D4F}" dt="2022-11-12T04:45:46.776" v="1538" actId="1076"/>
+        <pc:picChg chg="add del mod">
+          <ac:chgData name="Newaz, Shuvo" userId="4c2373e7-346f-4797-94d1-ef2a1d69f094" providerId="ADAL" clId="{7976DB38-3065-4BA1-91BF-A1048E1F5D4F}" dt="2022-11-13T01:32:20.855" v="3475" actId="478"/>
           <ac:picMkLst>
             <pc:docMk/>
             <pc:sldMk cId="0" sldId="262"/>
@@ -508,7 +556,15 @@
           </ac:picMkLst>
         </pc:picChg>
         <pc:picChg chg="add mod">
-          <ac:chgData name="Newaz, Shuvo" userId="4c2373e7-346f-4797-94d1-ef2a1d69f094" providerId="ADAL" clId="{7976DB38-3065-4BA1-91BF-A1048E1F5D4F}" dt="2022-11-12T04:46:05.092" v="1544" actId="14100"/>
+          <ac:chgData name="Newaz, Shuvo" userId="4c2373e7-346f-4797-94d1-ef2a1d69f094" providerId="ADAL" clId="{7976DB38-3065-4BA1-91BF-A1048E1F5D4F}" dt="2022-11-13T01:32:54.690" v="3490" actId="1076"/>
+          <ac:picMkLst>
+            <pc:docMk/>
+            <pc:sldMk cId="0" sldId="262"/>
+            <ac:picMk id="6" creationId="{DAE2C52F-5B07-8C73-8F1D-C527988C2E30}"/>
+          </ac:picMkLst>
+        </pc:picChg>
+        <pc:picChg chg="add del mod">
+          <ac:chgData name="Newaz, Shuvo" userId="4c2373e7-346f-4797-94d1-ef2a1d69f094" providerId="ADAL" clId="{7976DB38-3065-4BA1-91BF-A1048E1F5D4F}" dt="2022-11-13T01:32:42.432" v="3483" actId="478"/>
           <ac:picMkLst>
             <pc:docMk/>
             <pc:sldMk cId="0" sldId="262"/>
@@ -548,13 +604,13 @@
         </pc:picChg>
       </pc:sldChg>
       <pc:sldChg chg="addSp delSp modSp mod">
-        <pc:chgData name="Newaz, Shuvo" userId="4c2373e7-346f-4797-94d1-ef2a1d69f094" providerId="ADAL" clId="{7976DB38-3065-4BA1-91BF-A1048E1F5D4F}" dt="2022-11-12T05:08:53.864" v="1974" actId="20577"/>
+        <pc:chgData name="Newaz, Shuvo" userId="4c2373e7-346f-4797-94d1-ef2a1d69f094" providerId="ADAL" clId="{7976DB38-3065-4BA1-91BF-A1048E1F5D4F}" dt="2022-11-13T00:32:31.414" v="3305" actId="123"/>
         <pc:sldMkLst>
           <pc:docMk/>
           <pc:sldMk cId="0" sldId="264"/>
         </pc:sldMkLst>
         <pc:spChg chg="mod">
-          <ac:chgData name="Newaz, Shuvo" userId="4c2373e7-346f-4797-94d1-ef2a1d69f094" providerId="ADAL" clId="{7976DB38-3065-4BA1-91BF-A1048E1F5D4F}" dt="2022-11-12T05:08:53.864" v="1974" actId="20577"/>
+          <ac:chgData name="Newaz, Shuvo" userId="4c2373e7-346f-4797-94d1-ef2a1d69f094" providerId="ADAL" clId="{7976DB38-3065-4BA1-91BF-A1048E1F5D4F}" dt="2022-11-13T00:32:31.414" v="3305" actId="123"/>
           <ac:spMkLst>
             <pc:docMk/>
             <pc:sldMk cId="0" sldId="264"/>
@@ -571,7 +627,7 @@
         </pc:picChg>
       </pc:sldChg>
       <pc:sldChg chg="modSp mod">
-        <pc:chgData name="Newaz, Shuvo" userId="4c2373e7-346f-4797-94d1-ef2a1d69f094" providerId="ADAL" clId="{7976DB38-3065-4BA1-91BF-A1048E1F5D4F}" dt="2022-11-12T05:53:45.832" v="3288" actId="20577"/>
+        <pc:chgData name="Newaz, Shuvo" userId="4c2373e7-346f-4797-94d1-ef2a1d69f094" providerId="ADAL" clId="{7976DB38-3065-4BA1-91BF-A1048E1F5D4F}" dt="2022-11-13T01:35:26.486" v="3536" actId="20577"/>
         <pc:sldMkLst>
           <pc:docMk/>
           <pc:sldMk cId="0" sldId="265"/>
@@ -585,7 +641,7 @@
           </ac:spMkLst>
         </pc:spChg>
         <pc:spChg chg="mod">
-          <ac:chgData name="Newaz, Shuvo" userId="4c2373e7-346f-4797-94d1-ef2a1d69f094" providerId="ADAL" clId="{7976DB38-3065-4BA1-91BF-A1048E1F5D4F}" dt="2022-11-12T05:53:00.113" v="3243" actId="20577"/>
+          <ac:chgData name="Newaz, Shuvo" userId="4c2373e7-346f-4797-94d1-ef2a1d69f094" providerId="ADAL" clId="{7976DB38-3065-4BA1-91BF-A1048E1F5D4F}" dt="2022-11-13T01:35:26.486" v="3536" actId="20577"/>
           <ac:spMkLst>
             <pc:docMk/>
             <pc:sldMk cId="0" sldId="265"/>
@@ -617,13 +673,13 @@
         </pc:spChg>
       </pc:sldChg>
       <pc:sldChg chg="addSp delSp modSp mod">
-        <pc:chgData name="Newaz, Shuvo" userId="4c2373e7-346f-4797-94d1-ef2a1d69f094" providerId="ADAL" clId="{7976DB38-3065-4BA1-91BF-A1048E1F5D4F}" dt="2022-11-12T05:25:50.415" v="2579" actId="478"/>
+        <pc:chgData name="Newaz, Shuvo" userId="4c2373e7-346f-4797-94d1-ef2a1d69f094" providerId="ADAL" clId="{7976DB38-3065-4BA1-91BF-A1048E1F5D4F}" dt="2022-11-13T01:37:38.425" v="3550" actId="20577"/>
         <pc:sldMkLst>
           <pc:docMk/>
           <pc:sldMk cId="1098754398" sldId="268"/>
         </pc:sldMkLst>
         <pc:spChg chg="mod">
-          <ac:chgData name="Newaz, Shuvo" userId="4c2373e7-346f-4797-94d1-ef2a1d69f094" providerId="ADAL" clId="{7976DB38-3065-4BA1-91BF-A1048E1F5D4F}" dt="2022-11-12T05:12:38.321" v="2002" actId="20577"/>
+          <ac:chgData name="Newaz, Shuvo" userId="4c2373e7-346f-4797-94d1-ef2a1d69f094" providerId="ADAL" clId="{7976DB38-3065-4BA1-91BF-A1048E1F5D4F}" dt="2022-11-13T01:37:38.425" v="3550" actId="20577"/>
           <ac:spMkLst>
             <pc:docMk/>
             <pc:sldMk cId="1098754398" sldId="268"/>
@@ -638,12 +694,28 @@
             <ac:picMk id="3" creationId="{4BFCF5AF-9B35-2ECC-CF97-169616EEC772}"/>
           </ac:picMkLst>
         </pc:picChg>
+        <pc:picChg chg="add mod">
+          <ac:chgData name="Newaz, Shuvo" userId="4c2373e7-346f-4797-94d1-ef2a1d69f094" providerId="ADAL" clId="{7976DB38-3065-4BA1-91BF-A1048E1F5D4F}" dt="2022-11-13T01:37:04.445" v="3541" actId="14100"/>
+          <ac:picMkLst>
+            <pc:docMk/>
+            <pc:sldMk cId="1098754398" sldId="268"/>
+            <ac:picMk id="3" creationId="{8A0B376A-FEB4-125F-71FD-A00382FE775A}"/>
+          </ac:picMkLst>
+        </pc:picChg>
         <pc:picChg chg="add del">
           <ac:chgData name="Newaz, Shuvo" userId="4c2373e7-346f-4797-94d1-ef2a1d69f094" providerId="ADAL" clId="{7976DB38-3065-4BA1-91BF-A1048E1F5D4F}" dt="2022-11-12T01:59:53.686" v="745" actId="22"/>
           <ac:picMkLst>
             <pc:docMk/>
             <pc:sldMk cId="1098754398" sldId="268"/>
             <ac:picMk id="4" creationId="{E5385444-E9CB-1686-AB7A-97A0D1CE7638}"/>
+          </ac:picMkLst>
+        </pc:picChg>
+        <pc:picChg chg="add mod">
+          <ac:chgData name="Newaz, Shuvo" userId="4c2373e7-346f-4797-94d1-ef2a1d69f094" providerId="ADAL" clId="{7976DB38-3065-4BA1-91BF-A1048E1F5D4F}" dt="2022-11-13T01:37:24.525" v="3547" actId="1076"/>
+          <ac:picMkLst>
+            <pc:docMk/>
+            <pc:sldMk cId="1098754398" sldId="268"/>
+            <ac:picMk id="5" creationId="{A14F4549-6C7F-57DB-06B2-A3C74C627DF5}"/>
           </ac:picMkLst>
         </pc:picChg>
         <pc:picChg chg="add del mod">
@@ -655,15 +727,15 @@
           </ac:picMkLst>
         </pc:picChg>
         <pc:picChg chg="add del mod">
-          <ac:chgData name="Newaz, Shuvo" userId="4c2373e7-346f-4797-94d1-ef2a1d69f094" providerId="ADAL" clId="{7976DB38-3065-4BA1-91BF-A1048E1F5D4F}" dt="2022-11-12T05:25:50.415" v="2579" actId="478"/>
+          <ac:chgData name="Newaz, Shuvo" userId="4c2373e7-346f-4797-94d1-ef2a1d69f094" providerId="ADAL" clId="{7976DB38-3065-4BA1-91BF-A1048E1F5D4F}" dt="2022-11-13T01:36:53.981" v="3537" actId="478"/>
           <ac:picMkLst>
             <pc:docMk/>
             <pc:sldMk cId="1098754398" sldId="268"/>
             <ac:picMk id="7" creationId="{A23E11E4-19A3-C7D3-4D71-93924A69696B}"/>
           </ac:picMkLst>
         </pc:picChg>
-        <pc:picChg chg="add mod">
-          <ac:chgData name="Newaz, Shuvo" userId="4c2373e7-346f-4797-94d1-ef2a1d69f094" providerId="ADAL" clId="{7976DB38-3065-4BA1-91BF-A1048E1F5D4F}" dt="2022-11-12T05:12:16.324" v="1985" actId="14100"/>
+        <pc:picChg chg="add del mod">
+          <ac:chgData name="Newaz, Shuvo" userId="4c2373e7-346f-4797-94d1-ef2a1d69f094" providerId="ADAL" clId="{7976DB38-3065-4BA1-91BF-A1048E1F5D4F}" dt="2022-11-13T01:37:11.553" v="3542" actId="478"/>
           <ac:picMkLst>
             <pc:docMk/>
             <pc:sldMk cId="1098754398" sldId="268"/>
@@ -11155,14 +11227,7 @@
                 <a:latin typeface="Cambria" panose="02040503050406030204" pitchFamily="18" charset="0"/>
                 <a:ea typeface="Cambria" panose="02040503050406030204" pitchFamily="18" charset="0"/>
               </a:rPr>
-              <a:t>It means to take a pre-trained network, freeze all the parameters except for the ones in the last (few) layers and train the model on the given database to get good parameter values for the data. In other words, fine-tune an already </a:t>
-            </a:r>
-            <a:r>
-              <a:rPr lang="en">
-                <a:latin typeface="Cambria" panose="02040503050406030204" pitchFamily="18" charset="0"/>
-                <a:ea typeface="Cambria" panose="02040503050406030204" pitchFamily="18" charset="0"/>
-              </a:rPr>
-              <a:t>adequate network to make it catered to the current database.</a:t>
+              <a:t>It means to take a pre-trained network, freeze all the parameters except for the ones in the last (few) layers and train the model on the given database to get good parameter values for the data. In other words, fine-tune an already adequate network to make it catered to the current database.</a:t>
             </a:r>
             <a:endParaRPr dirty="0">
               <a:latin typeface="Cambria" panose="02040503050406030204" pitchFamily="18" charset="0"/>
@@ -11225,7 +11290,7 @@
                 <a:latin typeface="Cambria" panose="02040503050406030204" pitchFamily="18" charset="0"/>
                 <a:ea typeface="Cambria" panose="02040503050406030204" pitchFamily="18" charset="0"/>
               </a:rPr>
-              <a:t>We want to freeze the conv layers to reduce computation as a result of trainng. The conv layers learn common features from images, so the layers trained on one set of images may be generalized on another set of images.</a:t>
+              <a:t>We want to freeze the conv layers to reduce computation as a result of training and to keep the parameter values unchanged. The conv layers learn common features from images, so the layers trained on one set of images may be generalized on another set of images.</a:t>
             </a:r>
             <a:endParaRPr dirty="0">
               <a:latin typeface="Cambria" panose="02040503050406030204" pitchFamily="18" charset="0"/>
@@ -11470,7 +11535,19 @@
                       <a:rPr lang="en-US" b="0" i="1" smtClean="0">
                         <a:latin typeface="Cambria Math" panose="02040503050406030204" pitchFamily="18" charset="0"/>
                       </a:rPr>
-                      <m:t>91.6%</m:t>
+                      <m:t>91.</m:t>
+                    </m:r>
+                    <m:r>
+                      <a:rPr lang="en-US" b="0" i="1" smtClean="0">
+                        <a:latin typeface="Cambria Math" panose="02040503050406030204" pitchFamily="18" charset="0"/>
+                      </a:rPr>
+                      <m:t>9</m:t>
+                    </m:r>
+                    <m:r>
+                      <a:rPr lang="en-US" b="0" i="1" smtClean="0">
+                        <a:latin typeface="Cambria Math" panose="02040503050406030204" pitchFamily="18" charset="0"/>
+                      </a:rPr>
+                      <m:t>%</m:t>
                     </m:r>
                   </m:oMath>
                 </a14:m>
@@ -11496,7 +11573,31 @@
                       <a:rPr lang="en-US" b="0" i="1" smtClean="0">
                         <a:latin typeface="Cambria Math" panose="02040503050406030204" pitchFamily="18" charset="0"/>
                       </a:rPr>
-                      <m:t>90.7%</m:t>
+                      <m:t>9</m:t>
+                    </m:r>
+                    <m:r>
+                      <a:rPr lang="en-US" b="0" i="1" smtClean="0">
+                        <a:latin typeface="Cambria Math" panose="02040503050406030204" pitchFamily="18" charset="0"/>
+                      </a:rPr>
+                      <m:t>1</m:t>
+                    </m:r>
+                    <m:r>
+                      <a:rPr lang="en-US" b="0" i="1" smtClean="0">
+                        <a:latin typeface="Cambria Math" panose="02040503050406030204" pitchFamily="18" charset="0"/>
+                      </a:rPr>
+                      <m:t>.</m:t>
+                    </m:r>
+                    <m:r>
+                      <a:rPr lang="en-US" b="0" i="1" smtClean="0">
+                        <a:latin typeface="Cambria Math" panose="02040503050406030204" pitchFamily="18" charset="0"/>
+                      </a:rPr>
+                      <m:t>1</m:t>
+                    </m:r>
+                    <m:r>
+                      <a:rPr lang="en-US" b="0" i="1" smtClean="0">
+                        <a:latin typeface="Cambria Math" panose="02040503050406030204" pitchFamily="18" charset="0"/>
+                      </a:rPr>
+                      <m:t>%</m:t>
                     </m:r>
                   </m:oMath>
                 </a14:m>
@@ -11590,10 +11691,10 @@
       </p:sp>
       <p:pic>
         <p:nvPicPr>
-          <p:cNvPr id="7" name="Picture 6">
+          <p:cNvPr id="3" name="Picture 2">
             <a:extLst>
               <a:ext uri="{FF2B5EF4-FFF2-40B4-BE49-F238E27FC236}">
-                <a16:creationId xmlns:a16="http://schemas.microsoft.com/office/drawing/2014/main" id="{A23E11E4-19A3-C7D3-4D71-93924A69696B}"/>
+                <a16:creationId xmlns:a16="http://schemas.microsoft.com/office/drawing/2014/main" id="{8A0B376A-FEB4-125F-71FD-A00382FE775A}"/>
               </a:ext>
             </a:extLst>
           </p:cNvPr>
@@ -11610,8 +11711,8 @@
         </p:blipFill>
         <p:spPr>
           <a:xfrm>
-            <a:off x="311700" y="1478678"/>
-            <a:ext cx="2726482" cy="2178300"/>
+            <a:off x="335154" y="1478679"/>
+            <a:ext cx="2805611" cy="2172550"/>
           </a:xfrm>
           <a:prstGeom prst="rect">
             <a:avLst/>
@@ -11620,10 +11721,10 @@
       </p:pic>
       <p:pic>
         <p:nvPicPr>
-          <p:cNvPr id="9" name="Picture 8">
+          <p:cNvPr id="5" name="Picture 4">
             <a:extLst>
               <a:ext uri="{FF2B5EF4-FFF2-40B4-BE49-F238E27FC236}">
-                <a16:creationId xmlns:a16="http://schemas.microsoft.com/office/drawing/2014/main" id="{CEE863FD-29FA-E150-CCA7-F2CFA9649C2B}"/>
+                <a16:creationId xmlns:a16="http://schemas.microsoft.com/office/drawing/2014/main" id="{A14F4549-6C7F-57DB-06B2-A3C74C627DF5}"/>
               </a:ext>
             </a:extLst>
           </p:cNvPr>
@@ -11640,8 +11741,8 @@
         </p:blipFill>
         <p:spPr>
           <a:xfrm>
-            <a:off x="4437888" y="1478678"/>
-            <a:ext cx="2769759" cy="2178300"/>
+            <a:off x="4407941" y="1478679"/>
+            <a:ext cx="2761485" cy="2171793"/>
           </a:xfrm>
           <a:prstGeom prst="rect">
             <a:avLst/>
@@ -11994,8 +12095,8 @@
           </a:p>
         </p:txBody>
       </p:sp>
-      <mc:AlternateContent xmlns:mc="http://schemas.openxmlformats.org/markup-compatibility/2006">
-        <mc:Choice xmlns:a14="http://schemas.microsoft.com/office/drawing/2010/main" Requires="a14">
+      <mc:AlternateContent xmlns:mc="http://schemas.openxmlformats.org/markup-compatibility/2006" xmlns:a14="http://schemas.microsoft.com/office/drawing/2010/main">
+        <mc:Choice Requires="a14">
           <p:sp>
             <p:nvSpPr>
               <p:cNvPr id="116" name="Google Shape;116;p22"/>
@@ -12078,7 +12179,7 @@
             </p:txBody>
           </p:sp>
         </mc:Choice>
-        <mc:Fallback>
+        <mc:Fallback xmlns="">
           <p:sp>
             <p:nvSpPr>
               <p:cNvPr id="116" name="Google Shape;116;p22"/>
@@ -12486,18 +12587,11 @@
                 <a14:m>
                   <m:oMath xmlns:m="http://schemas.openxmlformats.org/officeDocument/2006/math">
                     <m:r>
-                      <a:rPr lang="en-US" i="1" dirty="0" smtClean="0">
-                        <a:latin typeface="Cambria Math" panose="02040503050406030204" pitchFamily="18" charset="0"/>
-                        <a:ea typeface="Cambria" panose="02040503050406030204" pitchFamily="18" charset="0"/>
-                      </a:rPr>
-                      <m:t>7</m:t>
-                    </m:r>
-                    <m:r>
                       <a:rPr lang="en-US" b="0" i="1" dirty="0" smtClean="0">
                         <a:latin typeface="Cambria Math" panose="02040503050406030204" pitchFamily="18" charset="0"/>
                         <a:ea typeface="Cambria" panose="02040503050406030204" pitchFamily="18" charset="0"/>
                       </a:rPr>
-                      <m:t>5.9</m:t>
+                      <m:t>62.6</m:t>
                     </m:r>
                     <m:r>
                       <a:rPr lang="en-US" i="1" dirty="0" smtClean="0">
@@ -12527,25 +12621,18 @@
                 <a14:m>
                   <m:oMath xmlns:m="http://schemas.openxmlformats.org/officeDocument/2006/math">
                     <m:r>
-                      <a:rPr lang="en-US" i="1" dirty="0" smtClean="0">
-                        <a:latin typeface="Cambria Math" panose="02040503050406030204" pitchFamily="18" charset="0"/>
-                        <a:ea typeface="Cambria" panose="02040503050406030204" pitchFamily="18" charset="0"/>
-                      </a:rPr>
-                      <m:t>5</m:t>
-                    </m:r>
-                    <m:r>
                       <a:rPr lang="en-US" b="0" i="1" dirty="0" smtClean="0">
                         <a:latin typeface="Cambria Math" panose="02040503050406030204" pitchFamily="18" charset="0"/>
                         <a:ea typeface="Cambria" panose="02040503050406030204" pitchFamily="18" charset="0"/>
                       </a:rPr>
-                      <m:t>4</m:t>
+                      <m:t>48.4</m:t>
                     </m:r>
                     <m:r>
                       <a:rPr lang="en-US" i="1" dirty="0" smtClean="0">
                         <a:latin typeface="Cambria Math" panose="02040503050406030204" pitchFamily="18" charset="0"/>
                         <a:ea typeface="Cambria" panose="02040503050406030204" pitchFamily="18" charset="0"/>
                       </a:rPr>
-                      <m:t>.8%</m:t>
+                      <m:t>%</m:t>
                     </m:r>
                   </m:oMath>
                 </a14:m>
@@ -12642,10 +12729,10 @@
       </p:sp>
       <p:pic>
         <p:nvPicPr>
-          <p:cNvPr id="8" name="Picture 7">
+          <p:cNvPr id="3" name="Picture 2">
             <a:extLst>
               <a:ext uri="{FF2B5EF4-FFF2-40B4-BE49-F238E27FC236}">
-                <a16:creationId xmlns:a16="http://schemas.microsoft.com/office/drawing/2014/main" id="{0AA74CFB-38CB-EC14-D8F7-5D566842B06B}"/>
+                <a16:creationId xmlns:a16="http://schemas.microsoft.com/office/drawing/2014/main" id="{888BDF4F-B53C-5A16-1786-1915FD4F81F4}"/>
               </a:ext>
             </a:extLst>
           </p:cNvPr>
@@ -12662,8 +12749,8 @@
         </p:blipFill>
         <p:spPr>
           <a:xfrm>
-            <a:off x="357822" y="1493044"/>
-            <a:ext cx="2738946" cy="2154066"/>
+            <a:off x="404190" y="1489698"/>
+            <a:ext cx="2743199" cy="2157412"/>
           </a:xfrm>
           <a:prstGeom prst="rect">
             <a:avLst/>
@@ -12672,10 +12759,10 @@
       </p:pic>
       <p:pic>
         <p:nvPicPr>
-          <p:cNvPr id="10" name="Picture 9">
+          <p:cNvPr id="5" name="Picture 4">
             <a:extLst>
               <a:ext uri="{FF2B5EF4-FFF2-40B4-BE49-F238E27FC236}">
-                <a16:creationId xmlns:a16="http://schemas.microsoft.com/office/drawing/2014/main" id="{4CEB5071-53DD-76EA-A00D-4AABD0682085}"/>
+                <a16:creationId xmlns:a16="http://schemas.microsoft.com/office/drawing/2014/main" id="{19FF173E-F2D6-2741-E3E8-B8E7EC2BE6A9}"/>
               </a:ext>
             </a:extLst>
           </p:cNvPr>
@@ -12692,8 +12779,8 @@
         </p:blipFill>
         <p:spPr>
           <a:xfrm>
-            <a:off x="5120640" y="1489698"/>
-            <a:ext cx="2700337" cy="2157412"/>
+            <a:off x="5141842" y="1489699"/>
+            <a:ext cx="2693711" cy="2152118"/>
           </a:xfrm>
           <a:prstGeom prst="rect">
             <a:avLst/>
@@ -12779,8 +12866,8 @@
         </p:nvSpPr>
         <p:spPr>
           <a:xfrm>
-            <a:off x="311700" y="1152475"/>
-            <a:ext cx="8520600" cy="3416400"/>
+            <a:off x="311700" y="1033395"/>
+            <a:ext cx="8520600" cy="520907"/>
           </a:xfrm>
           <a:prstGeom prst="rect">
             <a:avLst/>
@@ -12802,10 +12889,10 @@
               <a:buNone/>
             </a:pPr>
             <a:r>
-              <a:rPr lang="en"/>
+              <a:rPr lang="en" dirty="0"/>
               <a:t>Add each of the following (keeping the changes as you move to the next row):</a:t>
             </a:r>
-            <a:endParaRPr/>
+            <a:endParaRPr dirty="0"/>
           </a:p>
         </p:txBody>
       </p:sp>
@@ -12818,14 +12905,14 @@
               <p:nvPr>
                 <p:extLst>
                   <p:ext uri="{D42A27DB-BD31-4B8C-83A1-F6EECF244321}">
-                    <p14:modId xmlns:p14="http://schemas.microsoft.com/office/powerpoint/2010/main" val="1709444507"/>
+                    <p14:modId xmlns:p14="http://schemas.microsoft.com/office/powerpoint/2010/main" val="3667458864"/>
                   </p:ext>
                 </p:extLst>
               </p:nvPr>
             </p:nvGraphicFramePr>
             <p:xfrm>
-              <a:off x="1239488" y="1693450"/>
-              <a:ext cx="6665025" cy="3200200"/>
+              <a:off x="828669" y="1554302"/>
+              <a:ext cx="7500322" cy="3367840"/>
             </p:xfrm>
             <a:graphic>
               <a:graphicData uri="http://schemas.openxmlformats.org/drawingml/2006/table">
@@ -12842,14 +12929,14 @@
                         </a:ext>
                       </a:extLst>
                     </a:gridCol>
-                    <a:gridCol w="1401150">
+                    <a:gridCol w="1842710">
                       <a:extLst>
                         <a:ext uri="{9D8B030D-6E8A-4147-A177-3AD203B41FA5}">
                           <a16:colId xmlns:a16="http://schemas.microsoft.com/office/drawing/2014/main" val="20001"/>
                         </a:ext>
                       </a:extLst>
                     </a:gridCol>
-                    <a:gridCol w="1355550">
+                    <a:gridCol w="1749287">
                       <a:extLst>
                         <a:ext uri="{9D8B030D-6E8A-4147-A177-3AD203B41FA5}">
                           <a16:colId xmlns:a16="http://schemas.microsoft.com/office/drawing/2014/main" val="20002"/>
@@ -12872,7 +12959,7 @@
                             </a:spcAft>
                             <a:buNone/>
                           </a:pPr>
-                          <a:endParaRPr/>
+                          <a:endParaRPr dirty="0"/>
                         </a:p>
                       </a:txBody>
                       <a:tcPr marL="91425" marR="91425" marT="91425" marB="91425"/>
@@ -12882,7 +12969,7 @@
                         <a:bodyPr/>
                         <a:lstStyle/>
                         <a:p>
-                          <a:pPr marL="0" lvl="0" indent="0" algn="l" rtl="0">
+                          <a:pPr marL="0" lvl="0" indent="0" algn="ctr" rtl="0">
                             <a:spcBef>
                               <a:spcPts val="0"/>
                             </a:spcBef>
@@ -12905,7 +12992,7 @@
                         <a:bodyPr/>
                         <a:lstStyle/>
                         <a:p>
-                          <a:pPr marL="0" lvl="0" indent="0" algn="l" rtl="0">
+                          <a:pPr marL="0" lvl="0" indent="0" algn="ctr" rtl="0">
                             <a:spcBef>
                               <a:spcPts val="0"/>
                             </a:spcBef>
@@ -12915,10 +13002,10 @@
                             <a:buNone/>
                           </a:pPr>
                           <a:r>
-                            <a:rPr lang="en"/>
+                            <a:rPr lang="en" dirty="0"/>
                             <a:t>Validation accuracy</a:t>
                           </a:r>
-                          <a:endParaRPr/>
+                          <a:endParaRPr dirty="0"/>
                         </a:p>
                       </a:txBody>
                       <a:tcPr marL="91425" marR="91425" marT="91425" marB="91425"/>
@@ -12945,10 +13032,10 @@
                             <a:buNone/>
                           </a:pPr>
                           <a:r>
-                            <a:rPr lang="en"/>
+                            <a:rPr lang="en" dirty="0"/>
                             <a:t>SimpleNet</a:t>
                           </a:r>
-                          <a:endParaRPr/>
+                          <a:endParaRPr dirty="0"/>
                         </a:p>
                       </a:txBody>
                       <a:tcPr marL="91425" marR="91425" marT="91425" marB="91425"/>
@@ -12974,18 +13061,11 @@
                               </m:oMathParaPr>
                               <m:oMath xmlns:m="http://schemas.openxmlformats.org/officeDocument/2006/math">
                                 <m:r>
-                                  <a:rPr lang="en" i="1" dirty="0" smtClean="0">
-                                    <a:latin typeface="Cambria Math" panose="02040503050406030204" pitchFamily="18" charset="0"/>
-                                    <a:ea typeface="Cambria" panose="02040503050406030204" pitchFamily="18" charset="0"/>
-                                  </a:rPr>
-                                  <m:t>7</m:t>
-                                </m:r>
-                                <m:r>
                                   <a:rPr lang="en-US" b="0" i="1" dirty="0" smtClean="0">
                                     <a:latin typeface="Cambria Math" panose="02040503050406030204" pitchFamily="18" charset="0"/>
                                     <a:ea typeface="Cambria" panose="02040503050406030204" pitchFamily="18" charset="0"/>
                                   </a:rPr>
-                                  <m:t>5.9</m:t>
+                                  <m:t>62.6</m:t>
                                 </m:r>
                                 <m:r>
                                   <a:rPr lang="en" i="1" dirty="0" smtClean="0">
@@ -13023,25 +13103,18 @@
                               </m:oMathParaPr>
                               <m:oMath xmlns:m="http://schemas.openxmlformats.org/officeDocument/2006/math">
                                 <m:r>
-                                  <a:rPr lang="en" i="1" dirty="0" smtClean="0">
-                                    <a:latin typeface="Cambria Math" panose="02040503050406030204" pitchFamily="18" charset="0"/>
-                                    <a:ea typeface="Cambria" panose="02040503050406030204" pitchFamily="18" charset="0"/>
-                                  </a:rPr>
-                                  <m:t>5</m:t>
-                                </m:r>
-                                <m:r>
                                   <a:rPr lang="en-US" b="0" i="1" dirty="0" smtClean="0">
                                     <a:latin typeface="Cambria Math" panose="02040503050406030204" pitchFamily="18" charset="0"/>
                                     <a:ea typeface="Cambria" panose="02040503050406030204" pitchFamily="18" charset="0"/>
                                   </a:rPr>
-                                  <m:t>4</m:t>
+                                  <m:t>48.4</m:t>
                                 </m:r>
                                 <m:r>
                                   <a:rPr lang="en" i="1" dirty="0" smtClean="0">
                                     <a:latin typeface="Cambria Math" panose="02040503050406030204" pitchFamily="18" charset="0"/>
                                     <a:ea typeface="Cambria" panose="02040503050406030204" pitchFamily="18" charset="0"/>
                                   </a:rPr>
-                                  <m:t>.8%</m:t>
+                                  <m:t>%</m:t>
                                 </m:r>
                               </m:oMath>
                             </m:oMathPara>
@@ -13106,7 +13179,145 @@
                                   <a:rPr lang="en-US" b="0" i="1" smtClean="0">
                                     <a:latin typeface="Cambria Math" panose="02040503050406030204" pitchFamily="18" charset="0"/>
                                   </a:rPr>
-                                  <m:t>69.4%</m:t>
+                                  <m:t>55</m:t>
+                                </m:r>
+                                <m:r>
+                                  <a:rPr lang="en-US" b="0" i="1" smtClean="0">
+                                    <a:latin typeface="Cambria Math" panose="02040503050406030204" pitchFamily="18" charset="0"/>
+                                  </a:rPr>
+                                  <m:t>%</m:t>
+                                </m:r>
+                              </m:oMath>
+                            </m:oMathPara>
+                          </a14:m>
+                          <a:endParaRPr dirty="0"/>
+                        </a:p>
+                      </a:txBody>
+                      <a:tcPr marL="91425" marR="91425" marT="91425" marB="91425"/>
+                    </a:tc>
+                    <a:tc>
+                      <a:txBody>
+                        <a:bodyPr/>
+                        <a:lstStyle/>
+                        <a:p>
+                          <a:pPr marL="0" lvl="0" indent="0" algn="ctr" rtl="0">
+                            <a:spcBef>
+                              <a:spcPts val="0"/>
+                            </a:spcBef>
+                            <a:spcAft>
+                              <a:spcPts val="0"/>
+                            </a:spcAft>
+                            <a:buNone/>
+                          </a:pPr>
+                          <a14:m>
+                            <m:oMath xmlns:m="http://schemas.openxmlformats.org/officeDocument/2006/math">
+                              <m:r>
+                                <a:rPr lang="en-US" sz="1400" b="0" i="1" smtClean="0">
+                                  <a:latin typeface="Cambria Math" panose="02040503050406030204" pitchFamily="18" charset="0"/>
+                                </a:rPr>
+                                <m:t>29.4</m:t>
+                              </m:r>
+                              <m:r>
+                                <a:rPr lang="en-US" sz="1400" b="0" i="1" smtClean="0">
+                                  <a:latin typeface="Cambria Math" panose="02040503050406030204" pitchFamily="18" charset="0"/>
+                                </a:rPr>
+                                <m:t>%</m:t>
+                              </m:r>
+                            </m:oMath>
+                          </a14:m>
+                          <a:r>
+                            <a:rPr lang="en-US" sz="1400" dirty="0"/>
+                            <a:t> </a:t>
+                          </a:r>
+                          <a:r>
+                            <a:rPr lang="en-US" sz="1100" dirty="0">
+                              <a:latin typeface="Cambria" panose="02040503050406030204" pitchFamily="18" charset="0"/>
+                              <a:ea typeface="Cambria" panose="02040503050406030204" pitchFamily="18" charset="0"/>
+                            </a:rPr>
+                            <a:t>(Consistently lower than row 1)</a:t>
+                          </a:r>
+                          <a:endParaRPr sz="1400" dirty="0">
+                            <a:latin typeface="Cambria" panose="02040503050406030204" pitchFamily="18" charset="0"/>
+                            <a:ea typeface="Cambria" panose="02040503050406030204" pitchFamily="18" charset="0"/>
+                          </a:endParaRPr>
+                        </a:p>
+                      </a:txBody>
+                      <a:tcPr marL="91425" marR="91425" marT="91425" marB="91425"/>
+                    </a:tc>
+                    <a:extLst>
+                      <a:ext uri="{0D108BD9-81ED-4DB2-BD59-A6C34878D82A}">
+                        <a16:rowId xmlns:a16="http://schemas.microsoft.com/office/drawing/2014/main" val="10002"/>
+                      </a:ext>
+                    </a:extLst>
+                  </a:tr>
+                  <a:tr h="609575">
+                    <a:tc>
+                      <a:txBody>
+                        <a:bodyPr/>
+                        <a:lstStyle/>
+                        <a:p>
+                          <a:pPr marL="457200" lvl="0" indent="-317500" algn="l" rtl="0">
+                            <a:spcBef>
+                              <a:spcPts val="0"/>
+                            </a:spcBef>
+                            <a:spcAft>
+                              <a:spcPts val="0"/>
+                            </a:spcAft>
+                            <a:buSzPts val="1400"/>
+                            <a:buChar char="+"/>
+                          </a:pPr>
+                          <a:r>
+                            <a:rPr lang="en" dirty="0"/>
+                            <a:t>Zero-centering &amp; variance-normalization</a:t>
+                          </a:r>
+                          <a:endParaRPr dirty="0"/>
+                        </a:p>
+                      </a:txBody>
+                      <a:tcPr marL="91425" marR="91425" marT="91425" marB="91425"/>
+                    </a:tc>
+                    <a:tc>
+                      <a:txBody>
+                        <a:bodyPr/>
+                        <a:lstStyle/>
+                        <a:p>
+                          <a:pPr marL="0" lvl="0" indent="0" algn="ctr" rtl="0">
+                            <a:spcBef>
+                              <a:spcPts val="0"/>
+                            </a:spcBef>
+                            <a:spcAft>
+                              <a:spcPts val="0"/>
+                            </a:spcAft>
+                            <a:buNone/>
+                          </a:pPr>
+                          <a14:m>
+                            <m:oMathPara xmlns:m="http://schemas.openxmlformats.org/officeDocument/2006/math">
+                              <m:oMathParaPr>
+                                <m:jc m:val="centerGroup"/>
+                              </m:oMathParaPr>
+                              <m:oMath xmlns:m="http://schemas.openxmlformats.org/officeDocument/2006/math">
+                                <m:r>
+                                  <a:rPr lang="en-US" b="0" i="1" smtClean="0">
+                                    <a:latin typeface="Cambria Math" panose="02040503050406030204" pitchFamily="18" charset="0"/>
+                                  </a:rPr>
+                                  <m:t>76</m:t>
+                                </m:r>
+                                <m:r>
+                                  <a:rPr lang="en-US" b="0" i="1" smtClean="0">
+                                    <a:latin typeface="Cambria Math" panose="02040503050406030204" pitchFamily="18" charset="0"/>
+                                  </a:rPr>
+                                  <m:t>.</m:t>
+                                </m:r>
+                                <m:r>
+                                  <a:rPr lang="en-US" b="0" i="1" smtClean="0">
+                                    <a:latin typeface="Cambria Math" panose="02040503050406030204" pitchFamily="18" charset="0"/>
+                                  </a:rPr>
+                                  <m:t>4</m:t>
+                                </m:r>
+                                <m:r>
+                                  <a:rPr lang="en-US" b="0" i="1" smtClean="0">
+                                    <a:latin typeface="Cambria Math" panose="02040503050406030204" pitchFamily="18" charset="0"/>
+                                  </a:rPr>
+                                  <m:t>%</m:t>
                                 </m:r>
                               </m:oMath>
                             </m:oMathPara>
@@ -13140,7 +13351,13 @@
                                   <a:rPr lang="en-US" b="0" i="1" smtClean="0">
                                     <a:latin typeface="Cambria Math" panose="02040503050406030204" pitchFamily="18" charset="0"/>
                                   </a:rPr>
-                                  <m:t>52.8%</m:t>
+                                  <m:t>58</m:t>
+                                </m:r>
+                                <m:r>
+                                  <a:rPr lang="en-US" b="0" i="1" smtClean="0">
+                                    <a:latin typeface="Cambria Math" panose="02040503050406030204" pitchFamily="18" charset="0"/>
+                                  </a:rPr>
+                                  <m:t>%</m:t>
                                 </m:r>
                               </m:oMath>
                             </m:oMathPara>
@@ -13152,11 +13369,11 @@
                     </a:tc>
                     <a:extLst>
                       <a:ext uri="{0D108BD9-81ED-4DB2-BD59-A6C34878D82A}">
-                        <a16:rowId xmlns:a16="http://schemas.microsoft.com/office/drawing/2014/main" val="10002"/>
+                        <a16:rowId xmlns:a16="http://schemas.microsoft.com/office/drawing/2014/main" val="10003"/>
                       </a:ext>
                     </a:extLst>
                   </a:tr>
-                  <a:tr h="609575">
+                  <a:tr h="396200">
                     <a:tc>
                       <a:txBody>
                         <a:bodyPr/>
@@ -13173,10 +13390,10 @@
                             <a:buChar char="+"/>
                           </a:pPr>
                           <a:r>
-                            <a:rPr lang="en"/>
-                            <a:t>Zero-centering &amp; variance-normalization</a:t>
+                            <a:rPr lang="en" dirty="0"/>
+                            <a:t>Dropout regularization</a:t>
                           </a:r>
-                          <a:endParaRPr/>
+                          <a:endParaRPr dirty="0"/>
                         </a:p>
                       </a:txBody>
                       <a:tcPr marL="91425" marR="91425" marT="91425" marB="91425"/>
@@ -13205,7 +13422,13 @@
                                   <a:rPr lang="en-US" b="0" i="1" smtClean="0">
                                     <a:latin typeface="Cambria Math" panose="02040503050406030204" pitchFamily="18" charset="0"/>
                                   </a:rPr>
-                                  <m:t>75.9%</m:t>
+                                  <m:t>64.7</m:t>
+                                </m:r>
+                                <m:r>
+                                  <a:rPr lang="en-US" b="0" i="1" smtClean="0">
+                                    <a:latin typeface="Cambria Math" panose="02040503050406030204" pitchFamily="18" charset="0"/>
+                                  </a:rPr>
+                                  <m:t>%</m:t>
                                 </m:r>
                               </m:oMath>
                             </m:oMathPara>
@@ -13239,106 +13462,13 @@
                                   <a:rPr lang="en-US" b="0" i="1" smtClean="0">
                                     <a:latin typeface="Cambria Math" panose="02040503050406030204" pitchFamily="18" charset="0"/>
                                   </a:rPr>
-                                  <m:t>59.1%</m:t>
+                                  <m:t>57.7</m:t>
                                 </m:r>
-                              </m:oMath>
-                            </m:oMathPara>
-                          </a14:m>
-                          <a:endParaRPr dirty="0"/>
-                        </a:p>
-                      </a:txBody>
-                      <a:tcPr marL="91425" marR="91425" marT="91425" marB="91425"/>
-                    </a:tc>
-                    <a:extLst>
-                      <a:ext uri="{0D108BD9-81ED-4DB2-BD59-A6C34878D82A}">
-                        <a16:rowId xmlns:a16="http://schemas.microsoft.com/office/drawing/2014/main" val="10003"/>
-                      </a:ext>
-                    </a:extLst>
-                  </a:tr>
-                  <a:tr h="396200">
-                    <a:tc>
-                      <a:txBody>
-                        <a:bodyPr/>
-                        <a:lstStyle/>
-                        <a:p>
-                          <a:pPr marL="457200" lvl="0" indent="-317500" algn="l" rtl="0">
-                            <a:spcBef>
-                              <a:spcPts val="0"/>
-                            </a:spcBef>
-                            <a:spcAft>
-                              <a:spcPts val="0"/>
-                            </a:spcAft>
-                            <a:buSzPts val="1400"/>
-                            <a:buChar char="+"/>
-                          </a:pPr>
-                          <a:r>
-                            <a:rPr lang="en"/>
-                            <a:t>Dropout regularization</a:t>
-                          </a:r>
-                          <a:endParaRPr/>
-                        </a:p>
-                      </a:txBody>
-                      <a:tcPr marL="91425" marR="91425" marT="91425" marB="91425"/>
-                    </a:tc>
-                    <a:tc>
-                      <a:txBody>
-                        <a:bodyPr/>
-                        <a:lstStyle/>
-                        <a:p>
-                          <a:pPr marL="0" lvl="0" indent="0" algn="ctr" rtl="0">
-                            <a:spcBef>
-                              <a:spcPts val="0"/>
-                            </a:spcBef>
-                            <a:spcAft>
-                              <a:spcPts val="0"/>
-                            </a:spcAft>
-                            <a:buNone/>
-                          </a:pPr>
-                          <a14:m>
-                            <m:oMathPara xmlns:m="http://schemas.openxmlformats.org/officeDocument/2006/math">
-                              <m:oMathParaPr>
-                                <m:jc m:val="centerGroup"/>
-                              </m:oMathParaPr>
-                              <m:oMath xmlns:m="http://schemas.openxmlformats.org/officeDocument/2006/math">
                                 <m:r>
                                   <a:rPr lang="en-US" b="0" i="1" smtClean="0">
                                     <a:latin typeface="Cambria Math" panose="02040503050406030204" pitchFamily="18" charset="0"/>
                                   </a:rPr>
-                                  <m:t>77.1%</m:t>
-                                </m:r>
-                              </m:oMath>
-                            </m:oMathPara>
-                          </a14:m>
-                          <a:endParaRPr dirty="0"/>
-                        </a:p>
-                      </a:txBody>
-                      <a:tcPr marL="91425" marR="91425" marT="91425" marB="91425"/>
-                    </a:tc>
-                    <a:tc>
-                      <a:txBody>
-                        <a:bodyPr/>
-                        <a:lstStyle/>
-                        <a:p>
-                          <a:pPr marL="0" lvl="0" indent="0" algn="ctr" rtl="0">
-                            <a:spcBef>
-                              <a:spcPts val="0"/>
-                            </a:spcBef>
-                            <a:spcAft>
-                              <a:spcPts val="0"/>
-                            </a:spcAft>
-                            <a:buNone/>
-                          </a:pPr>
-                          <a14:m>
-                            <m:oMathPara xmlns:m="http://schemas.openxmlformats.org/officeDocument/2006/math">
-                              <m:oMathParaPr>
-                                <m:jc m:val="centerGroup"/>
-                              </m:oMathParaPr>
-                              <m:oMath xmlns:m="http://schemas.openxmlformats.org/officeDocument/2006/math">
-                                <m:r>
-                                  <a:rPr lang="en-US" b="0" i="1" smtClean="0">
-                                    <a:latin typeface="Cambria Math" panose="02040503050406030204" pitchFamily="18" charset="0"/>
-                                  </a:rPr>
-                                  <m:t>62.2%</m:t>
+                                  <m:t>%</m:t>
                                 </m:r>
                               </m:oMath>
                             </m:oMathPara>
@@ -13403,7 +13533,25 @@
                                   <a:rPr lang="en-US" b="0" i="1" smtClean="0">
                                     <a:latin typeface="Cambria Math" panose="02040503050406030204" pitchFamily="18" charset="0"/>
                                   </a:rPr>
-                                  <m:t>64.3%</m:t>
+                                  <m:t>68</m:t>
+                                </m:r>
+                                <m:r>
+                                  <a:rPr lang="en-US" b="0" i="1" smtClean="0">
+                                    <a:latin typeface="Cambria Math" panose="02040503050406030204" pitchFamily="18" charset="0"/>
+                                  </a:rPr>
+                                  <m:t>.</m:t>
+                                </m:r>
+                                <m:r>
+                                  <a:rPr lang="en-US" b="0" i="1" smtClean="0">
+                                    <a:latin typeface="Cambria Math" panose="02040503050406030204" pitchFamily="18" charset="0"/>
+                                  </a:rPr>
+                                  <m:t>8</m:t>
+                                </m:r>
+                                <m:r>
+                                  <a:rPr lang="en-US" b="0" i="1" smtClean="0">
+                                    <a:latin typeface="Cambria Math" panose="02040503050406030204" pitchFamily="18" charset="0"/>
+                                  </a:rPr>
+                                  <m:t>%</m:t>
                                 </m:r>
                               </m:oMath>
                             </m:oMathPara>
@@ -13437,7 +13585,25 @@
                                   <a:rPr lang="en-US" b="0" i="1" smtClean="0">
                                     <a:latin typeface="Cambria Math" panose="02040503050406030204" pitchFamily="18" charset="0"/>
                                   </a:rPr>
-                                  <m:t>58.3%</m:t>
+                                  <m:t>57</m:t>
+                                </m:r>
+                                <m:r>
+                                  <a:rPr lang="en-US" b="0" i="1" smtClean="0">
+                                    <a:latin typeface="Cambria Math" panose="02040503050406030204" pitchFamily="18" charset="0"/>
+                                  </a:rPr>
+                                  <m:t>.</m:t>
+                                </m:r>
+                                <m:r>
+                                  <a:rPr lang="en-US" b="0" i="1" smtClean="0">
+                                    <a:latin typeface="Cambria Math" panose="02040503050406030204" pitchFamily="18" charset="0"/>
+                                  </a:rPr>
+                                  <m:t>9</m:t>
+                                </m:r>
+                                <m:r>
+                                  <a:rPr lang="en-US" b="0" i="1" smtClean="0">
+                                    <a:latin typeface="Cambria Math" panose="02040503050406030204" pitchFamily="18" charset="0"/>
+                                  </a:rPr>
+                                  <m:t>%</m:t>
                                 </m:r>
                               </m:oMath>
                             </m:oMathPara>
@@ -13502,7 +13668,13 @@
                                   <a:rPr lang="en-US" b="0" i="1" smtClean="0">
                                     <a:latin typeface="Cambria Math" panose="02040503050406030204" pitchFamily="18" charset="0"/>
                                   </a:rPr>
-                                  <m:t>66.2%</m:t>
+                                  <m:t>74.8</m:t>
+                                </m:r>
+                                <m:r>
+                                  <a:rPr lang="en-US" b="0" i="1" smtClean="0">
+                                    <a:latin typeface="Cambria Math" panose="02040503050406030204" pitchFamily="18" charset="0"/>
+                                  </a:rPr>
+                                  <m:t>%</m:t>
                                 </m:r>
                               </m:oMath>
                             </m:oMathPara>
@@ -13536,7 +13708,13 @@
                                   <a:rPr lang="en-US" b="0" i="1" smtClean="0">
                                     <a:latin typeface="Cambria Math" panose="02040503050406030204" pitchFamily="18" charset="0"/>
                                   </a:rPr>
-                                  <m:t>56.0%</m:t>
+                                  <m:t>63.5</m:t>
+                                </m:r>
+                                <m:r>
+                                  <a:rPr lang="en-US" b="0" i="1" smtClean="0">
+                                    <a:latin typeface="Cambria Math" panose="02040503050406030204" pitchFamily="18" charset="0"/>
+                                  </a:rPr>
+                                  <m:t>%</m:t>
                                 </m:r>
                               </m:oMath>
                             </m:oMathPara>
@@ -13565,14 +13743,14 @@
               <p:nvPr>
                 <p:extLst>
                   <p:ext uri="{D42A27DB-BD31-4B8C-83A1-F6EECF244321}">
-                    <p14:modId xmlns:p14="http://schemas.microsoft.com/office/powerpoint/2010/main" val="1709444507"/>
+                    <p14:modId xmlns:p14="http://schemas.microsoft.com/office/powerpoint/2010/main" val="3667458864"/>
                   </p:ext>
                 </p:extLst>
               </p:nvPr>
             </p:nvGraphicFramePr>
             <p:xfrm>
-              <a:off x="1239488" y="1693450"/>
-              <a:ext cx="6665025" cy="3200200"/>
+              <a:off x="828669" y="1554302"/>
+              <a:ext cx="7500322" cy="3367840"/>
             </p:xfrm>
             <a:graphic>
               <a:graphicData uri="http://schemas.openxmlformats.org/drawingml/2006/table">
@@ -13589,14 +13767,14 @@
                         </a:ext>
                       </a:extLst>
                     </a:gridCol>
-                    <a:gridCol w="1401150">
+                    <a:gridCol w="1842710">
                       <a:extLst>
                         <a:ext uri="{9D8B030D-6E8A-4147-A177-3AD203B41FA5}">
                           <a16:colId xmlns:a16="http://schemas.microsoft.com/office/drawing/2014/main" val="20001"/>
                         </a:ext>
                       </a:extLst>
                     </a:gridCol>
-                    <a:gridCol w="1355550">
+                    <a:gridCol w="1749287">
                       <a:extLst>
                         <a:ext uri="{9D8B030D-6E8A-4147-A177-3AD203B41FA5}">
                           <a16:colId xmlns:a16="http://schemas.microsoft.com/office/drawing/2014/main" val="20002"/>
@@ -13619,7 +13797,7 @@
                             </a:spcAft>
                             <a:buNone/>
                           </a:pPr>
-                          <a:endParaRPr/>
+                          <a:endParaRPr dirty="0"/>
                         </a:p>
                       </a:txBody>
                       <a:tcPr marL="91425" marR="91425" marT="91425" marB="91425"/>
@@ -13629,7 +13807,7 @@
                         <a:bodyPr/>
                         <a:lstStyle/>
                         <a:p>
-                          <a:pPr marL="0" lvl="0" indent="0" algn="l" rtl="0">
+                          <a:pPr marL="0" lvl="0" indent="0" algn="ctr" rtl="0">
                             <a:spcBef>
                               <a:spcPts val="0"/>
                             </a:spcBef>
@@ -13652,7 +13830,7 @@
                         <a:bodyPr/>
                         <a:lstStyle/>
                         <a:p>
-                          <a:pPr marL="0" lvl="0" indent="0" algn="l" rtl="0">
+                          <a:pPr marL="0" lvl="0" indent="0" algn="ctr" rtl="0">
                             <a:spcBef>
                               <a:spcPts val="0"/>
                             </a:spcBef>
@@ -13662,10 +13840,10 @@
                             <a:buNone/>
                           </a:pPr>
                           <a:r>
-                            <a:rPr lang="en"/>
+                            <a:rPr lang="en" dirty="0"/>
                             <a:t>Validation accuracy</a:t>
                           </a:r>
-                          <a:endParaRPr/>
+                          <a:endParaRPr dirty="0"/>
                         </a:p>
                       </a:txBody>
                       <a:tcPr marL="91425" marR="91425" marT="91425" marB="91425"/>
@@ -13692,10 +13870,10 @@
                             <a:buNone/>
                           </a:pPr>
                           <a:r>
-                            <a:rPr lang="en"/>
+                            <a:rPr lang="en" dirty="0"/>
                             <a:t>SimpleNet</a:t>
                           </a:r>
-                          <a:endParaRPr/>
+                          <a:endParaRPr dirty="0"/>
                         </a:p>
                       </a:txBody>
                       <a:tcPr marL="91425" marR="91425" marT="91425" marB="91425"/>
@@ -13712,7 +13890,7 @@
                         <a:blipFill>
                           <a:blip r:embed="rId3"/>
                           <a:stretch>
-                            <a:fillRect l="-280786" t="-153846" r="-98253" b="-560000"/>
+                            <a:fillRect l="-211881" t="-153846" r="-95050" b="-601538"/>
                           </a:stretch>
                         </a:blipFill>
                       </a:tcPr>
@@ -13729,7 +13907,7 @@
                         <a:blipFill>
                           <a:blip r:embed="rId3"/>
                           <a:stretch>
-                            <a:fillRect l="-391031" t="-153846" r="-897" b="-560000"/>
+                            <a:fillRect l="-329268" t="-153846" r="-348" b="-601538"/>
                           </a:stretch>
                         </a:blipFill>
                       </a:tcPr>
@@ -13740,7 +13918,7 @@
                       </a:ext>
                     </a:extLst>
                   </a:tr>
-                  <a:tr h="396210">
+                  <a:tr h="563850">
                     <a:tc>
                       <a:txBody>
                         <a:bodyPr/>
@@ -13777,7 +13955,7 @@
                         <a:blipFill>
                           <a:blip r:embed="rId3"/>
                           <a:stretch>
-                            <a:fillRect l="-280786" t="-253846" r="-98253" b="-460000"/>
+                            <a:fillRect l="-211881" t="-177419" r="-95050" b="-320430"/>
                           </a:stretch>
                         </a:blipFill>
                       </a:tcPr>
@@ -13794,7 +13972,7 @@
                         <a:blipFill>
                           <a:blip r:embed="rId3"/>
                           <a:stretch>
-                            <a:fillRect l="-391031" t="-253846" r="-897" b="-460000"/>
+                            <a:fillRect l="-329268" t="-177419" r="-348" b="-320430"/>
                           </a:stretch>
                         </a:blipFill>
                       </a:tcPr>
@@ -13822,10 +14000,10 @@
                             <a:buChar char="+"/>
                           </a:pPr>
                           <a:r>
-                            <a:rPr lang="en"/>
+                            <a:rPr lang="en" dirty="0"/>
                             <a:t>Zero-centering &amp; variance-normalization</a:t>
                           </a:r>
-                          <a:endParaRPr/>
+                          <a:endParaRPr dirty="0"/>
                         </a:p>
                       </a:txBody>
                       <a:tcPr marL="91425" marR="91425" marT="91425" marB="91425"/>
@@ -13842,7 +14020,7 @@
                         <a:blipFill>
                           <a:blip r:embed="rId3"/>
                           <a:stretch>
-                            <a:fillRect l="-280786" t="-227723" r="-98253" b="-196040"/>
+                            <a:fillRect l="-211881" t="-258000" r="-95050" b="-198000"/>
                           </a:stretch>
                         </a:blipFill>
                       </a:tcPr>
@@ -13859,7 +14037,7 @@
                         <a:blipFill>
                           <a:blip r:embed="rId3"/>
                           <a:stretch>
-                            <a:fillRect l="-391031" t="-227723" r="-897" b="-196040"/>
+                            <a:fillRect l="-329268" t="-258000" r="-348" b="-198000"/>
                           </a:stretch>
                         </a:blipFill>
                       </a:tcPr>
@@ -13887,10 +14065,10 @@
                             <a:buChar char="+"/>
                           </a:pPr>
                           <a:r>
-                            <a:rPr lang="en"/>
+                            <a:rPr lang="en" dirty="0"/>
                             <a:t>Dropout regularization</a:t>
                           </a:r>
-                          <a:endParaRPr/>
+                          <a:endParaRPr dirty="0"/>
                         </a:p>
                       </a:txBody>
                       <a:tcPr marL="91425" marR="91425" marT="91425" marB="91425"/>
@@ -13907,7 +14085,7 @@
                         <a:blipFill>
                           <a:blip r:embed="rId3"/>
                           <a:stretch>
-                            <a:fillRect l="-280786" t="-509231" r="-98253" b="-204615"/>
+                            <a:fillRect l="-211881" t="-542424" r="-95050" b="-200000"/>
                           </a:stretch>
                         </a:blipFill>
                       </a:tcPr>
@@ -13924,7 +14102,7 @@
                         <a:blipFill>
                           <a:blip r:embed="rId3"/>
                           <a:stretch>
-                            <a:fillRect l="-391031" t="-509231" r="-897" b="-204615"/>
+                            <a:fillRect l="-329268" t="-542424" r="-348" b="-200000"/>
                           </a:stretch>
                         </a:blipFill>
                       </a:tcPr>
@@ -13972,7 +14150,7 @@
                         <a:blipFill>
                           <a:blip r:embed="rId3"/>
                           <a:stretch>
-                            <a:fillRect l="-280786" t="-609231" r="-98253" b="-104615"/>
+                            <a:fillRect l="-211881" t="-652308" r="-95050" b="-103077"/>
                           </a:stretch>
                         </a:blipFill>
                       </a:tcPr>
@@ -13989,7 +14167,7 @@
                         <a:blipFill>
                           <a:blip r:embed="rId3"/>
                           <a:stretch>
-                            <a:fillRect l="-391031" t="-609231" r="-897" b="-104615"/>
+                            <a:fillRect l="-329268" t="-652308" r="-348" b="-103077"/>
                           </a:stretch>
                         </a:blipFill>
                       </a:tcPr>
@@ -14037,7 +14215,7 @@
                         <a:blipFill>
                           <a:blip r:embed="rId3"/>
                           <a:stretch>
-                            <a:fillRect l="-280786" t="-709231" r="-98253" b="-4615"/>
+                            <a:fillRect l="-211881" t="-752308" r="-95050" b="-3077"/>
                           </a:stretch>
                         </a:blipFill>
                       </a:tcPr>
@@ -14054,7 +14232,7 @@
                         <a:blipFill>
                           <a:blip r:embed="rId3"/>
                           <a:stretch>
-                            <a:fillRect l="-391031" t="-709231" r="-897" b="-4615"/>
+                            <a:fillRect l="-329268" t="-752308" r="-348" b="-3077"/>
                           </a:stretch>
                         </a:blipFill>
                       </a:tcPr>
@@ -14304,28 +14482,10 @@
                 <a14:m>
                   <m:oMath xmlns:m="http://schemas.openxmlformats.org/officeDocument/2006/math">
                     <m:r>
-                      <a:rPr lang="en-US" i="1" dirty="0" smtClean="0">
-                        <a:latin typeface="Cambria Math" panose="02040503050406030204" pitchFamily="18" charset="0"/>
-                      </a:rPr>
-                      <m:t>6</m:t>
-                    </m:r>
-                    <m:r>
                       <a:rPr lang="en-US" b="0" i="1" dirty="0" smtClean="0">
                         <a:latin typeface="Cambria Math" panose="02040503050406030204" pitchFamily="18" charset="0"/>
                       </a:rPr>
-                      <m:t>6</m:t>
-                    </m:r>
-                    <m:r>
-                      <a:rPr lang="en-US" i="1" dirty="0" smtClean="0">
-                        <a:latin typeface="Cambria Math" panose="02040503050406030204" pitchFamily="18" charset="0"/>
-                      </a:rPr>
-                      <m:t>.</m:t>
-                    </m:r>
-                    <m:r>
-                      <a:rPr lang="en-US" b="0" i="1" dirty="0" smtClean="0">
-                        <a:latin typeface="Cambria Math" panose="02040503050406030204" pitchFamily="18" charset="0"/>
-                      </a:rPr>
-                      <m:t>2</m:t>
+                      <m:t>74.8</m:t>
                     </m:r>
                     <m:r>
                       <a:rPr lang="en-US" i="1" dirty="0" smtClean="0">
@@ -14357,7 +14517,13 @@
                       <a:rPr lang="en-US" b="0" i="1" smtClean="0">
                         <a:latin typeface="Cambria Math" panose="02040503050406030204" pitchFamily="18" charset="0"/>
                       </a:rPr>
-                      <m:t>56.0%</m:t>
+                      <m:t>63.5</m:t>
+                    </m:r>
+                    <m:r>
+                      <a:rPr lang="en-US" b="0" i="1" smtClean="0">
+                        <a:latin typeface="Cambria Math" panose="02040503050406030204" pitchFamily="18" charset="0"/>
+                      </a:rPr>
+                      <m:t>%</m:t>
                     </m:r>
                   </m:oMath>
                 </a14:m>
@@ -14442,19 +14608,19 @@
               <a:buNone/>
             </a:pPr>
             <a:r>
-              <a:rPr lang="en"/>
+              <a:rPr lang="en" dirty="0"/>
               <a:t>[Insert accuracy plot for SimpleNetFinal here]</a:t>
             </a:r>
-            <a:endParaRPr/>
+            <a:endParaRPr dirty="0"/>
           </a:p>
         </p:txBody>
       </p:sp>
       <p:pic>
         <p:nvPicPr>
-          <p:cNvPr id="4" name="Picture 3">
+          <p:cNvPr id="3" name="Picture 2">
             <a:extLst>
               <a:ext uri="{FF2B5EF4-FFF2-40B4-BE49-F238E27FC236}">
-                <a16:creationId xmlns:a16="http://schemas.microsoft.com/office/drawing/2014/main" id="{0168A3C1-98A1-B89D-F6D3-28671E9A70F8}"/>
+                <a16:creationId xmlns:a16="http://schemas.microsoft.com/office/drawing/2014/main" id="{ED1850BC-C9B2-2AD7-1770-95F2EFCC2DE5}"/>
               </a:ext>
             </a:extLst>
           </p:cNvPr>
@@ -14471,8 +14637,8 @@
         </p:blipFill>
         <p:spPr>
           <a:xfrm>
-            <a:off x="480515" y="1536876"/>
-            <a:ext cx="2652829" cy="2119456"/>
+            <a:off x="311700" y="1536875"/>
+            <a:ext cx="2696543" cy="2120719"/>
           </a:xfrm>
           <a:prstGeom prst="rect">
             <a:avLst/>
@@ -14481,10 +14647,10 @@
       </p:pic>
       <p:pic>
         <p:nvPicPr>
-          <p:cNvPr id="7" name="Picture 6">
+          <p:cNvPr id="6" name="Picture 5">
             <a:extLst>
               <a:ext uri="{FF2B5EF4-FFF2-40B4-BE49-F238E27FC236}">
-                <a16:creationId xmlns:a16="http://schemas.microsoft.com/office/drawing/2014/main" id="{E62E9CCA-54C3-0BA2-DF0C-FDAEF546108E}"/>
+                <a16:creationId xmlns:a16="http://schemas.microsoft.com/office/drawing/2014/main" id="{B5C121B7-2CEB-A3AD-32F4-3B4A35973E1C}"/>
               </a:ext>
             </a:extLst>
           </p:cNvPr>
@@ -14501,8 +14667,8 @@
         </p:blipFill>
         <p:spPr>
           <a:xfrm>
-            <a:off x="5303518" y="1536875"/>
-            <a:ext cx="2652831" cy="2119458"/>
+            <a:off x="5274365" y="1536875"/>
+            <a:ext cx="2650435" cy="2117543"/>
           </a:xfrm>
           <a:prstGeom prst="rect">
             <a:avLst/>
@@ -15473,7 +15639,19 @@
                       <a:rPr lang="en-US" b="0" i="1" smtClean="0">
                         <a:latin typeface="Cambria Math" panose="02040503050406030204" pitchFamily="18" charset="0"/>
                       </a:rPr>
-                      <m:t>89.7%</m:t>
+                      <m:t>8</m:t>
+                    </m:r>
+                    <m:r>
+                      <a:rPr lang="en-US" b="0" i="1" smtClean="0">
+                        <a:latin typeface="Cambria Math" panose="02040503050406030204" pitchFamily="18" charset="0"/>
+                      </a:rPr>
+                      <m:t>8</m:t>
+                    </m:r>
+                    <m:r>
+                      <a:rPr lang="en-US" b="0" i="1" smtClean="0">
+                        <a:latin typeface="Cambria Math" panose="02040503050406030204" pitchFamily="18" charset="0"/>
+                      </a:rPr>
+                      <m:t>.7%</m:t>
                     </m:r>
                   </m:oMath>
                 </a14:m>
@@ -15499,7 +15677,19 @@
                       <a:rPr lang="en-US" b="0" i="1" smtClean="0">
                         <a:latin typeface="Cambria Math" panose="02040503050406030204" pitchFamily="18" charset="0"/>
                       </a:rPr>
-                      <m:t>88.3%</m:t>
+                      <m:t>88.</m:t>
+                    </m:r>
+                    <m:r>
+                      <a:rPr lang="en-US" b="0" i="1" smtClean="0">
+                        <a:latin typeface="Cambria Math" panose="02040503050406030204" pitchFamily="18" charset="0"/>
+                      </a:rPr>
+                      <m:t>2</m:t>
+                    </m:r>
+                    <m:r>
+                      <a:rPr lang="en-US" b="0" i="1" smtClean="0">
+                        <a:latin typeface="Cambria Math" panose="02040503050406030204" pitchFamily="18" charset="0"/>
+                      </a:rPr>
+                      <m:t>%</m:t>
                     </m:r>
                   </m:oMath>
                 </a14:m>
@@ -15593,10 +15783,10 @@
       </p:sp>
       <p:pic>
         <p:nvPicPr>
-          <p:cNvPr id="4" name="Picture 3">
+          <p:cNvPr id="3" name="Picture 2">
             <a:extLst>
               <a:ext uri="{FF2B5EF4-FFF2-40B4-BE49-F238E27FC236}">
-                <a16:creationId xmlns:a16="http://schemas.microsoft.com/office/drawing/2014/main" id="{7EC55419-5E12-C52A-BA3F-4A6675F69360}"/>
+                <a16:creationId xmlns:a16="http://schemas.microsoft.com/office/drawing/2014/main" id="{1791E5E5-63CD-391C-397D-23556049A38C}"/>
               </a:ext>
             </a:extLst>
           </p:cNvPr>
@@ -15613,8 +15803,8 @@
         </p:blipFill>
         <p:spPr>
           <a:xfrm>
-            <a:off x="51300" y="1448507"/>
-            <a:ext cx="2700338" cy="2157413"/>
+            <a:off x="450238" y="1493043"/>
+            <a:ext cx="2728549" cy="2112877"/>
           </a:xfrm>
           <a:prstGeom prst="rect">
             <a:avLst/>
@@ -15623,10 +15813,10 @@
       </p:pic>
       <p:pic>
         <p:nvPicPr>
-          <p:cNvPr id="7" name="Picture 6">
+          <p:cNvPr id="6" name="Picture 5">
             <a:extLst>
               <a:ext uri="{FF2B5EF4-FFF2-40B4-BE49-F238E27FC236}">
-                <a16:creationId xmlns:a16="http://schemas.microsoft.com/office/drawing/2014/main" id="{8F509B9F-110B-0A25-3509-CEB469AC2E43}"/>
+                <a16:creationId xmlns:a16="http://schemas.microsoft.com/office/drawing/2014/main" id="{DAE2C52F-5B07-8C73-8F1D-C527988C2E30}"/>
               </a:ext>
             </a:extLst>
           </p:cNvPr>
@@ -15643,8 +15833,8 @@
         </p:blipFill>
         <p:spPr>
           <a:xfrm>
-            <a:off x="4548266" y="1493043"/>
-            <a:ext cx="2686572" cy="2112877"/>
+            <a:off x="4572000" y="1515311"/>
+            <a:ext cx="2686573" cy="2112877"/>
           </a:xfrm>
           <a:prstGeom prst="rect">
             <a:avLst/>
@@ -15897,7 +16087,7 @@
             </a:r>
           </a:p>
           <a:p>
-            <a:pPr marL="0" lvl="0" indent="0" algn="l" rtl="0">
+            <a:pPr marL="0" lvl="0" indent="0" algn="just" rtl="0">
               <a:spcBef>
                 <a:spcPts val="0"/>
               </a:spcBef>
@@ -15911,7 +16101,7 @@
                 <a:latin typeface="Cambria" panose="02040503050406030204" pitchFamily="18" charset="0"/>
                 <a:ea typeface="Cambria" panose="02040503050406030204" pitchFamily="18" charset="0"/>
               </a:rPr>
-              <a:t>Bedrooms misclassified as living rooms is the most misclassified class. This is likely because bedrooms and living rooms usually look similar with curtains and a soft, cushiony structure (bed or couch). In the next page, the first row shows bedrooms which were misclassified and the second row shows properly classified living rooms.</a:t>
+              <a:t>Bedrooms misclassified as living rooms is the most misclassified class. This is likely because bedrooms and living rooms usually look similar with curtains and a soft, cushiony structure (bed or couch). In the next page, the first row shows bedrooms which were misclassified as living rooms and the second row shows properly classified living rooms.</a:t>
             </a:r>
           </a:p>
           <a:p>
